--- a/ppt/數位時代的資安與犯罪防制.pptx
+++ b/ppt/數位時代的資安與犯罪防制.pptx
@@ -269,6 +269,4352 @@
 </p:presentation>
 </file>
 
+<file path=ppt/diagrams/colors1.xml><?xml version="1.0" encoding="utf-8"?>
+<dgm:colorsDef xmlns:dgm="http://schemas.openxmlformats.org/drawingml/2006/diagram" xmlns:a="http://schemas.openxmlformats.org/drawingml/2006/main" uniqueId="urn:microsoft.com/office/officeart/2005/8/colors/accent0_3">
+  <dgm:title val=""/>
+  <dgm:desc val=""/>
+  <dgm:catLst>
+    <dgm:cat type="mainScheme" pri="10300"/>
+  </dgm:catLst>
+  <dgm:styleLbl name="node0">
+    <dgm:fillClrLst meth="repeat">
+      <a:schemeClr val="dk2"/>
+    </dgm:fillClrLst>
+    <dgm:linClrLst meth="repeat">
+      <a:schemeClr val="lt2"/>
+    </dgm:linClrLst>
+    <dgm:effectClrLst/>
+    <dgm:txLinClrLst/>
+    <dgm:txFillClrLst/>
+    <dgm:txEffectClrLst/>
+  </dgm:styleLbl>
+  <dgm:styleLbl name="alignNode1">
+    <dgm:fillClrLst meth="repeat">
+      <a:schemeClr val="dk2"/>
+    </dgm:fillClrLst>
+    <dgm:linClrLst meth="repeat">
+      <a:schemeClr val="dk2"/>
+    </dgm:linClrLst>
+    <dgm:effectClrLst/>
+    <dgm:txLinClrLst/>
+    <dgm:txFillClrLst/>
+    <dgm:txEffectClrLst/>
+  </dgm:styleLbl>
+  <dgm:styleLbl name="node1">
+    <dgm:fillClrLst meth="repeat">
+      <a:schemeClr val="dk2"/>
+    </dgm:fillClrLst>
+    <dgm:linClrLst meth="repeat">
+      <a:schemeClr val="lt2"/>
+    </dgm:linClrLst>
+    <dgm:effectClrLst/>
+    <dgm:txLinClrLst/>
+    <dgm:txFillClrLst/>
+    <dgm:txEffectClrLst/>
+  </dgm:styleLbl>
+  <dgm:styleLbl name="lnNode1">
+    <dgm:fillClrLst meth="repeat">
+      <a:schemeClr val="dk2"/>
+    </dgm:fillClrLst>
+    <dgm:linClrLst meth="repeat">
+      <a:schemeClr val="lt2"/>
+    </dgm:linClrLst>
+    <dgm:effectClrLst/>
+    <dgm:txLinClrLst/>
+    <dgm:txFillClrLst/>
+    <dgm:txEffectClrLst/>
+  </dgm:styleLbl>
+  <dgm:styleLbl name="vennNode1">
+    <dgm:fillClrLst meth="repeat">
+      <a:schemeClr val="dk2">
+        <a:alpha val="50000"/>
+      </a:schemeClr>
+    </dgm:fillClrLst>
+    <dgm:linClrLst meth="repeat">
+      <a:schemeClr val="lt2"/>
+    </dgm:linClrLst>
+    <dgm:effectClrLst/>
+    <dgm:txLinClrLst/>
+    <dgm:txFillClrLst/>
+    <dgm:txEffectClrLst/>
+  </dgm:styleLbl>
+  <dgm:styleLbl name="node2">
+    <dgm:fillClrLst meth="repeat">
+      <a:schemeClr val="dk2"/>
+    </dgm:fillClrLst>
+    <dgm:linClrLst meth="repeat">
+      <a:schemeClr val="lt2"/>
+    </dgm:linClrLst>
+    <dgm:effectClrLst/>
+    <dgm:txLinClrLst/>
+    <dgm:txFillClrLst/>
+    <dgm:txEffectClrLst/>
+  </dgm:styleLbl>
+  <dgm:styleLbl name="node3">
+    <dgm:fillClrLst meth="repeat">
+      <a:schemeClr val="dk2"/>
+    </dgm:fillClrLst>
+    <dgm:linClrLst meth="repeat">
+      <a:schemeClr val="lt2"/>
+    </dgm:linClrLst>
+    <dgm:effectClrLst/>
+    <dgm:txLinClrLst/>
+    <dgm:txFillClrLst/>
+    <dgm:txEffectClrLst/>
+  </dgm:styleLbl>
+  <dgm:styleLbl name="node4">
+    <dgm:fillClrLst meth="repeat">
+      <a:schemeClr val="dk2"/>
+    </dgm:fillClrLst>
+    <dgm:linClrLst meth="repeat">
+      <a:schemeClr val="lt2"/>
+    </dgm:linClrLst>
+    <dgm:effectClrLst/>
+    <dgm:txLinClrLst/>
+    <dgm:txFillClrLst/>
+    <dgm:txEffectClrLst/>
+  </dgm:styleLbl>
+  <dgm:styleLbl name="fgImgPlace1">
+    <dgm:fillClrLst meth="repeat">
+      <a:schemeClr val="dk2">
+        <a:tint val="50000"/>
+      </a:schemeClr>
+    </dgm:fillClrLst>
+    <dgm:linClrLst meth="repeat">
+      <a:schemeClr val="lt2"/>
+    </dgm:linClrLst>
+    <dgm:effectClrLst/>
+    <dgm:txLinClrLst/>
+    <dgm:txFillClrLst meth="repeat">
+      <a:schemeClr val="lt2"/>
+    </dgm:txFillClrLst>
+    <dgm:txEffectClrLst/>
+  </dgm:styleLbl>
+  <dgm:styleLbl name="alignImgPlace1">
+    <dgm:fillClrLst meth="repeat">
+      <a:schemeClr val="dk2">
+        <a:tint val="50000"/>
+      </a:schemeClr>
+    </dgm:fillClrLst>
+    <dgm:linClrLst meth="repeat">
+      <a:schemeClr val="dk2">
+        <a:shade val="80000"/>
+      </a:schemeClr>
+    </dgm:linClrLst>
+    <dgm:effectClrLst/>
+    <dgm:txLinClrLst/>
+    <dgm:txFillClrLst meth="repeat">
+      <a:schemeClr val="lt2"/>
+    </dgm:txFillClrLst>
+    <dgm:txEffectClrLst/>
+  </dgm:styleLbl>
+  <dgm:styleLbl name="bgImgPlace1">
+    <dgm:fillClrLst meth="repeat">
+      <a:schemeClr val="dk2">
+        <a:tint val="50000"/>
+      </a:schemeClr>
+    </dgm:fillClrLst>
+    <dgm:linClrLst meth="repeat">
+      <a:schemeClr val="dk2">
+        <a:shade val="80000"/>
+      </a:schemeClr>
+    </dgm:linClrLst>
+    <dgm:effectClrLst/>
+    <dgm:txLinClrLst/>
+    <dgm:txFillClrLst meth="repeat">
+      <a:schemeClr val="lt2"/>
+    </dgm:txFillClrLst>
+    <dgm:txEffectClrLst/>
+  </dgm:styleLbl>
+  <dgm:styleLbl name="sibTrans2D1">
+    <dgm:fillClrLst meth="repeat">
+      <a:schemeClr val="dk2">
+        <a:tint val="60000"/>
+      </a:schemeClr>
+    </dgm:fillClrLst>
+    <dgm:linClrLst meth="repeat">
+      <a:schemeClr val="dk2">
+        <a:tint val="60000"/>
+      </a:schemeClr>
+    </dgm:linClrLst>
+    <dgm:effectClrLst/>
+    <dgm:txLinClrLst/>
+    <dgm:txFillClrLst/>
+    <dgm:txEffectClrLst/>
+  </dgm:styleLbl>
+  <dgm:styleLbl name="fgSibTrans2D1">
+    <dgm:fillClrLst meth="repeat">
+      <a:schemeClr val="dk2">
+        <a:tint val="60000"/>
+      </a:schemeClr>
+    </dgm:fillClrLst>
+    <dgm:linClrLst meth="repeat">
+      <a:schemeClr val="dk2">
+        <a:tint val="60000"/>
+      </a:schemeClr>
+    </dgm:linClrLst>
+    <dgm:effectClrLst/>
+    <dgm:txLinClrLst/>
+    <dgm:txFillClrLst/>
+    <dgm:txEffectClrLst/>
+  </dgm:styleLbl>
+  <dgm:styleLbl name="bgSibTrans2D1">
+    <dgm:fillClrLst meth="repeat">
+      <a:schemeClr val="dk2">
+        <a:tint val="60000"/>
+      </a:schemeClr>
+    </dgm:fillClrLst>
+    <dgm:linClrLst meth="repeat">
+      <a:schemeClr val="dk2">
+        <a:tint val="60000"/>
+      </a:schemeClr>
+    </dgm:linClrLst>
+    <dgm:effectClrLst/>
+    <dgm:txLinClrLst/>
+    <dgm:txFillClrLst/>
+    <dgm:txEffectClrLst/>
+  </dgm:styleLbl>
+  <dgm:styleLbl name="sibTrans1D1">
+    <dgm:fillClrLst meth="repeat">
+      <a:schemeClr val="dk2"/>
+    </dgm:fillClrLst>
+    <dgm:linClrLst meth="repeat">
+      <a:schemeClr val="dk2"/>
+    </dgm:linClrLst>
+    <dgm:effectClrLst/>
+    <dgm:txLinClrLst/>
+    <dgm:txFillClrLst meth="repeat">
+      <a:schemeClr val="lt2"/>
+    </dgm:txFillClrLst>
+    <dgm:txEffectClrLst/>
+  </dgm:styleLbl>
+  <dgm:styleLbl name="callout">
+    <dgm:fillClrLst meth="repeat">
+      <a:schemeClr val="dk2"/>
+    </dgm:fillClrLst>
+    <dgm:linClrLst meth="repeat">
+      <a:schemeClr val="dk2">
+        <a:tint val="50000"/>
+      </a:schemeClr>
+    </dgm:linClrLst>
+    <dgm:effectClrLst/>
+    <dgm:txLinClrLst/>
+    <dgm:txFillClrLst meth="repeat">
+      <a:schemeClr val="lt2"/>
+    </dgm:txFillClrLst>
+    <dgm:txEffectClrLst/>
+  </dgm:styleLbl>
+  <dgm:styleLbl name="asst0">
+    <dgm:fillClrLst meth="repeat">
+      <a:schemeClr val="dk2"/>
+    </dgm:fillClrLst>
+    <dgm:linClrLst meth="repeat">
+      <a:schemeClr val="lt2"/>
+    </dgm:linClrLst>
+    <dgm:effectClrLst/>
+    <dgm:txLinClrLst/>
+    <dgm:txFillClrLst/>
+    <dgm:txEffectClrLst/>
+  </dgm:styleLbl>
+  <dgm:styleLbl name="asst1">
+    <dgm:fillClrLst meth="repeat">
+      <a:schemeClr val="dk2"/>
+    </dgm:fillClrLst>
+    <dgm:linClrLst meth="repeat">
+      <a:schemeClr val="lt2"/>
+    </dgm:linClrLst>
+    <dgm:effectClrLst/>
+    <dgm:txLinClrLst/>
+    <dgm:txFillClrLst/>
+    <dgm:txEffectClrLst/>
+  </dgm:styleLbl>
+  <dgm:styleLbl name="asst2">
+    <dgm:fillClrLst meth="repeat">
+      <a:schemeClr val="dk2"/>
+    </dgm:fillClrLst>
+    <dgm:linClrLst meth="repeat">
+      <a:schemeClr val="lt2"/>
+    </dgm:linClrLst>
+    <dgm:effectClrLst/>
+    <dgm:txLinClrLst/>
+    <dgm:txFillClrLst/>
+    <dgm:txEffectClrLst/>
+  </dgm:styleLbl>
+  <dgm:styleLbl name="asst3">
+    <dgm:fillClrLst meth="repeat">
+      <a:schemeClr val="dk2"/>
+    </dgm:fillClrLst>
+    <dgm:linClrLst meth="repeat">
+      <a:schemeClr val="lt2"/>
+    </dgm:linClrLst>
+    <dgm:effectClrLst/>
+    <dgm:txLinClrLst/>
+    <dgm:txFillClrLst/>
+    <dgm:txEffectClrLst/>
+  </dgm:styleLbl>
+  <dgm:styleLbl name="asst4">
+    <dgm:fillClrLst meth="repeat">
+      <a:schemeClr val="dk2"/>
+    </dgm:fillClrLst>
+    <dgm:linClrLst meth="repeat">
+      <a:schemeClr val="lt2"/>
+    </dgm:linClrLst>
+    <dgm:effectClrLst/>
+    <dgm:txLinClrLst/>
+    <dgm:txFillClrLst/>
+    <dgm:txEffectClrLst/>
+  </dgm:styleLbl>
+  <dgm:styleLbl name="parChTrans2D1">
+    <dgm:fillClrLst meth="repeat">
+      <a:schemeClr val="dk2">
+        <a:tint val="60000"/>
+      </a:schemeClr>
+    </dgm:fillClrLst>
+    <dgm:linClrLst meth="repeat">
+      <a:schemeClr val="dk2">
+        <a:tint val="60000"/>
+      </a:schemeClr>
+    </dgm:linClrLst>
+    <dgm:effectClrLst/>
+    <dgm:txLinClrLst/>
+    <dgm:txFillClrLst meth="repeat">
+      <a:schemeClr val="lt2"/>
+    </dgm:txFillClrLst>
+    <dgm:txEffectClrLst/>
+  </dgm:styleLbl>
+  <dgm:styleLbl name="parChTrans2D2">
+    <dgm:fillClrLst meth="repeat">
+      <a:schemeClr val="dk2"/>
+    </dgm:fillClrLst>
+    <dgm:linClrLst meth="repeat">
+      <a:schemeClr val="dk2"/>
+    </dgm:linClrLst>
+    <dgm:effectClrLst/>
+    <dgm:txLinClrLst/>
+    <dgm:txFillClrLst meth="repeat">
+      <a:schemeClr val="lt2"/>
+    </dgm:txFillClrLst>
+    <dgm:txEffectClrLst/>
+  </dgm:styleLbl>
+  <dgm:styleLbl name="parChTrans2D3">
+    <dgm:fillClrLst meth="repeat">
+      <a:schemeClr val="dk2"/>
+    </dgm:fillClrLst>
+    <dgm:linClrLst meth="repeat">
+      <a:schemeClr val="dk2"/>
+    </dgm:linClrLst>
+    <dgm:effectClrLst/>
+    <dgm:txLinClrLst/>
+    <dgm:txFillClrLst meth="repeat">
+      <a:schemeClr val="lt2"/>
+    </dgm:txFillClrLst>
+    <dgm:txEffectClrLst/>
+  </dgm:styleLbl>
+  <dgm:styleLbl name="parChTrans2D4">
+    <dgm:fillClrLst meth="repeat">
+      <a:schemeClr val="dk2"/>
+    </dgm:fillClrLst>
+    <dgm:linClrLst meth="repeat">
+      <a:schemeClr val="dk2"/>
+    </dgm:linClrLst>
+    <dgm:effectClrLst/>
+    <dgm:txLinClrLst/>
+    <dgm:txFillClrLst meth="repeat">
+      <a:schemeClr val="lt2"/>
+    </dgm:txFillClrLst>
+    <dgm:txEffectClrLst/>
+  </dgm:styleLbl>
+  <dgm:styleLbl name="parChTrans1D1">
+    <dgm:fillClrLst meth="repeat">
+      <a:schemeClr val="dk2"/>
+    </dgm:fillClrLst>
+    <dgm:linClrLst meth="repeat">
+      <a:schemeClr val="dk2">
+        <a:shade val="60000"/>
+      </a:schemeClr>
+    </dgm:linClrLst>
+    <dgm:effectClrLst/>
+    <dgm:txLinClrLst/>
+    <dgm:txFillClrLst meth="repeat">
+      <a:schemeClr val="tx1"/>
+    </dgm:txFillClrLst>
+    <dgm:txEffectClrLst/>
+  </dgm:styleLbl>
+  <dgm:styleLbl name="parChTrans1D2">
+    <dgm:fillClrLst meth="repeat">
+      <a:schemeClr val="dk2"/>
+    </dgm:fillClrLst>
+    <dgm:linClrLst meth="repeat">
+      <a:schemeClr val="dk2">
+        <a:shade val="60000"/>
+      </a:schemeClr>
+    </dgm:linClrLst>
+    <dgm:effectClrLst/>
+    <dgm:txLinClrLst/>
+    <dgm:txFillClrLst meth="repeat">
+      <a:schemeClr val="tx1"/>
+    </dgm:txFillClrLst>
+    <dgm:txEffectClrLst/>
+  </dgm:styleLbl>
+  <dgm:styleLbl name="parChTrans1D3">
+    <dgm:fillClrLst meth="repeat">
+      <a:schemeClr val="dk2"/>
+    </dgm:fillClrLst>
+    <dgm:linClrLst meth="repeat">
+      <a:schemeClr val="dk2">
+        <a:shade val="80000"/>
+      </a:schemeClr>
+    </dgm:linClrLst>
+    <dgm:effectClrLst/>
+    <dgm:txLinClrLst/>
+    <dgm:txFillClrLst meth="repeat">
+      <a:schemeClr val="tx1"/>
+    </dgm:txFillClrLst>
+    <dgm:txEffectClrLst/>
+  </dgm:styleLbl>
+  <dgm:styleLbl name="parChTrans1D4">
+    <dgm:fillClrLst meth="repeat">
+      <a:schemeClr val="dk2"/>
+    </dgm:fillClrLst>
+    <dgm:linClrLst meth="repeat">
+      <a:schemeClr val="dk2">
+        <a:shade val="80000"/>
+      </a:schemeClr>
+    </dgm:linClrLst>
+    <dgm:effectClrLst/>
+    <dgm:txLinClrLst/>
+    <dgm:txFillClrLst meth="repeat">
+      <a:schemeClr val="tx1"/>
+    </dgm:txFillClrLst>
+    <dgm:txEffectClrLst/>
+  </dgm:styleLbl>
+  <dgm:styleLbl name="fgAcc1">
+    <dgm:fillClrLst meth="repeat">
+      <a:schemeClr val="lt2">
+        <a:alpha val="90000"/>
+      </a:schemeClr>
+    </dgm:fillClrLst>
+    <dgm:linClrLst meth="repeat">
+      <a:schemeClr val="dk2"/>
+    </dgm:linClrLst>
+    <dgm:effectClrLst/>
+    <dgm:txLinClrLst/>
+    <dgm:txFillClrLst meth="repeat">
+      <a:schemeClr val="dk1"/>
+    </dgm:txFillClrLst>
+    <dgm:txEffectClrLst/>
+  </dgm:styleLbl>
+  <dgm:styleLbl name="conFgAcc1">
+    <dgm:fillClrLst meth="repeat">
+      <a:schemeClr val="lt2">
+        <a:alpha val="90000"/>
+      </a:schemeClr>
+    </dgm:fillClrLst>
+    <dgm:linClrLst meth="repeat">
+      <a:schemeClr val="dk2"/>
+    </dgm:linClrLst>
+    <dgm:effectClrLst/>
+    <dgm:txLinClrLst/>
+    <dgm:txFillClrLst meth="repeat">
+      <a:schemeClr val="dk1"/>
+    </dgm:txFillClrLst>
+    <dgm:txEffectClrLst/>
+  </dgm:styleLbl>
+  <dgm:styleLbl name="alignAcc1">
+    <dgm:fillClrLst meth="repeat">
+      <a:schemeClr val="lt2">
+        <a:alpha val="90000"/>
+      </a:schemeClr>
+    </dgm:fillClrLst>
+    <dgm:linClrLst meth="repeat">
+      <a:schemeClr val="dk2"/>
+    </dgm:linClrLst>
+    <dgm:effectClrLst/>
+    <dgm:txLinClrLst/>
+    <dgm:txFillClrLst meth="repeat">
+      <a:schemeClr val="dk1"/>
+    </dgm:txFillClrLst>
+    <dgm:txEffectClrLst/>
+  </dgm:styleLbl>
+  <dgm:styleLbl name="trAlignAcc1">
+    <dgm:fillClrLst meth="repeat">
+      <a:schemeClr val="lt2">
+        <a:alpha val="40000"/>
+      </a:schemeClr>
+    </dgm:fillClrLst>
+    <dgm:linClrLst meth="repeat">
+      <a:schemeClr val="dk2"/>
+    </dgm:linClrLst>
+    <dgm:effectClrLst/>
+    <dgm:txLinClrLst/>
+    <dgm:txFillClrLst meth="repeat">
+      <a:schemeClr val="dk1"/>
+    </dgm:txFillClrLst>
+    <dgm:txEffectClrLst/>
+  </dgm:styleLbl>
+  <dgm:styleLbl name="bgAcc1">
+    <dgm:fillClrLst meth="repeat">
+      <a:schemeClr val="lt2">
+        <a:alpha val="90000"/>
+      </a:schemeClr>
+    </dgm:fillClrLst>
+    <dgm:linClrLst meth="repeat">
+      <a:schemeClr val="dk2"/>
+    </dgm:linClrLst>
+    <dgm:effectClrLst/>
+    <dgm:txLinClrLst/>
+    <dgm:txFillClrLst meth="repeat">
+      <a:schemeClr val="dk1"/>
+    </dgm:txFillClrLst>
+    <dgm:txEffectClrLst/>
+  </dgm:styleLbl>
+  <dgm:styleLbl name="solidFgAcc1">
+    <dgm:fillClrLst meth="repeat">
+      <a:schemeClr val="lt2"/>
+    </dgm:fillClrLst>
+    <dgm:linClrLst meth="repeat">
+      <a:schemeClr val="dk2"/>
+    </dgm:linClrLst>
+    <dgm:effectClrLst/>
+    <dgm:txLinClrLst/>
+    <dgm:txFillClrLst meth="repeat">
+      <a:schemeClr val="dk1"/>
+    </dgm:txFillClrLst>
+    <dgm:txEffectClrLst/>
+  </dgm:styleLbl>
+  <dgm:styleLbl name="solidAlignAcc1">
+    <dgm:fillClrLst meth="repeat">
+      <a:schemeClr val="lt2"/>
+    </dgm:fillClrLst>
+    <dgm:linClrLst meth="repeat">
+      <a:schemeClr val="dk2"/>
+    </dgm:linClrLst>
+    <dgm:effectClrLst/>
+    <dgm:txLinClrLst/>
+    <dgm:txFillClrLst meth="repeat">
+      <a:schemeClr val="dk1"/>
+    </dgm:txFillClrLst>
+    <dgm:txEffectClrLst/>
+  </dgm:styleLbl>
+  <dgm:styleLbl name="solidBgAcc1">
+    <dgm:fillClrLst meth="repeat">
+      <a:schemeClr val="lt2"/>
+    </dgm:fillClrLst>
+    <dgm:linClrLst meth="repeat">
+      <a:schemeClr val="dk2"/>
+    </dgm:linClrLst>
+    <dgm:effectClrLst/>
+    <dgm:txLinClrLst/>
+    <dgm:txFillClrLst meth="repeat">
+      <a:schemeClr val="dk1"/>
+    </dgm:txFillClrLst>
+    <dgm:txEffectClrLst/>
+  </dgm:styleLbl>
+  <dgm:styleLbl name="fgAccFollowNode1">
+    <dgm:fillClrLst meth="repeat">
+      <a:schemeClr val="dk2">
+        <a:alpha val="90000"/>
+        <a:tint val="40000"/>
+      </a:schemeClr>
+    </dgm:fillClrLst>
+    <dgm:linClrLst meth="repeat">
+      <a:schemeClr val="dk2">
+        <a:alpha val="90000"/>
+        <a:tint val="40000"/>
+      </a:schemeClr>
+    </dgm:linClrLst>
+    <dgm:effectClrLst/>
+    <dgm:txLinClrLst/>
+    <dgm:txFillClrLst meth="repeat">
+      <a:schemeClr val="dk1"/>
+    </dgm:txFillClrLst>
+    <dgm:txEffectClrLst/>
+  </dgm:styleLbl>
+  <dgm:styleLbl name="alignAccFollowNode1">
+    <dgm:fillClrLst meth="repeat">
+      <a:schemeClr val="dk2">
+        <a:alpha val="90000"/>
+        <a:tint val="40000"/>
+      </a:schemeClr>
+    </dgm:fillClrLst>
+    <dgm:linClrLst meth="repeat">
+      <a:schemeClr val="dk2">
+        <a:alpha val="90000"/>
+        <a:tint val="40000"/>
+      </a:schemeClr>
+    </dgm:linClrLst>
+    <dgm:effectClrLst/>
+    <dgm:txLinClrLst/>
+    <dgm:txFillClrLst meth="repeat">
+      <a:schemeClr val="dk1"/>
+    </dgm:txFillClrLst>
+    <dgm:txEffectClrLst/>
+  </dgm:styleLbl>
+  <dgm:styleLbl name="bgAccFollowNode1">
+    <dgm:fillClrLst meth="repeat">
+      <a:schemeClr val="dk2">
+        <a:alpha val="90000"/>
+        <a:tint val="40000"/>
+      </a:schemeClr>
+    </dgm:fillClrLst>
+    <dgm:linClrLst meth="repeat">
+      <a:schemeClr val="dk2">
+        <a:alpha val="90000"/>
+        <a:tint val="40000"/>
+      </a:schemeClr>
+    </dgm:linClrLst>
+    <dgm:effectClrLst/>
+    <dgm:txLinClrLst/>
+    <dgm:txFillClrLst meth="repeat">
+      <a:schemeClr val="dk1"/>
+    </dgm:txFillClrLst>
+    <dgm:txEffectClrLst/>
+  </dgm:styleLbl>
+  <dgm:styleLbl name="fgAcc0">
+    <dgm:fillClrLst meth="repeat">
+      <a:schemeClr val="lt2">
+        <a:alpha val="90000"/>
+      </a:schemeClr>
+    </dgm:fillClrLst>
+    <dgm:linClrLst meth="repeat">
+      <a:schemeClr val="dk2"/>
+    </dgm:linClrLst>
+    <dgm:effectClrLst/>
+    <dgm:txLinClrLst/>
+    <dgm:txFillClrLst meth="repeat">
+      <a:schemeClr val="dk1"/>
+    </dgm:txFillClrLst>
+    <dgm:txEffectClrLst/>
+  </dgm:styleLbl>
+  <dgm:styleLbl name="fgAcc2">
+    <dgm:fillClrLst meth="repeat">
+      <a:schemeClr val="lt2">
+        <a:alpha val="90000"/>
+      </a:schemeClr>
+    </dgm:fillClrLst>
+    <dgm:linClrLst meth="repeat">
+      <a:schemeClr val="dk2"/>
+    </dgm:linClrLst>
+    <dgm:effectClrLst/>
+    <dgm:txLinClrLst/>
+    <dgm:txFillClrLst meth="repeat">
+      <a:schemeClr val="dk1"/>
+    </dgm:txFillClrLst>
+    <dgm:txEffectClrLst/>
+  </dgm:styleLbl>
+  <dgm:styleLbl name="fgAcc3">
+    <dgm:fillClrLst meth="repeat">
+      <a:schemeClr val="lt2">
+        <a:alpha val="90000"/>
+      </a:schemeClr>
+    </dgm:fillClrLst>
+    <dgm:linClrLst meth="repeat">
+      <a:schemeClr val="dk2"/>
+    </dgm:linClrLst>
+    <dgm:effectClrLst/>
+    <dgm:txLinClrLst/>
+    <dgm:txFillClrLst meth="repeat">
+      <a:schemeClr val="dk1"/>
+    </dgm:txFillClrLst>
+    <dgm:txEffectClrLst/>
+  </dgm:styleLbl>
+  <dgm:styleLbl name="fgAcc4">
+    <dgm:fillClrLst meth="repeat">
+      <a:schemeClr val="lt2">
+        <a:alpha val="90000"/>
+      </a:schemeClr>
+    </dgm:fillClrLst>
+    <dgm:linClrLst meth="repeat">
+      <a:schemeClr val="dk2"/>
+    </dgm:linClrLst>
+    <dgm:effectClrLst/>
+    <dgm:txLinClrLst/>
+    <dgm:txFillClrLst meth="repeat">
+      <a:schemeClr val="dk1"/>
+    </dgm:txFillClrLst>
+    <dgm:txEffectClrLst/>
+  </dgm:styleLbl>
+  <dgm:styleLbl name="bgShp">
+    <dgm:fillClrLst meth="repeat">
+      <a:schemeClr val="dk2">
+        <a:tint val="40000"/>
+      </a:schemeClr>
+    </dgm:fillClrLst>
+    <dgm:linClrLst meth="repeat">
+      <a:schemeClr val="dk2"/>
+    </dgm:linClrLst>
+    <dgm:effectClrLst/>
+    <dgm:txLinClrLst/>
+    <dgm:txFillClrLst meth="repeat">
+      <a:schemeClr val="dk1"/>
+    </dgm:txFillClrLst>
+    <dgm:txEffectClrLst/>
+  </dgm:styleLbl>
+  <dgm:styleLbl name="dkBgShp">
+    <dgm:fillClrLst meth="repeat">
+      <a:schemeClr val="dk2">
+        <a:shade val="80000"/>
+      </a:schemeClr>
+    </dgm:fillClrLst>
+    <dgm:linClrLst meth="repeat">
+      <a:schemeClr val="dk2"/>
+    </dgm:linClrLst>
+    <dgm:effectClrLst/>
+    <dgm:txLinClrLst/>
+    <dgm:txFillClrLst meth="repeat">
+      <a:schemeClr val="lt1"/>
+    </dgm:txFillClrLst>
+    <dgm:txEffectClrLst/>
+  </dgm:styleLbl>
+  <dgm:styleLbl name="trBgShp">
+    <dgm:fillClrLst meth="repeat">
+      <a:schemeClr val="dk2">
+        <a:tint val="50000"/>
+        <a:alpha val="40000"/>
+      </a:schemeClr>
+    </dgm:fillClrLst>
+    <dgm:linClrLst meth="repeat">
+      <a:schemeClr val="dk2"/>
+    </dgm:linClrLst>
+    <dgm:effectClrLst/>
+    <dgm:txLinClrLst/>
+    <dgm:txFillClrLst meth="repeat">
+      <a:schemeClr val="lt1"/>
+    </dgm:txFillClrLst>
+    <dgm:txEffectClrLst/>
+  </dgm:styleLbl>
+  <dgm:styleLbl name="fgShp">
+    <dgm:fillClrLst meth="repeat">
+      <a:schemeClr val="dk2">
+        <a:tint val="60000"/>
+      </a:schemeClr>
+    </dgm:fillClrLst>
+    <dgm:linClrLst meth="repeat">
+      <a:schemeClr val="lt2"/>
+    </dgm:linClrLst>
+    <dgm:effectClrLst/>
+    <dgm:txLinClrLst/>
+    <dgm:txFillClrLst meth="repeat">
+      <a:schemeClr val="dk1"/>
+    </dgm:txFillClrLst>
+    <dgm:txEffectClrLst/>
+  </dgm:styleLbl>
+  <dgm:styleLbl name="revTx">
+    <dgm:fillClrLst meth="repeat">
+      <a:schemeClr val="lt2">
+        <a:alpha val="0"/>
+      </a:schemeClr>
+    </dgm:fillClrLst>
+    <dgm:linClrLst meth="repeat">
+      <a:schemeClr val="dk1">
+        <a:alpha val="0"/>
+      </a:schemeClr>
+    </dgm:linClrLst>
+    <dgm:effectClrLst/>
+    <dgm:txLinClrLst/>
+    <dgm:txFillClrLst meth="repeat">
+      <a:schemeClr val="tx1"/>
+    </dgm:txFillClrLst>
+    <dgm:txEffectClrLst/>
+  </dgm:styleLbl>
+</dgm:colorsDef>
+</file>
+
+<file path=ppt/diagrams/data1.xml><?xml version="1.0" encoding="utf-8"?>
+<dgm:dataModel xmlns:dgm="http://schemas.openxmlformats.org/drawingml/2006/diagram" xmlns:a="http://schemas.openxmlformats.org/drawingml/2006/main">
+  <dgm:ptLst>
+    <dgm:pt modelId="{F57875BC-748F-4AFE-BEFC-BE5C17B17DDA}" type="doc">
+      <dgm:prSet loTypeId="urn:microsoft.com/office/officeart/2005/8/layout/vProcess5" loCatId="process" qsTypeId="urn:microsoft.com/office/officeart/2005/8/quickstyle/3d1" qsCatId="3D" csTypeId="urn:microsoft.com/office/officeart/2005/8/colors/accent0_3" csCatId="mainScheme" phldr="1"/>
+      <dgm:spPr/>
+    </dgm:pt>
+    <dgm:pt modelId="{ED74E096-8ED9-4E1D-AEA3-14CAEF2F6B9C}">
+      <dgm:prSet phldrT="[文字]"/>
+      <dgm:spPr/>
+      <dgm:t>
+        <a:bodyPr/>
+        <a:lstStyle/>
+        <a:p>
+          <a:r>
+            <a:rPr kumimoji="1" lang="zh-TW" altLang="en-US" dirty="0">
+              <a:latin typeface="思源黑體" panose="020B0500000000000000" pitchFamily="34" charset="-120"/>
+              <a:ea typeface="思源黑體" panose="020B0500000000000000" pitchFamily="34" charset="-120"/>
+            </a:rPr>
+            <a:t>犯罪收益</a:t>
+          </a:r>
+          <a:endParaRPr kumimoji="1" lang="ja-JP" altLang="en-US" dirty="0"/>
+        </a:p>
+      </dgm:t>
+    </dgm:pt>
+    <dgm:pt modelId="{1381DB52-76A4-483F-8CD7-D3FDF097E033}" type="parTrans" cxnId="{51DD55EA-F9F3-49C5-BB79-78D41E79D21F}">
+      <dgm:prSet/>
+      <dgm:spPr/>
+      <dgm:t>
+        <a:bodyPr/>
+        <a:lstStyle/>
+        <a:p>
+          <a:endParaRPr kumimoji="1" lang="ja-JP" altLang="en-US"/>
+        </a:p>
+      </dgm:t>
+    </dgm:pt>
+    <dgm:pt modelId="{4DB59659-0695-4E46-8BDE-09AF2FA797BD}" type="sibTrans" cxnId="{51DD55EA-F9F3-49C5-BB79-78D41E79D21F}">
+      <dgm:prSet/>
+      <dgm:spPr/>
+      <dgm:t>
+        <a:bodyPr/>
+        <a:lstStyle/>
+        <a:p>
+          <a:endParaRPr kumimoji="1" lang="ja-JP" altLang="en-US"/>
+        </a:p>
+      </dgm:t>
+    </dgm:pt>
+    <dgm:pt modelId="{4DB66EC5-43BF-46B0-98C7-A0EFC8FCC760}">
+      <dgm:prSet phldrT="[文字]"/>
+      <dgm:spPr/>
+      <dgm:t>
+        <a:bodyPr/>
+        <a:lstStyle/>
+        <a:p>
+          <a:r>
+            <a:rPr kumimoji="1" lang="zh-TW" altLang="en-US" dirty="0">
+              <a:latin typeface="思源黑體" panose="020B0500000000000000" pitchFamily="34" charset="-120"/>
+              <a:ea typeface="思源黑體" panose="020B0500000000000000" pitchFamily="34" charset="-120"/>
+            </a:rPr>
+            <a:t>暗網市場（匿名平台）</a:t>
+          </a:r>
+          <a:endParaRPr kumimoji="1" lang="ja-JP" altLang="en-US" dirty="0"/>
+        </a:p>
+      </dgm:t>
+    </dgm:pt>
+    <dgm:pt modelId="{90707BDE-B988-4C42-911C-CEE4AF8AC371}" type="parTrans" cxnId="{A8CFE2E7-B285-47DF-A90A-7E31540D24B3}">
+      <dgm:prSet/>
+      <dgm:spPr/>
+      <dgm:t>
+        <a:bodyPr/>
+        <a:lstStyle/>
+        <a:p>
+          <a:endParaRPr kumimoji="1" lang="ja-JP" altLang="en-US"/>
+        </a:p>
+      </dgm:t>
+    </dgm:pt>
+    <dgm:pt modelId="{4346348C-48C3-4C41-AEE5-2A91BB48ED06}" type="sibTrans" cxnId="{A8CFE2E7-B285-47DF-A90A-7E31540D24B3}">
+      <dgm:prSet/>
+      <dgm:spPr/>
+      <dgm:t>
+        <a:bodyPr/>
+        <a:lstStyle/>
+        <a:p>
+          <a:endParaRPr kumimoji="1" lang="ja-JP" altLang="en-US"/>
+        </a:p>
+      </dgm:t>
+    </dgm:pt>
+    <dgm:pt modelId="{E68172F9-1609-4288-94D9-47A93EBA489C}">
+      <dgm:prSet phldrT="[文字]"/>
+      <dgm:spPr/>
+      <dgm:t>
+        <a:bodyPr/>
+        <a:lstStyle/>
+        <a:p>
+          <a:r>
+            <a:rPr kumimoji="1" lang="zh-TW" altLang="en-US" dirty="0">
+              <a:latin typeface="思源黑體" panose="020B0500000000000000" pitchFamily="34" charset="-120"/>
+              <a:ea typeface="思源黑體" panose="020B0500000000000000" pitchFamily="34" charset="-120"/>
+            </a:rPr>
+            <a:t>混幣／虛擬貨幣</a:t>
+          </a:r>
+          <a:endParaRPr kumimoji="1" lang="ja-JP" altLang="en-US" dirty="0"/>
+        </a:p>
+      </dgm:t>
+    </dgm:pt>
+    <dgm:pt modelId="{04627825-640B-4415-9C27-1794CE2D3C34}" type="parTrans" cxnId="{203C7FEA-FB67-4A00-8581-D92C30656053}">
+      <dgm:prSet/>
+      <dgm:spPr/>
+      <dgm:t>
+        <a:bodyPr/>
+        <a:lstStyle/>
+        <a:p>
+          <a:endParaRPr kumimoji="1" lang="ja-JP" altLang="en-US"/>
+        </a:p>
+      </dgm:t>
+    </dgm:pt>
+    <dgm:pt modelId="{BC36E91F-CD2A-4320-B5E9-A4C16188D1FA}" type="sibTrans" cxnId="{203C7FEA-FB67-4A00-8581-D92C30656053}">
+      <dgm:prSet/>
+      <dgm:spPr/>
+      <dgm:t>
+        <a:bodyPr/>
+        <a:lstStyle/>
+        <a:p>
+          <a:endParaRPr kumimoji="1" lang="ja-JP" altLang="en-US"/>
+        </a:p>
+      </dgm:t>
+    </dgm:pt>
+    <dgm:pt modelId="{DA147CC3-4B67-478F-862D-E29501DA82EA}">
+      <dgm:prSet phldrT="[文字]"/>
+      <dgm:spPr/>
+      <dgm:t>
+        <a:bodyPr/>
+        <a:lstStyle/>
+        <a:p>
+          <a:r>
+            <a:rPr kumimoji="1" lang="zh-TW" altLang="en-US" dirty="0">
+              <a:latin typeface="思源黑體" panose="020B0500000000000000" pitchFamily="34" charset="-120"/>
+              <a:ea typeface="思源黑體" panose="020B0500000000000000" pitchFamily="34" charset="-120"/>
+            </a:rPr>
+            <a:t>提領至合法帳戶</a:t>
+          </a:r>
+          <a:endParaRPr kumimoji="1" lang="ja-JP" altLang="en-US" dirty="0"/>
+        </a:p>
+      </dgm:t>
+    </dgm:pt>
+    <dgm:pt modelId="{801DA9D2-6F7D-4D05-A4DF-78E6B5C12D31}" type="parTrans" cxnId="{270803C4-0338-45B0-B109-BE4A5642676F}">
+      <dgm:prSet/>
+      <dgm:spPr/>
+      <dgm:t>
+        <a:bodyPr/>
+        <a:lstStyle/>
+        <a:p>
+          <a:endParaRPr kumimoji="1" lang="ja-JP" altLang="en-US"/>
+        </a:p>
+      </dgm:t>
+    </dgm:pt>
+    <dgm:pt modelId="{59FC7BC0-FE83-49A2-9545-31F1B4D34E25}" type="sibTrans" cxnId="{270803C4-0338-45B0-B109-BE4A5642676F}">
+      <dgm:prSet/>
+      <dgm:spPr/>
+      <dgm:t>
+        <a:bodyPr/>
+        <a:lstStyle/>
+        <a:p>
+          <a:endParaRPr kumimoji="1" lang="ja-JP" altLang="en-US"/>
+        </a:p>
+      </dgm:t>
+    </dgm:pt>
+    <dgm:pt modelId="{76A10BB7-7F56-4E45-AA2E-BD98CE58376C}">
+      <dgm:prSet phldrT="[文字]"/>
+      <dgm:spPr/>
+      <dgm:t>
+        <a:bodyPr/>
+        <a:lstStyle/>
+        <a:p>
+          <a:r>
+            <a:rPr kumimoji="1" lang="zh-TW" altLang="en-US">
+              <a:latin typeface="思源黑體" panose="020B0500000000000000" pitchFamily="34" charset="-120"/>
+              <a:ea typeface="思源黑體" panose="020B0500000000000000" pitchFamily="34" charset="-120"/>
+            </a:rPr>
+            <a:t>洗錢完成</a:t>
+          </a:r>
+          <a:endParaRPr kumimoji="1" lang="ja-JP" altLang="en-US" dirty="0"/>
+        </a:p>
+      </dgm:t>
+    </dgm:pt>
+    <dgm:pt modelId="{76D26482-2141-40D3-96BE-D7503849A375}" type="parTrans" cxnId="{92DC656C-CA93-453E-AB8D-DCB266C086E2}">
+      <dgm:prSet/>
+      <dgm:spPr/>
+      <dgm:t>
+        <a:bodyPr/>
+        <a:lstStyle/>
+        <a:p>
+          <a:endParaRPr kumimoji="1" lang="ja-JP" altLang="en-US"/>
+        </a:p>
+      </dgm:t>
+    </dgm:pt>
+    <dgm:pt modelId="{FBB7C240-B77F-41A1-BB0B-66ADC70CFE7E}" type="sibTrans" cxnId="{92DC656C-CA93-453E-AB8D-DCB266C086E2}">
+      <dgm:prSet/>
+      <dgm:spPr/>
+      <dgm:t>
+        <a:bodyPr/>
+        <a:lstStyle/>
+        <a:p>
+          <a:endParaRPr kumimoji="1" lang="ja-JP" altLang="en-US"/>
+        </a:p>
+      </dgm:t>
+    </dgm:pt>
+    <dgm:pt modelId="{14F031F2-74BA-42D1-82D1-9B8EA1546D57}" type="pres">
+      <dgm:prSet presAssocID="{F57875BC-748F-4AFE-BEFC-BE5C17B17DDA}" presName="outerComposite" presStyleCnt="0">
+        <dgm:presLayoutVars>
+          <dgm:chMax val="5"/>
+          <dgm:dir/>
+          <dgm:resizeHandles val="exact"/>
+        </dgm:presLayoutVars>
+      </dgm:prSet>
+      <dgm:spPr/>
+    </dgm:pt>
+    <dgm:pt modelId="{CDC6E882-7E23-4878-A7CA-92A82B9DD201}" type="pres">
+      <dgm:prSet presAssocID="{F57875BC-748F-4AFE-BEFC-BE5C17B17DDA}" presName="dummyMaxCanvas" presStyleCnt="0">
+        <dgm:presLayoutVars/>
+      </dgm:prSet>
+      <dgm:spPr/>
+    </dgm:pt>
+    <dgm:pt modelId="{5A414D76-9733-48CC-8F90-9B78DB1859D6}" type="pres">
+      <dgm:prSet presAssocID="{F57875BC-748F-4AFE-BEFC-BE5C17B17DDA}" presName="FiveNodes_1" presStyleLbl="node1" presStyleIdx="0" presStyleCnt="5">
+        <dgm:presLayoutVars>
+          <dgm:bulletEnabled val="1"/>
+        </dgm:presLayoutVars>
+      </dgm:prSet>
+      <dgm:spPr/>
+    </dgm:pt>
+    <dgm:pt modelId="{BD4A1FB0-D4E1-43DC-A8B8-2092B9D5CC86}" type="pres">
+      <dgm:prSet presAssocID="{F57875BC-748F-4AFE-BEFC-BE5C17B17DDA}" presName="FiveNodes_2" presStyleLbl="node1" presStyleIdx="1" presStyleCnt="5">
+        <dgm:presLayoutVars>
+          <dgm:bulletEnabled val="1"/>
+        </dgm:presLayoutVars>
+      </dgm:prSet>
+      <dgm:spPr/>
+    </dgm:pt>
+    <dgm:pt modelId="{4A4BD90B-F00C-42F7-9186-2C1279F02DA1}" type="pres">
+      <dgm:prSet presAssocID="{F57875BC-748F-4AFE-BEFC-BE5C17B17DDA}" presName="FiveNodes_3" presStyleLbl="node1" presStyleIdx="2" presStyleCnt="5">
+        <dgm:presLayoutVars>
+          <dgm:bulletEnabled val="1"/>
+        </dgm:presLayoutVars>
+      </dgm:prSet>
+      <dgm:spPr/>
+    </dgm:pt>
+    <dgm:pt modelId="{F8B96129-510D-4818-9E56-40463A8BE2EC}" type="pres">
+      <dgm:prSet presAssocID="{F57875BC-748F-4AFE-BEFC-BE5C17B17DDA}" presName="FiveNodes_4" presStyleLbl="node1" presStyleIdx="3" presStyleCnt="5">
+        <dgm:presLayoutVars>
+          <dgm:bulletEnabled val="1"/>
+        </dgm:presLayoutVars>
+      </dgm:prSet>
+      <dgm:spPr/>
+    </dgm:pt>
+    <dgm:pt modelId="{5BCFF58C-6D2B-4DC7-84E6-1DCBED371B78}" type="pres">
+      <dgm:prSet presAssocID="{F57875BC-748F-4AFE-BEFC-BE5C17B17DDA}" presName="FiveNodes_5" presStyleLbl="node1" presStyleIdx="4" presStyleCnt="5">
+        <dgm:presLayoutVars>
+          <dgm:bulletEnabled val="1"/>
+        </dgm:presLayoutVars>
+      </dgm:prSet>
+      <dgm:spPr/>
+    </dgm:pt>
+    <dgm:pt modelId="{F561C2CD-4CFE-418E-B238-AFF4D3354BEF}" type="pres">
+      <dgm:prSet presAssocID="{F57875BC-748F-4AFE-BEFC-BE5C17B17DDA}" presName="FiveConn_1-2" presStyleLbl="fgAccFollowNode1" presStyleIdx="0" presStyleCnt="4">
+        <dgm:presLayoutVars>
+          <dgm:bulletEnabled val="1"/>
+        </dgm:presLayoutVars>
+      </dgm:prSet>
+      <dgm:spPr/>
+    </dgm:pt>
+    <dgm:pt modelId="{1E0E2563-3A9B-4C07-932F-8852AF6BC238}" type="pres">
+      <dgm:prSet presAssocID="{F57875BC-748F-4AFE-BEFC-BE5C17B17DDA}" presName="FiveConn_2-3" presStyleLbl="fgAccFollowNode1" presStyleIdx="1" presStyleCnt="4">
+        <dgm:presLayoutVars>
+          <dgm:bulletEnabled val="1"/>
+        </dgm:presLayoutVars>
+      </dgm:prSet>
+      <dgm:spPr/>
+    </dgm:pt>
+    <dgm:pt modelId="{4FAB6FFA-0C35-41EF-B63E-BDB0290AB7E6}" type="pres">
+      <dgm:prSet presAssocID="{F57875BC-748F-4AFE-BEFC-BE5C17B17DDA}" presName="FiveConn_3-4" presStyleLbl="fgAccFollowNode1" presStyleIdx="2" presStyleCnt="4">
+        <dgm:presLayoutVars>
+          <dgm:bulletEnabled val="1"/>
+        </dgm:presLayoutVars>
+      </dgm:prSet>
+      <dgm:spPr/>
+    </dgm:pt>
+    <dgm:pt modelId="{3051699D-3835-434E-AA3E-1C5DC4BED523}" type="pres">
+      <dgm:prSet presAssocID="{F57875BC-748F-4AFE-BEFC-BE5C17B17DDA}" presName="FiveConn_4-5" presStyleLbl="fgAccFollowNode1" presStyleIdx="3" presStyleCnt="4">
+        <dgm:presLayoutVars>
+          <dgm:bulletEnabled val="1"/>
+        </dgm:presLayoutVars>
+      </dgm:prSet>
+      <dgm:spPr/>
+    </dgm:pt>
+    <dgm:pt modelId="{388813B6-1D68-422D-8724-0AD2876EE5AB}" type="pres">
+      <dgm:prSet presAssocID="{F57875BC-748F-4AFE-BEFC-BE5C17B17DDA}" presName="FiveNodes_1_text" presStyleLbl="node1" presStyleIdx="4" presStyleCnt="5">
+        <dgm:presLayoutVars>
+          <dgm:bulletEnabled val="1"/>
+        </dgm:presLayoutVars>
+      </dgm:prSet>
+      <dgm:spPr/>
+    </dgm:pt>
+    <dgm:pt modelId="{6CB679F3-65CB-41FB-AF83-AB68D5C8E3CD}" type="pres">
+      <dgm:prSet presAssocID="{F57875BC-748F-4AFE-BEFC-BE5C17B17DDA}" presName="FiveNodes_2_text" presStyleLbl="node1" presStyleIdx="4" presStyleCnt="5">
+        <dgm:presLayoutVars>
+          <dgm:bulletEnabled val="1"/>
+        </dgm:presLayoutVars>
+      </dgm:prSet>
+      <dgm:spPr/>
+    </dgm:pt>
+    <dgm:pt modelId="{D210DA67-559E-44C1-9E49-FF4008065BB3}" type="pres">
+      <dgm:prSet presAssocID="{F57875BC-748F-4AFE-BEFC-BE5C17B17DDA}" presName="FiveNodes_3_text" presStyleLbl="node1" presStyleIdx="4" presStyleCnt="5">
+        <dgm:presLayoutVars>
+          <dgm:bulletEnabled val="1"/>
+        </dgm:presLayoutVars>
+      </dgm:prSet>
+      <dgm:spPr/>
+    </dgm:pt>
+    <dgm:pt modelId="{55D45C25-C314-4294-8C97-F41835D0267C}" type="pres">
+      <dgm:prSet presAssocID="{F57875BC-748F-4AFE-BEFC-BE5C17B17DDA}" presName="FiveNodes_4_text" presStyleLbl="node1" presStyleIdx="4" presStyleCnt="5">
+        <dgm:presLayoutVars>
+          <dgm:bulletEnabled val="1"/>
+        </dgm:presLayoutVars>
+      </dgm:prSet>
+      <dgm:spPr/>
+    </dgm:pt>
+    <dgm:pt modelId="{8A30BEA6-90B7-4DAB-AE11-7A50232BA93E}" type="pres">
+      <dgm:prSet presAssocID="{F57875BC-748F-4AFE-BEFC-BE5C17B17DDA}" presName="FiveNodes_5_text" presStyleLbl="node1" presStyleIdx="4" presStyleCnt="5">
+        <dgm:presLayoutVars>
+          <dgm:bulletEnabled val="1"/>
+        </dgm:presLayoutVars>
+      </dgm:prSet>
+      <dgm:spPr/>
+    </dgm:pt>
+  </dgm:ptLst>
+  <dgm:cxnLst>
+    <dgm:cxn modelId="{0E13400A-CA9E-498C-989E-5994F307F34C}" type="presOf" srcId="{ED74E096-8ED9-4E1D-AEA3-14CAEF2F6B9C}" destId="{5A414D76-9733-48CC-8F90-9B78DB1859D6}" srcOrd="0" destOrd="0" presId="urn:microsoft.com/office/officeart/2005/8/layout/vProcess5"/>
+    <dgm:cxn modelId="{D5DAD310-A20E-47FD-B5EF-C25DB437C5E0}" type="presOf" srcId="{E68172F9-1609-4288-94D9-47A93EBA489C}" destId="{D210DA67-559E-44C1-9E49-FF4008065BB3}" srcOrd="1" destOrd="0" presId="urn:microsoft.com/office/officeart/2005/8/layout/vProcess5"/>
+    <dgm:cxn modelId="{7BBBB716-AE04-45D0-A762-DC15BE5505CE}" type="presOf" srcId="{DA147CC3-4B67-478F-862D-E29501DA82EA}" destId="{55D45C25-C314-4294-8C97-F41835D0267C}" srcOrd="1" destOrd="0" presId="urn:microsoft.com/office/officeart/2005/8/layout/vProcess5"/>
+    <dgm:cxn modelId="{456FAA31-0FD0-457A-B52C-4C81946F7F8A}" type="presOf" srcId="{4DB66EC5-43BF-46B0-98C7-A0EFC8FCC760}" destId="{BD4A1FB0-D4E1-43DC-A8B8-2092B9D5CC86}" srcOrd="0" destOrd="0" presId="urn:microsoft.com/office/officeart/2005/8/layout/vProcess5"/>
+    <dgm:cxn modelId="{AD419532-807D-4315-8A4F-5372ABA7A58E}" type="presOf" srcId="{76A10BB7-7F56-4E45-AA2E-BD98CE58376C}" destId="{8A30BEA6-90B7-4DAB-AE11-7A50232BA93E}" srcOrd="1" destOrd="0" presId="urn:microsoft.com/office/officeart/2005/8/layout/vProcess5"/>
+    <dgm:cxn modelId="{6B19BC32-2723-4667-A61C-833B07C6E032}" type="presOf" srcId="{F57875BC-748F-4AFE-BEFC-BE5C17B17DDA}" destId="{14F031F2-74BA-42D1-82D1-9B8EA1546D57}" srcOrd="0" destOrd="0" presId="urn:microsoft.com/office/officeart/2005/8/layout/vProcess5"/>
+    <dgm:cxn modelId="{08F06E44-1FD7-4134-A77A-C20A90EA8022}" type="presOf" srcId="{4DB59659-0695-4E46-8BDE-09AF2FA797BD}" destId="{F561C2CD-4CFE-418E-B238-AFF4D3354BEF}" srcOrd="0" destOrd="0" presId="urn:microsoft.com/office/officeart/2005/8/layout/vProcess5"/>
+    <dgm:cxn modelId="{92DC656C-CA93-453E-AB8D-DCB266C086E2}" srcId="{F57875BC-748F-4AFE-BEFC-BE5C17B17DDA}" destId="{76A10BB7-7F56-4E45-AA2E-BD98CE58376C}" srcOrd="4" destOrd="0" parTransId="{76D26482-2141-40D3-96BE-D7503849A375}" sibTransId="{FBB7C240-B77F-41A1-BB0B-66ADC70CFE7E}"/>
+    <dgm:cxn modelId="{2043814C-8200-4F4D-A8C6-DD8453C11A3F}" type="presOf" srcId="{BC36E91F-CD2A-4320-B5E9-A4C16188D1FA}" destId="{4FAB6FFA-0C35-41EF-B63E-BDB0290AB7E6}" srcOrd="0" destOrd="0" presId="urn:microsoft.com/office/officeart/2005/8/layout/vProcess5"/>
+    <dgm:cxn modelId="{90D2E754-745D-4C76-A7A4-84E6297E8C53}" type="presOf" srcId="{E68172F9-1609-4288-94D9-47A93EBA489C}" destId="{4A4BD90B-F00C-42F7-9186-2C1279F02DA1}" srcOrd="0" destOrd="0" presId="urn:microsoft.com/office/officeart/2005/8/layout/vProcess5"/>
+    <dgm:cxn modelId="{D41BC187-828F-465E-9BAD-82FC84BD54DC}" type="presOf" srcId="{ED74E096-8ED9-4E1D-AEA3-14CAEF2F6B9C}" destId="{388813B6-1D68-422D-8724-0AD2876EE5AB}" srcOrd="1" destOrd="0" presId="urn:microsoft.com/office/officeart/2005/8/layout/vProcess5"/>
+    <dgm:cxn modelId="{90C8708C-6A1E-45C8-9748-8868AC2CCCB7}" type="presOf" srcId="{76A10BB7-7F56-4E45-AA2E-BD98CE58376C}" destId="{5BCFF58C-6D2B-4DC7-84E6-1DCBED371B78}" srcOrd="0" destOrd="0" presId="urn:microsoft.com/office/officeart/2005/8/layout/vProcess5"/>
+    <dgm:cxn modelId="{DB5B6794-8B04-449C-B371-8AE88AB133B6}" type="presOf" srcId="{DA147CC3-4B67-478F-862D-E29501DA82EA}" destId="{F8B96129-510D-4818-9E56-40463A8BE2EC}" srcOrd="0" destOrd="0" presId="urn:microsoft.com/office/officeart/2005/8/layout/vProcess5"/>
+    <dgm:cxn modelId="{87450098-4B48-4539-A283-5E6E1452FC54}" type="presOf" srcId="{4346348C-48C3-4C41-AEE5-2A91BB48ED06}" destId="{1E0E2563-3A9B-4C07-932F-8852AF6BC238}" srcOrd="0" destOrd="0" presId="urn:microsoft.com/office/officeart/2005/8/layout/vProcess5"/>
+    <dgm:cxn modelId="{54DB22B7-0F60-4A97-A8DF-A7FF77E878A3}" type="presOf" srcId="{59FC7BC0-FE83-49A2-9545-31F1B4D34E25}" destId="{3051699D-3835-434E-AA3E-1C5DC4BED523}" srcOrd="0" destOrd="0" presId="urn:microsoft.com/office/officeart/2005/8/layout/vProcess5"/>
+    <dgm:cxn modelId="{270803C4-0338-45B0-B109-BE4A5642676F}" srcId="{F57875BC-748F-4AFE-BEFC-BE5C17B17DDA}" destId="{DA147CC3-4B67-478F-862D-E29501DA82EA}" srcOrd="3" destOrd="0" parTransId="{801DA9D2-6F7D-4D05-A4DF-78E6B5C12D31}" sibTransId="{59FC7BC0-FE83-49A2-9545-31F1B4D34E25}"/>
+    <dgm:cxn modelId="{A8CFE2E7-B285-47DF-A90A-7E31540D24B3}" srcId="{F57875BC-748F-4AFE-BEFC-BE5C17B17DDA}" destId="{4DB66EC5-43BF-46B0-98C7-A0EFC8FCC760}" srcOrd="1" destOrd="0" parTransId="{90707BDE-B988-4C42-911C-CEE4AF8AC371}" sibTransId="{4346348C-48C3-4C41-AEE5-2A91BB48ED06}"/>
+    <dgm:cxn modelId="{51DD55EA-F9F3-49C5-BB79-78D41E79D21F}" srcId="{F57875BC-748F-4AFE-BEFC-BE5C17B17DDA}" destId="{ED74E096-8ED9-4E1D-AEA3-14CAEF2F6B9C}" srcOrd="0" destOrd="0" parTransId="{1381DB52-76A4-483F-8CD7-D3FDF097E033}" sibTransId="{4DB59659-0695-4E46-8BDE-09AF2FA797BD}"/>
+    <dgm:cxn modelId="{203C7FEA-FB67-4A00-8581-D92C30656053}" srcId="{F57875BC-748F-4AFE-BEFC-BE5C17B17DDA}" destId="{E68172F9-1609-4288-94D9-47A93EBA489C}" srcOrd="2" destOrd="0" parTransId="{04627825-640B-4415-9C27-1794CE2D3C34}" sibTransId="{BC36E91F-CD2A-4320-B5E9-A4C16188D1FA}"/>
+    <dgm:cxn modelId="{3876ADF0-F692-42F4-B65F-5B3456CC966F}" type="presOf" srcId="{4DB66EC5-43BF-46B0-98C7-A0EFC8FCC760}" destId="{6CB679F3-65CB-41FB-AF83-AB68D5C8E3CD}" srcOrd="1" destOrd="0" presId="urn:microsoft.com/office/officeart/2005/8/layout/vProcess5"/>
+    <dgm:cxn modelId="{D3FDB4C4-4AEC-40C0-B719-D4AFBD8DC41D}" type="presParOf" srcId="{14F031F2-74BA-42D1-82D1-9B8EA1546D57}" destId="{CDC6E882-7E23-4878-A7CA-92A82B9DD201}" srcOrd="0" destOrd="0" presId="urn:microsoft.com/office/officeart/2005/8/layout/vProcess5"/>
+    <dgm:cxn modelId="{CEB31CE3-94EA-4BCB-A9E0-8C3A30E2B900}" type="presParOf" srcId="{14F031F2-74BA-42D1-82D1-9B8EA1546D57}" destId="{5A414D76-9733-48CC-8F90-9B78DB1859D6}" srcOrd="1" destOrd="0" presId="urn:microsoft.com/office/officeart/2005/8/layout/vProcess5"/>
+    <dgm:cxn modelId="{597B7673-3108-42F5-B03C-9A0788FD8CAC}" type="presParOf" srcId="{14F031F2-74BA-42D1-82D1-9B8EA1546D57}" destId="{BD4A1FB0-D4E1-43DC-A8B8-2092B9D5CC86}" srcOrd="2" destOrd="0" presId="urn:microsoft.com/office/officeart/2005/8/layout/vProcess5"/>
+    <dgm:cxn modelId="{FECB357B-E31B-4A17-8BA8-7F486AFB353E}" type="presParOf" srcId="{14F031F2-74BA-42D1-82D1-9B8EA1546D57}" destId="{4A4BD90B-F00C-42F7-9186-2C1279F02DA1}" srcOrd="3" destOrd="0" presId="urn:microsoft.com/office/officeart/2005/8/layout/vProcess5"/>
+    <dgm:cxn modelId="{CFA08D82-6E24-4F4B-9D84-A8240E209F97}" type="presParOf" srcId="{14F031F2-74BA-42D1-82D1-9B8EA1546D57}" destId="{F8B96129-510D-4818-9E56-40463A8BE2EC}" srcOrd="4" destOrd="0" presId="urn:microsoft.com/office/officeart/2005/8/layout/vProcess5"/>
+    <dgm:cxn modelId="{D8D89F7A-6FAD-4A1F-AE59-EC2808CE1884}" type="presParOf" srcId="{14F031F2-74BA-42D1-82D1-9B8EA1546D57}" destId="{5BCFF58C-6D2B-4DC7-84E6-1DCBED371B78}" srcOrd="5" destOrd="0" presId="urn:microsoft.com/office/officeart/2005/8/layout/vProcess5"/>
+    <dgm:cxn modelId="{B262AC02-8003-494B-B62D-28419977972E}" type="presParOf" srcId="{14F031F2-74BA-42D1-82D1-9B8EA1546D57}" destId="{F561C2CD-4CFE-418E-B238-AFF4D3354BEF}" srcOrd="6" destOrd="0" presId="urn:microsoft.com/office/officeart/2005/8/layout/vProcess5"/>
+    <dgm:cxn modelId="{9FE12841-6D8A-4656-A6A0-264CC5576A30}" type="presParOf" srcId="{14F031F2-74BA-42D1-82D1-9B8EA1546D57}" destId="{1E0E2563-3A9B-4C07-932F-8852AF6BC238}" srcOrd="7" destOrd="0" presId="urn:microsoft.com/office/officeart/2005/8/layout/vProcess5"/>
+    <dgm:cxn modelId="{42442687-611D-44E9-8CCF-5254FC0787AF}" type="presParOf" srcId="{14F031F2-74BA-42D1-82D1-9B8EA1546D57}" destId="{4FAB6FFA-0C35-41EF-B63E-BDB0290AB7E6}" srcOrd="8" destOrd="0" presId="urn:microsoft.com/office/officeart/2005/8/layout/vProcess5"/>
+    <dgm:cxn modelId="{ADA01E86-039C-4E29-AC13-996F8367BBE3}" type="presParOf" srcId="{14F031F2-74BA-42D1-82D1-9B8EA1546D57}" destId="{3051699D-3835-434E-AA3E-1C5DC4BED523}" srcOrd="9" destOrd="0" presId="urn:microsoft.com/office/officeart/2005/8/layout/vProcess5"/>
+    <dgm:cxn modelId="{34C01431-25CD-4D00-98A0-FF67B5C3C96A}" type="presParOf" srcId="{14F031F2-74BA-42D1-82D1-9B8EA1546D57}" destId="{388813B6-1D68-422D-8724-0AD2876EE5AB}" srcOrd="10" destOrd="0" presId="urn:microsoft.com/office/officeart/2005/8/layout/vProcess5"/>
+    <dgm:cxn modelId="{139A1E62-4084-4958-A23E-42ED38A66D8E}" type="presParOf" srcId="{14F031F2-74BA-42D1-82D1-9B8EA1546D57}" destId="{6CB679F3-65CB-41FB-AF83-AB68D5C8E3CD}" srcOrd="11" destOrd="0" presId="urn:microsoft.com/office/officeart/2005/8/layout/vProcess5"/>
+    <dgm:cxn modelId="{B3A38C7A-8E52-47C7-B255-3DE8DE0882AF}" type="presParOf" srcId="{14F031F2-74BA-42D1-82D1-9B8EA1546D57}" destId="{D210DA67-559E-44C1-9E49-FF4008065BB3}" srcOrd="12" destOrd="0" presId="urn:microsoft.com/office/officeart/2005/8/layout/vProcess5"/>
+    <dgm:cxn modelId="{FD6A9EC9-A3A5-42AF-80B3-7618B8364031}" type="presParOf" srcId="{14F031F2-74BA-42D1-82D1-9B8EA1546D57}" destId="{55D45C25-C314-4294-8C97-F41835D0267C}" srcOrd="13" destOrd="0" presId="urn:microsoft.com/office/officeart/2005/8/layout/vProcess5"/>
+    <dgm:cxn modelId="{96D7A50B-EE41-4341-B7B5-3EA48970DBB4}" type="presParOf" srcId="{14F031F2-74BA-42D1-82D1-9B8EA1546D57}" destId="{8A30BEA6-90B7-4DAB-AE11-7A50232BA93E}" srcOrd="14" destOrd="0" presId="urn:microsoft.com/office/officeart/2005/8/layout/vProcess5"/>
+  </dgm:cxnLst>
+  <dgm:bg/>
+  <dgm:whole/>
+  <dgm:extLst>
+    <a:ext uri="http://schemas.microsoft.com/office/drawing/2008/diagram">
+      <dsp:dataModelExt xmlns:dsp="http://schemas.microsoft.com/office/drawing/2008/diagram" relId="rId6" minVer="http://schemas.openxmlformats.org/drawingml/2006/diagram"/>
+    </a:ext>
+    <a:ext uri="{C62137D5-CB1D-491B-B009-E17868A290BF}">
+      <dgm14:recolorImg xmlns:dgm14="http://schemas.microsoft.com/office/drawing/2010/diagram" val="1"/>
+    </a:ext>
+  </dgm:extLst>
+</dgm:dataModel>
+</file>
+
+<file path=ppt/diagrams/drawing1.xml><?xml version="1.0" encoding="utf-8"?>
+<dsp:drawing xmlns:dgm="http://schemas.openxmlformats.org/drawingml/2006/diagram" xmlns:dsp="http://schemas.microsoft.com/office/drawing/2008/diagram" xmlns:a="http://schemas.openxmlformats.org/drawingml/2006/main">
+  <dsp:spTree>
+    <dsp:nvGrpSpPr>
+      <dsp:cNvPr id="0" name=""/>
+      <dsp:cNvGrpSpPr/>
+    </dsp:nvGrpSpPr>
+    <dsp:grpSpPr/>
+    <dsp:sp modelId="{5A414D76-9733-48CC-8F90-9B78DB1859D6}">
+      <dsp:nvSpPr>
+        <dsp:cNvPr id="0" name=""/>
+        <dsp:cNvSpPr/>
+      </dsp:nvSpPr>
+      <dsp:spPr>
+        <a:xfrm>
+          <a:off x="0" y="0"/>
+          <a:ext cx="7627620" cy="926233"/>
+        </a:xfrm>
+        <a:prstGeom prst="roundRect">
+          <a:avLst>
+            <a:gd name="adj" fmla="val 10000"/>
+          </a:avLst>
+        </a:prstGeom>
+        <a:gradFill rotWithShape="0">
+          <a:gsLst>
+            <a:gs pos="0">
+              <a:schemeClr val="dk2">
+                <a:hueOff val="0"/>
+                <a:satOff val="0"/>
+                <a:lumOff val="0"/>
+                <a:alphaOff val="0"/>
+                <a:tint val="94000"/>
+                <a:satMod val="105000"/>
+                <a:lumMod val="102000"/>
+              </a:schemeClr>
+            </a:gs>
+            <a:gs pos="100000">
+              <a:schemeClr val="dk2">
+                <a:hueOff val="0"/>
+                <a:satOff val="0"/>
+                <a:lumOff val="0"/>
+                <a:alphaOff val="0"/>
+                <a:shade val="74000"/>
+                <a:satMod val="128000"/>
+                <a:lumMod val="100000"/>
+              </a:schemeClr>
+            </a:gs>
+          </a:gsLst>
+          <a:lin ang="5400000" scaled="0"/>
+        </a:gradFill>
+        <a:ln>
+          <a:noFill/>
+        </a:ln>
+        <a:effectLst/>
+        <a:scene3d>
+          <a:camera prst="orthographicFront"/>
+          <a:lightRig rig="flat" dir="t"/>
+        </a:scene3d>
+        <a:sp3d prstMaterial="plastic">
+          <a:bevelT w="120900" h="88900"/>
+          <a:bevelB w="88900" h="31750" prst="angle"/>
+        </a:sp3d>
+      </dsp:spPr>
+      <dsp:style>
+        <a:lnRef idx="0">
+          <a:scrgbClr r="0" g="0" b="0"/>
+        </a:lnRef>
+        <a:fillRef idx="3">
+          <a:scrgbClr r="0" g="0" b="0"/>
+        </a:fillRef>
+        <a:effectRef idx="2">
+          <a:scrgbClr r="0" g="0" b="0"/>
+        </a:effectRef>
+        <a:fontRef idx="minor">
+          <a:schemeClr val="lt1"/>
+        </a:fontRef>
+      </dsp:style>
+      <dsp:txBody>
+        <a:bodyPr spcFirstLastPara="0" vert="horz" wrap="square" lIns="106680" tIns="106680" rIns="106680" bIns="106680" numCol="1" spcCol="1270" anchor="ctr" anchorCtr="0">
+          <a:noAutofit/>
+        </a:bodyPr>
+        <a:lstStyle/>
+        <a:p>
+          <a:pPr marL="0" lvl="0" indent="0" algn="l" defTabSz="1244600">
+            <a:lnSpc>
+              <a:spcPct val="90000"/>
+            </a:lnSpc>
+            <a:spcBef>
+              <a:spcPct val="0"/>
+            </a:spcBef>
+            <a:spcAft>
+              <a:spcPct val="35000"/>
+            </a:spcAft>
+            <a:buNone/>
+          </a:pPr>
+          <a:r>
+            <a:rPr kumimoji="1" lang="zh-TW" altLang="en-US" sz="2800" kern="1200" dirty="0">
+              <a:latin typeface="思源黑體" panose="020B0500000000000000" pitchFamily="34" charset="-120"/>
+              <a:ea typeface="思源黑體" panose="020B0500000000000000" pitchFamily="34" charset="-120"/>
+            </a:rPr>
+            <a:t>犯罪收益</a:t>
+          </a:r>
+          <a:endParaRPr kumimoji="1" lang="ja-JP" altLang="en-US" sz="2800" kern="1200" dirty="0"/>
+        </a:p>
+      </dsp:txBody>
+      <dsp:txXfrm>
+        <a:off x="27128" y="27128"/>
+        <a:ext cx="6519774" cy="871977"/>
+      </dsp:txXfrm>
+    </dsp:sp>
+    <dsp:sp modelId="{BD4A1FB0-D4E1-43DC-A8B8-2092B9D5CC86}">
+      <dsp:nvSpPr>
+        <dsp:cNvPr id="0" name=""/>
+        <dsp:cNvSpPr/>
+      </dsp:nvSpPr>
+      <dsp:spPr>
+        <a:xfrm>
+          <a:off x="569595" y="1054876"/>
+          <a:ext cx="7627620" cy="926233"/>
+        </a:xfrm>
+        <a:prstGeom prst="roundRect">
+          <a:avLst>
+            <a:gd name="adj" fmla="val 10000"/>
+          </a:avLst>
+        </a:prstGeom>
+        <a:gradFill rotWithShape="0">
+          <a:gsLst>
+            <a:gs pos="0">
+              <a:schemeClr val="dk2">
+                <a:hueOff val="0"/>
+                <a:satOff val="0"/>
+                <a:lumOff val="0"/>
+                <a:alphaOff val="0"/>
+                <a:tint val="94000"/>
+                <a:satMod val="105000"/>
+                <a:lumMod val="102000"/>
+              </a:schemeClr>
+            </a:gs>
+            <a:gs pos="100000">
+              <a:schemeClr val="dk2">
+                <a:hueOff val="0"/>
+                <a:satOff val="0"/>
+                <a:lumOff val="0"/>
+                <a:alphaOff val="0"/>
+                <a:shade val="74000"/>
+                <a:satMod val="128000"/>
+                <a:lumMod val="100000"/>
+              </a:schemeClr>
+            </a:gs>
+          </a:gsLst>
+          <a:lin ang="5400000" scaled="0"/>
+        </a:gradFill>
+        <a:ln>
+          <a:noFill/>
+        </a:ln>
+        <a:effectLst/>
+        <a:scene3d>
+          <a:camera prst="orthographicFront"/>
+          <a:lightRig rig="flat" dir="t"/>
+        </a:scene3d>
+        <a:sp3d prstMaterial="plastic">
+          <a:bevelT w="120900" h="88900"/>
+          <a:bevelB w="88900" h="31750" prst="angle"/>
+        </a:sp3d>
+      </dsp:spPr>
+      <dsp:style>
+        <a:lnRef idx="0">
+          <a:scrgbClr r="0" g="0" b="0"/>
+        </a:lnRef>
+        <a:fillRef idx="3">
+          <a:scrgbClr r="0" g="0" b="0"/>
+        </a:fillRef>
+        <a:effectRef idx="2">
+          <a:scrgbClr r="0" g="0" b="0"/>
+        </a:effectRef>
+        <a:fontRef idx="minor">
+          <a:schemeClr val="lt1"/>
+        </a:fontRef>
+      </dsp:style>
+      <dsp:txBody>
+        <a:bodyPr spcFirstLastPara="0" vert="horz" wrap="square" lIns="106680" tIns="106680" rIns="106680" bIns="106680" numCol="1" spcCol="1270" anchor="ctr" anchorCtr="0">
+          <a:noAutofit/>
+        </a:bodyPr>
+        <a:lstStyle/>
+        <a:p>
+          <a:pPr marL="0" lvl="0" indent="0" algn="l" defTabSz="1244600">
+            <a:lnSpc>
+              <a:spcPct val="90000"/>
+            </a:lnSpc>
+            <a:spcBef>
+              <a:spcPct val="0"/>
+            </a:spcBef>
+            <a:spcAft>
+              <a:spcPct val="35000"/>
+            </a:spcAft>
+            <a:buNone/>
+          </a:pPr>
+          <a:r>
+            <a:rPr kumimoji="1" lang="zh-TW" altLang="en-US" sz="2800" kern="1200" dirty="0">
+              <a:latin typeface="思源黑體" panose="020B0500000000000000" pitchFamily="34" charset="-120"/>
+              <a:ea typeface="思源黑體" panose="020B0500000000000000" pitchFamily="34" charset="-120"/>
+            </a:rPr>
+            <a:t>暗網市場（匿名平台）</a:t>
+          </a:r>
+          <a:endParaRPr kumimoji="1" lang="ja-JP" altLang="en-US" sz="2800" kern="1200" dirty="0"/>
+        </a:p>
+      </dsp:txBody>
+      <dsp:txXfrm>
+        <a:off x="596723" y="1082004"/>
+        <a:ext cx="6401718" cy="871977"/>
+      </dsp:txXfrm>
+    </dsp:sp>
+    <dsp:sp modelId="{4A4BD90B-F00C-42F7-9186-2C1279F02DA1}">
+      <dsp:nvSpPr>
+        <dsp:cNvPr id="0" name=""/>
+        <dsp:cNvSpPr/>
+      </dsp:nvSpPr>
+      <dsp:spPr>
+        <a:xfrm>
+          <a:off x="1139190" y="2109753"/>
+          <a:ext cx="7627620" cy="926233"/>
+        </a:xfrm>
+        <a:prstGeom prst="roundRect">
+          <a:avLst>
+            <a:gd name="adj" fmla="val 10000"/>
+          </a:avLst>
+        </a:prstGeom>
+        <a:gradFill rotWithShape="0">
+          <a:gsLst>
+            <a:gs pos="0">
+              <a:schemeClr val="dk2">
+                <a:hueOff val="0"/>
+                <a:satOff val="0"/>
+                <a:lumOff val="0"/>
+                <a:alphaOff val="0"/>
+                <a:tint val="94000"/>
+                <a:satMod val="105000"/>
+                <a:lumMod val="102000"/>
+              </a:schemeClr>
+            </a:gs>
+            <a:gs pos="100000">
+              <a:schemeClr val="dk2">
+                <a:hueOff val="0"/>
+                <a:satOff val="0"/>
+                <a:lumOff val="0"/>
+                <a:alphaOff val="0"/>
+                <a:shade val="74000"/>
+                <a:satMod val="128000"/>
+                <a:lumMod val="100000"/>
+              </a:schemeClr>
+            </a:gs>
+          </a:gsLst>
+          <a:lin ang="5400000" scaled="0"/>
+        </a:gradFill>
+        <a:ln>
+          <a:noFill/>
+        </a:ln>
+        <a:effectLst/>
+        <a:scene3d>
+          <a:camera prst="orthographicFront"/>
+          <a:lightRig rig="flat" dir="t"/>
+        </a:scene3d>
+        <a:sp3d prstMaterial="plastic">
+          <a:bevelT w="120900" h="88900"/>
+          <a:bevelB w="88900" h="31750" prst="angle"/>
+        </a:sp3d>
+      </dsp:spPr>
+      <dsp:style>
+        <a:lnRef idx="0">
+          <a:scrgbClr r="0" g="0" b="0"/>
+        </a:lnRef>
+        <a:fillRef idx="3">
+          <a:scrgbClr r="0" g="0" b="0"/>
+        </a:fillRef>
+        <a:effectRef idx="2">
+          <a:scrgbClr r="0" g="0" b="0"/>
+        </a:effectRef>
+        <a:fontRef idx="minor">
+          <a:schemeClr val="lt1"/>
+        </a:fontRef>
+      </dsp:style>
+      <dsp:txBody>
+        <a:bodyPr spcFirstLastPara="0" vert="horz" wrap="square" lIns="106680" tIns="106680" rIns="106680" bIns="106680" numCol="1" spcCol="1270" anchor="ctr" anchorCtr="0">
+          <a:noAutofit/>
+        </a:bodyPr>
+        <a:lstStyle/>
+        <a:p>
+          <a:pPr marL="0" lvl="0" indent="0" algn="l" defTabSz="1244600">
+            <a:lnSpc>
+              <a:spcPct val="90000"/>
+            </a:lnSpc>
+            <a:spcBef>
+              <a:spcPct val="0"/>
+            </a:spcBef>
+            <a:spcAft>
+              <a:spcPct val="35000"/>
+            </a:spcAft>
+            <a:buNone/>
+          </a:pPr>
+          <a:r>
+            <a:rPr kumimoji="1" lang="zh-TW" altLang="en-US" sz="2800" kern="1200" dirty="0">
+              <a:latin typeface="思源黑體" panose="020B0500000000000000" pitchFamily="34" charset="-120"/>
+              <a:ea typeface="思源黑體" panose="020B0500000000000000" pitchFamily="34" charset="-120"/>
+            </a:rPr>
+            <a:t>混幣／虛擬貨幣</a:t>
+          </a:r>
+          <a:endParaRPr kumimoji="1" lang="ja-JP" altLang="en-US" sz="2800" kern="1200" dirty="0"/>
+        </a:p>
+      </dsp:txBody>
+      <dsp:txXfrm>
+        <a:off x="1166318" y="2136881"/>
+        <a:ext cx="6401718" cy="871977"/>
+      </dsp:txXfrm>
+    </dsp:sp>
+    <dsp:sp modelId="{F8B96129-510D-4818-9E56-40463A8BE2EC}">
+      <dsp:nvSpPr>
+        <dsp:cNvPr id="0" name=""/>
+        <dsp:cNvSpPr/>
+      </dsp:nvSpPr>
+      <dsp:spPr>
+        <a:xfrm>
+          <a:off x="1708785" y="3164630"/>
+          <a:ext cx="7627620" cy="926233"/>
+        </a:xfrm>
+        <a:prstGeom prst="roundRect">
+          <a:avLst>
+            <a:gd name="adj" fmla="val 10000"/>
+          </a:avLst>
+        </a:prstGeom>
+        <a:gradFill rotWithShape="0">
+          <a:gsLst>
+            <a:gs pos="0">
+              <a:schemeClr val="dk2">
+                <a:hueOff val="0"/>
+                <a:satOff val="0"/>
+                <a:lumOff val="0"/>
+                <a:alphaOff val="0"/>
+                <a:tint val="94000"/>
+                <a:satMod val="105000"/>
+                <a:lumMod val="102000"/>
+              </a:schemeClr>
+            </a:gs>
+            <a:gs pos="100000">
+              <a:schemeClr val="dk2">
+                <a:hueOff val="0"/>
+                <a:satOff val="0"/>
+                <a:lumOff val="0"/>
+                <a:alphaOff val="0"/>
+                <a:shade val="74000"/>
+                <a:satMod val="128000"/>
+                <a:lumMod val="100000"/>
+              </a:schemeClr>
+            </a:gs>
+          </a:gsLst>
+          <a:lin ang="5400000" scaled="0"/>
+        </a:gradFill>
+        <a:ln>
+          <a:noFill/>
+        </a:ln>
+        <a:effectLst/>
+        <a:scene3d>
+          <a:camera prst="orthographicFront"/>
+          <a:lightRig rig="flat" dir="t"/>
+        </a:scene3d>
+        <a:sp3d prstMaterial="plastic">
+          <a:bevelT w="120900" h="88900"/>
+          <a:bevelB w="88900" h="31750" prst="angle"/>
+        </a:sp3d>
+      </dsp:spPr>
+      <dsp:style>
+        <a:lnRef idx="0">
+          <a:scrgbClr r="0" g="0" b="0"/>
+        </a:lnRef>
+        <a:fillRef idx="3">
+          <a:scrgbClr r="0" g="0" b="0"/>
+        </a:fillRef>
+        <a:effectRef idx="2">
+          <a:scrgbClr r="0" g="0" b="0"/>
+        </a:effectRef>
+        <a:fontRef idx="minor">
+          <a:schemeClr val="lt1"/>
+        </a:fontRef>
+      </dsp:style>
+      <dsp:txBody>
+        <a:bodyPr spcFirstLastPara="0" vert="horz" wrap="square" lIns="106680" tIns="106680" rIns="106680" bIns="106680" numCol="1" spcCol="1270" anchor="ctr" anchorCtr="0">
+          <a:noAutofit/>
+        </a:bodyPr>
+        <a:lstStyle/>
+        <a:p>
+          <a:pPr marL="0" lvl="0" indent="0" algn="l" defTabSz="1244600">
+            <a:lnSpc>
+              <a:spcPct val="90000"/>
+            </a:lnSpc>
+            <a:spcBef>
+              <a:spcPct val="0"/>
+            </a:spcBef>
+            <a:spcAft>
+              <a:spcPct val="35000"/>
+            </a:spcAft>
+            <a:buNone/>
+          </a:pPr>
+          <a:r>
+            <a:rPr kumimoji="1" lang="zh-TW" altLang="en-US" sz="2800" kern="1200" dirty="0">
+              <a:latin typeface="思源黑體" panose="020B0500000000000000" pitchFamily="34" charset="-120"/>
+              <a:ea typeface="思源黑體" panose="020B0500000000000000" pitchFamily="34" charset="-120"/>
+            </a:rPr>
+            <a:t>提領至合法帳戶</a:t>
+          </a:r>
+          <a:endParaRPr kumimoji="1" lang="ja-JP" altLang="en-US" sz="2800" kern="1200" dirty="0"/>
+        </a:p>
+      </dsp:txBody>
+      <dsp:txXfrm>
+        <a:off x="1735913" y="3191758"/>
+        <a:ext cx="6401718" cy="871977"/>
+      </dsp:txXfrm>
+    </dsp:sp>
+    <dsp:sp modelId="{5BCFF58C-6D2B-4DC7-84E6-1DCBED371B78}">
+      <dsp:nvSpPr>
+        <dsp:cNvPr id="0" name=""/>
+        <dsp:cNvSpPr/>
+      </dsp:nvSpPr>
+      <dsp:spPr>
+        <a:xfrm>
+          <a:off x="2278380" y="4219507"/>
+          <a:ext cx="7627620" cy="926233"/>
+        </a:xfrm>
+        <a:prstGeom prst="roundRect">
+          <a:avLst>
+            <a:gd name="adj" fmla="val 10000"/>
+          </a:avLst>
+        </a:prstGeom>
+        <a:gradFill rotWithShape="0">
+          <a:gsLst>
+            <a:gs pos="0">
+              <a:schemeClr val="dk2">
+                <a:hueOff val="0"/>
+                <a:satOff val="0"/>
+                <a:lumOff val="0"/>
+                <a:alphaOff val="0"/>
+                <a:tint val="94000"/>
+                <a:satMod val="105000"/>
+                <a:lumMod val="102000"/>
+              </a:schemeClr>
+            </a:gs>
+            <a:gs pos="100000">
+              <a:schemeClr val="dk2">
+                <a:hueOff val="0"/>
+                <a:satOff val="0"/>
+                <a:lumOff val="0"/>
+                <a:alphaOff val="0"/>
+                <a:shade val="74000"/>
+                <a:satMod val="128000"/>
+                <a:lumMod val="100000"/>
+              </a:schemeClr>
+            </a:gs>
+          </a:gsLst>
+          <a:lin ang="5400000" scaled="0"/>
+        </a:gradFill>
+        <a:ln>
+          <a:noFill/>
+        </a:ln>
+        <a:effectLst/>
+        <a:scene3d>
+          <a:camera prst="orthographicFront"/>
+          <a:lightRig rig="flat" dir="t"/>
+        </a:scene3d>
+        <a:sp3d prstMaterial="plastic">
+          <a:bevelT w="120900" h="88900"/>
+          <a:bevelB w="88900" h="31750" prst="angle"/>
+        </a:sp3d>
+      </dsp:spPr>
+      <dsp:style>
+        <a:lnRef idx="0">
+          <a:scrgbClr r="0" g="0" b="0"/>
+        </a:lnRef>
+        <a:fillRef idx="3">
+          <a:scrgbClr r="0" g="0" b="0"/>
+        </a:fillRef>
+        <a:effectRef idx="2">
+          <a:scrgbClr r="0" g="0" b="0"/>
+        </a:effectRef>
+        <a:fontRef idx="minor">
+          <a:schemeClr val="lt1"/>
+        </a:fontRef>
+      </dsp:style>
+      <dsp:txBody>
+        <a:bodyPr spcFirstLastPara="0" vert="horz" wrap="square" lIns="106680" tIns="106680" rIns="106680" bIns="106680" numCol="1" spcCol="1270" anchor="ctr" anchorCtr="0">
+          <a:noAutofit/>
+        </a:bodyPr>
+        <a:lstStyle/>
+        <a:p>
+          <a:pPr marL="0" lvl="0" indent="0" algn="l" defTabSz="1244600">
+            <a:lnSpc>
+              <a:spcPct val="90000"/>
+            </a:lnSpc>
+            <a:spcBef>
+              <a:spcPct val="0"/>
+            </a:spcBef>
+            <a:spcAft>
+              <a:spcPct val="35000"/>
+            </a:spcAft>
+            <a:buNone/>
+          </a:pPr>
+          <a:r>
+            <a:rPr kumimoji="1" lang="zh-TW" altLang="en-US" sz="2800" kern="1200">
+              <a:latin typeface="思源黑體" panose="020B0500000000000000" pitchFamily="34" charset="-120"/>
+              <a:ea typeface="思源黑體" panose="020B0500000000000000" pitchFamily="34" charset="-120"/>
+            </a:rPr>
+            <a:t>洗錢完成</a:t>
+          </a:r>
+          <a:endParaRPr kumimoji="1" lang="ja-JP" altLang="en-US" sz="2800" kern="1200" dirty="0"/>
+        </a:p>
+      </dsp:txBody>
+      <dsp:txXfrm>
+        <a:off x="2305508" y="4246635"/>
+        <a:ext cx="6401718" cy="871977"/>
+      </dsp:txXfrm>
+    </dsp:sp>
+    <dsp:sp modelId="{F561C2CD-4CFE-418E-B238-AFF4D3354BEF}">
+      <dsp:nvSpPr>
+        <dsp:cNvPr id="0" name=""/>
+        <dsp:cNvSpPr/>
+      </dsp:nvSpPr>
+      <dsp:spPr>
+        <a:xfrm>
+          <a:off x="7025569" y="676664"/>
+          <a:ext cx="602051" cy="602051"/>
+        </a:xfrm>
+        <a:prstGeom prst="downArrow">
+          <a:avLst>
+            <a:gd name="adj1" fmla="val 55000"/>
+            <a:gd name="adj2" fmla="val 45000"/>
+          </a:avLst>
+        </a:prstGeom>
+        <a:solidFill>
+          <a:schemeClr val="dk2">
+            <a:alpha val="90000"/>
+            <a:tint val="40000"/>
+            <a:hueOff val="0"/>
+            <a:satOff val="0"/>
+            <a:lumOff val="0"/>
+            <a:alphaOff val="0"/>
+          </a:schemeClr>
+        </a:solidFill>
+        <a:ln w="9525" cap="flat" cmpd="sng" algn="ctr">
+          <a:solidFill>
+            <a:schemeClr val="dk2">
+              <a:alpha val="90000"/>
+              <a:tint val="40000"/>
+              <a:hueOff val="0"/>
+              <a:satOff val="0"/>
+              <a:lumOff val="0"/>
+              <a:alphaOff val="0"/>
+            </a:schemeClr>
+          </a:solidFill>
+          <a:prstDash val="solid"/>
+        </a:ln>
+        <a:effectLst/>
+        <a:scene3d>
+          <a:camera prst="orthographicFront"/>
+          <a:lightRig rig="flat" dir="t"/>
+        </a:scene3d>
+        <a:sp3d z="190500" extrusionH="12700" prstMaterial="plastic">
+          <a:bevelT w="50800" h="50800"/>
+        </a:sp3d>
+      </dsp:spPr>
+      <dsp:style>
+        <a:lnRef idx="1">
+          <a:scrgbClr r="0" g="0" b="0"/>
+        </a:lnRef>
+        <a:fillRef idx="1">
+          <a:scrgbClr r="0" g="0" b="0"/>
+        </a:fillRef>
+        <a:effectRef idx="2">
+          <a:scrgbClr r="0" g="0" b="0"/>
+        </a:effectRef>
+        <a:fontRef idx="minor"/>
+      </dsp:style>
+      <dsp:txBody>
+        <a:bodyPr spcFirstLastPara="0" vert="horz" wrap="square" lIns="38100" tIns="38100" rIns="38100" bIns="38100" numCol="1" spcCol="1270" anchor="ctr" anchorCtr="0">
+          <a:noAutofit/>
+        </a:bodyPr>
+        <a:lstStyle/>
+        <a:p>
+          <a:pPr marL="0" lvl="0" indent="0" algn="ctr" defTabSz="1333500">
+            <a:lnSpc>
+              <a:spcPct val="90000"/>
+            </a:lnSpc>
+            <a:spcBef>
+              <a:spcPct val="0"/>
+            </a:spcBef>
+            <a:spcAft>
+              <a:spcPct val="35000"/>
+            </a:spcAft>
+            <a:buNone/>
+          </a:pPr>
+          <a:endParaRPr kumimoji="1" lang="ja-JP" altLang="en-US" sz="3000" kern="1200"/>
+        </a:p>
+      </dsp:txBody>
+      <dsp:txXfrm>
+        <a:off x="7161030" y="676664"/>
+        <a:ext cx="331129" cy="453043"/>
+      </dsp:txXfrm>
+    </dsp:sp>
+    <dsp:sp modelId="{1E0E2563-3A9B-4C07-932F-8852AF6BC238}">
+      <dsp:nvSpPr>
+        <dsp:cNvPr id="0" name=""/>
+        <dsp:cNvSpPr/>
+      </dsp:nvSpPr>
+      <dsp:spPr>
+        <a:xfrm>
+          <a:off x="7595164" y="1731541"/>
+          <a:ext cx="602051" cy="602051"/>
+        </a:xfrm>
+        <a:prstGeom prst="downArrow">
+          <a:avLst>
+            <a:gd name="adj1" fmla="val 55000"/>
+            <a:gd name="adj2" fmla="val 45000"/>
+          </a:avLst>
+        </a:prstGeom>
+        <a:solidFill>
+          <a:schemeClr val="dk2">
+            <a:alpha val="90000"/>
+            <a:tint val="40000"/>
+            <a:hueOff val="0"/>
+            <a:satOff val="0"/>
+            <a:lumOff val="0"/>
+            <a:alphaOff val="0"/>
+          </a:schemeClr>
+        </a:solidFill>
+        <a:ln w="9525" cap="flat" cmpd="sng" algn="ctr">
+          <a:solidFill>
+            <a:schemeClr val="dk2">
+              <a:alpha val="90000"/>
+              <a:tint val="40000"/>
+              <a:hueOff val="0"/>
+              <a:satOff val="0"/>
+              <a:lumOff val="0"/>
+              <a:alphaOff val="0"/>
+            </a:schemeClr>
+          </a:solidFill>
+          <a:prstDash val="solid"/>
+        </a:ln>
+        <a:effectLst/>
+        <a:scene3d>
+          <a:camera prst="orthographicFront"/>
+          <a:lightRig rig="flat" dir="t"/>
+        </a:scene3d>
+        <a:sp3d z="190500" extrusionH="12700" prstMaterial="plastic">
+          <a:bevelT w="50800" h="50800"/>
+        </a:sp3d>
+      </dsp:spPr>
+      <dsp:style>
+        <a:lnRef idx="1">
+          <a:scrgbClr r="0" g="0" b="0"/>
+        </a:lnRef>
+        <a:fillRef idx="1">
+          <a:scrgbClr r="0" g="0" b="0"/>
+        </a:fillRef>
+        <a:effectRef idx="2">
+          <a:scrgbClr r="0" g="0" b="0"/>
+        </a:effectRef>
+        <a:fontRef idx="minor"/>
+      </dsp:style>
+      <dsp:txBody>
+        <a:bodyPr spcFirstLastPara="0" vert="horz" wrap="square" lIns="38100" tIns="38100" rIns="38100" bIns="38100" numCol="1" spcCol="1270" anchor="ctr" anchorCtr="0">
+          <a:noAutofit/>
+        </a:bodyPr>
+        <a:lstStyle/>
+        <a:p>
+          <a:pPr marL="0" lvl="0" indent="0" algn="ctr" defTabSz="1333500">
+            <a:lnSpc>
+              <a:spcPct val="90000"/>
+            </a:lnSpc>
+            <a:spcBef>
+              <a:spcPct val="0"/>
+            </a:spcBef>
+            <a:spcAft>
+              <a:spcPct val="35000"/>
+            </a:spcAft>
+            <a:buNone/>
+          </a:pPr>
+          <a:endParaRPr kumimoji="1" lang="ja-JP" altLang="en-US" sz="3000" kern="1200"/>
+        </a:p>
+      </dsp:txBody>
+      <dsp:txXfrm>
+        <a:off x="7730625" y="1731541"/>
+        <a:ext cx="331129" cy="453043"/>
+      </dsp:txXfrm>
+    </dsp:sp>
+    <dsp:sp modelId="{4FAB6FFA-0C35-41EF-B63E-BDB0290AB7E6}">
+      <dsp:nvSpPr>
+        <dsp:cNvPr id="0" name=""/>
+        <dsp:cNvSpPr/>
+      </dsp:nvSpPr>
+      <dsp:spPr>
+        <a:xfrm>
+          <a:off x="8164759" y="2770981"/>
+          <a:ext cx="602051" cy="602051"/>
+        </a:xfrm>
+        <a:prstGeom prst="downArrow">
+          <a:avLst>
+            <a:gd name="adj1" fmla="val 55000"/>
+            <a:gd name="adj2" fmla="val 45000"/>
+          </a:avLst>
+        </a:prstGeom>
+        <a:solidFill>
+          <a:schemeClr val="dk2">
+            <a:alpha val="90000"/>
+            <a:tint val="40000"/>
+            <a:hueOff val="0"/>
+            <a:satOff val="0"/>
+            <a:lumOff val="0"/>
+            <a:alphaOff val="0"/>
+          </a:schemeClr>
+        </a:solidFill>
+        <a:ln w="9525" cap="flat" cmpd="sng" algn="ctr">
+          <a:solidFill>
+            <a:schemeClr val="dk2">
+              <a:alpha val="90000"/>
+              <a:tint val="40000"/>
+              <a:hueOff val="0"/>
+              <a:satOff val="0"/>
+              <a:lumOff val="0"/>
+              <a:alphaOff val="0"/>
+            </a:schemeClr>
+          </a:solidFill>
+          <a:prstDash val="solid"/>
+        </a:ln>
+        <a:effectLst/>
+        <a:scene3d>
+          <a:camera prst="orthographicFront"/>
+          <a:lightRig rig="flat" dir="t"/>
+        </a:scene3d>
+        <a:sp3d z="190500" extrusionH="12700" prstMaterial="plastic">
+          <a:bevelT w="50800" h="50800"/>
+        </a:sp3d>
+      </dsp:spPr>
+      <dsp:style>
+        <a:lnRef idx="1">
+          <a:scrgbClr r="0" g="0" b="0"/>
+        </a:lnRef>
+        <a:fillRef idx="1">
+          <a:scrgbClr r="0" g="0" b="0"/>
+        </a:fillRef>
+        <a:effectRef idx="2">
+          <a:scrgbClr r="0" g="0" b="0"/>
+        </a:effectRef>
+        <a:fontRef idx="minor"/>
+      </dsp:style>
+      <dsp:txBody>
+        <a:bodyPr spcFirstLastPara="0" vert="horz" wrap="square" lIns="38100" tIns="38100" rIns="38100" bIns="38100" numCol="1" spcCol="1270" anchor="ctr" anchorCtr="0">
+          <a:noAutofit/>
+        </a:bodyPr>
+        <a:lstStyle/>
+        <a:p>
+          <a:pPr marL="0" lvl="0" indent="0" algn="ctr" defTabSz="1333500">
+            <a:lnSpc>
+              <a:spcPct val="90000"/>
+            </a:lnSpc>
+            <a:spcBef>
+              <a:spcPct val="0"/>
+            </a:spcBef>
+            <a:spcAft>
+              <a:spcPct val="35000"/>
+            </a:spcAft>
+            <a:buNone/>
+          </a:pPr>
+          <a:endParaRPr kumimoji="1" lang="ja-JP" altLang="en-US" sz="3000" kern="1200"/>
+        </a:p>
+      </dsp:txBody>
+      <dsp:txXfrm>
+        <a:off x="8300220" y="2770981"/>
+        <a:ext cx="331129" cy="453043"/>
+      </dsp:txXfrm>
+    </dsp:sp>
+    <dsp:sp modelId="{3051699D-3835-434E-AA3E-1C5DC4BED523}">
+      <dsp:nvSpPr>
+        <dsp:cNvPr id="0" name=""/>
+        <dsp:cNvSpPr/>
+      </dsp:nvSpPr>
+      <dsp:spPr>
+        <a:xfrm>
+          <a:off x="8734354" y="3836149"/>
+          <a:ext cx="602051" cy="602051"/>
+        </a:xfrm>
+        <a:prstGeom prst="downArrow">
+          <a:avLst>
+            <a:gd name="adj1" fmla="val 55000"/>
+            <a:gd name="adj2" fmla="val 45000"/>
+          </a:avLst>
+        </a:prstGeom>
+        <a:solidFill>
+          <a:schemeClr val="dk2">
+            <a:alpha val="90000"/>
+            <a:tint val="40000"/>
+            <a:hueOff val="0"/>
+            <a:satOff val="0"/>
+            <a:lumOff val="0"/>
+            <a:alphaOff val="0"/>
+          </a:schemeClr>
+        </a:solidFill>
+        <a:ln w="9525" cap="flat" cmpd="sng" algn="ctr">
+          <a:solidFill>
+            <a:schemeClr val="dk2">
+              <a:alpha val="90000"/>
+              <a:tint val="40000"/>
+              <a:hueOff val="0"/>
+              <a:satOff val="0"/>
+              <a:lumOff val="0"/>
+              <a:alphaOff val="0"/>
+            </a:schemeClr>
+          </a:solidFill>
+          <a:prstDash val="solid"/>
+        </a:ln>
+        <a:effectLst/>
+        <a:scene3d>
+          <a:camera prst="orthographicFront"/>
+          <a:lightRig rig="flat" dir="t"/>
+        </a:scene3d>
+        <a:sp3d z="190500" extrusionH="12700" prstMaterial="plastic">
+          <a:bevelT w="50800" h="50800"/>
+        </a:sp3d>
+      </dsp:spPr>
+      <dsp:style>
+        <a:lnRef idx="1">
+          <a:scrgbClr r="0" g="0" b="0"/>
+        </a:lnRef>
+        <a:fillRef idx="1">
+          <a:scrgbClr r="0" g="0" b="0"/>
+        </a:fillRef>
+        <a:effectRef idx="2">
+          <a:scrgbClr r="0" g="0" b="0"/>
+        </a:effectRef>
+        <a:fontRef idx="minor"/>
+      </dsp:style>
+      <dsp:txBody>
+        <a:bodyPr spcFirstLastPara="0" vert="horz" wrap="square" lIns="38100" tIns="38100" rIns="38100" bIns="38100" numCol="1" spcCol="1270" anchor="ctr" anchorCtr="0">
+          <a:noAutofit/>
+        </a:bodyPr>
+        <a:lstStyle/>
+        <a:p>
+          <a:pPr marL="0" lvl="0" indent="0" algn="ctr" defTabSz="1333500">
+            <a:lnSpc>
+              <a:spcPct val="90000"/>
+            </a:lnSpc>
+            <a:spcBef>
+              <a:spcPct val="0"/>
+            </a:spcBef>
+            <a:spcAft>
+              <a:spcPct val="35000"/>
+            </a:spcAft>
+            <a:buNone/>
+          </a:pPr>
+          <a:endParaRPr kumimoji="1" lang="ja-JP" altLang="en-US" sz="3000" kern="1200"/>
+        </a:p>
+      </dsp:txBody>
+      <dsp:txXfrm>
+        <a:off x="8869815" y="3836149"/>
+        <a:ext cx="331129" cy="453043"/>
+      </dsp:txXfrm>
+    </dsp:sp>
+  </dsp:spTree>
+</dsp:drawing>
+</file>
+
+<file path=ppt/diagrams/layout1.xml><?xml version="1.0" encoding="utf-8"?>
+<dgm:layoutDef xmlns:dgm="http://schemas.openxmlformats.org/drawingml/2006/diagram" xmlns:a="http://schemas.openxmlformats.org/drawingml/2006/main" uniqueId="urn:microsoft.com/office/officeart/2005/8/layout/vProcess5">
+  <dgm:title val=""/>
+  <dgm:desc val=""/>
+  <dgm:catLst>
+    <dgm:cat type="process" pri="14000"/>
+  </dgm:catLst>
+  <dgm:sampData>
+    <dgm:dataModel>
+      <dgm:ptLst>
+        <dgm:pt modelId="0" type="doc"/>
+        <dgm:pt modelId="1">
+          <dgm:prSet phldr="1"/>
+        </dgm:pt>
+        <dgm:pt modelId="2">
+          <dgm:prSet phldr="1"/>
+        </dgm:pt>
+        <dgm:pt modelId="3">
+          <dgm:prSet phldr="1"/>
+        </dgm:pt>
+      </dgm:ptLst>
+      <dgm:cxnLst>
+        <dgm:cxn modelId="5" srcId="0" destId="1" srcOrd="0" destOrd="0"/>
+        <dgm:cxn modelId="6" srcId="0" destId="2" srcOrd="1" destOrd="0"/>
+        <dgm:cxn modelId="7" srcId="0" destId="3" srcOrd="2" destOrd="0"/>
+      </dgm:cxnLst>
+      <dgm:bg/>
+      <dgm:whole/>
+    </dgm:dataModel>
+  </dgm:sampData>
+  <dgm:styleData>
+    <dgm:dataModel>
+      <dgm:ptLst>
+        <dgm:pt modelId="0" type="doc"/>
+        <dgm:pt modelId="1"/>
+        <dgm:pt modelId="2"/>
+      </dgm:ptLst>
+      <dgm:cxnLst>
+        <dgm:cxn modelId="3" srcId="0" destId="1" srcOrd="0" destOrd="0"/>
+        <dgm:cxn modelId="4" srcId="0" destId="2" srcOrd="1" destOrd="0"/>
+      </dgm:cxnLst>
+      <dgm:bg/>
+      <dgm:whole/>
+    </dgm:dataModel>
+  </dgm:styleData>
+  <dgm:clrData>
+    <dgm:dataModel>
+      <dgm:ptLst>
+        <dgm:pt modelId="0" type="doc"/>
+        <dgm:pt modelId="1"/>
+        <dgm:pt modelId="2"/>
+        <dgm:pt modelId="3"/>
+        <dgm:pt modelId="4"/>
+      </dgm:ptLst>
+      <dgm:cxnLst>
+        <dgm:cxn modelId="6" srcId="0" destId="1" srcOrd="0" destOrd="0"/>
+        <dgm:cxn modelId="7" srcId="0" destId="2" srcOrd="1" destOrd="0"/>
+        <dgm:cxn modelId="8" srcId="0" destId="3" srcOrd="2" destOrd="0"/>
+        <dgm:cxn modelId="9" srcId="0" destId="4" srcOrd="3" destOrd="0"/>
+      </dgm:cxnLst>
+      <dgm:bg/>
+      <dgm:whole/>
+    </dgm:dataModel>
+  </dgm:clrData>
+  <dgm:layoutNode name="outerComposite">
+    <dgm:varLst>
+      <dgm:chMax val="5"/>
+      <dgm:dir/>
+      <dgm:resizeHandles val="exact"/>
+    </dgm:varLst>
+    <dgm:alg type="composite"/>
+    <dgm:shape xmlns:r="http://schemas.openxmlformats.org/officeDocument/2006/relationships" r:blip="">
+      <dgm:adjLst/>
+    </dgm:shape>
+    <dgm:presOf/>
+    <dgm:choose name="Name0">
+      <dgm:if name="Name1" func="var" arg="dir" op="equ" val="norm">
+        <dgm:constrLst>
+          <dgm:constr type="primFontSz" for="ch" ptType="node" op="equ" val="65"/>
+          <dgm:constr type="w" for="ch" forName="dummyMaxCanvas" refType="w"/>
+          <dgm:constr type="h" for="ch" forName="dummyMaxCanvas" refType="h"/>
+          <dgm:constr type="w" for="ch" forName="OneNode_1" refType="w"/>
+          <dgm:constr type="h" for="ch" forName="OneNode_1" refType="h" fact="0.5"/>
+          <dgm:constr type="ctrY" for="ch" forName="OneNode_1" refType="h" fact="0.5"/>
+          <dgm:constr type="w" for="ch" forName="TwoNodes_1" refType="w" fact="0.85"/>
+          <dgm:constr type="h" for="ch" forName="TwoNodes_1" refType="h" fact="0.45"/>
+          <dgm:constr type="t" for="ch" forName="TwoNodes_1"/>
+          <dgm:constr type="l" for="ch" forName="TwoNodes_1"/>
+          <dgm:constr type="w" for="ch" forName="TwoNodes_2" refType="w" fact="0.85"/>
+          <dgm:constr type="h" for="ch" forName="TwoNodes_2" refType="h" fact="0.45"/>
+          <dgm:constr type="b" for="ch" forName="TwoNodes_2" refType="h"/>
+          <dgm:constr type="r" for="ch" forName="TwoNodes_2" refType="w"/>
+          <dgm:constr type="w" for="ch" forName="TwoConn_1-2" refType="h" refFor="ch" refForName="TwoNodes_1" fact="0.65"/>
+          <dgm:constr type="h" for="ch" forName="TwoConn_1-2" refType="h" refFor="ch" refForName="TwoNodes_1" fact="0.65"/>
+          <dgm:constr type="ctrY" for="ch" forName="TwoConn_1-2" refType="h" fact="0.5"/>
+          <dgm:constr type="r" for="ch" forName="TwoConn_1-2" refType="r" refFor="ch" refForName="TwoNodes_1"/>
+          <dgm:constr type="r" for="ch" forName="TwoNodes_1_text" refType="l" refFor="ch" refForName="TwoConn_1-2"/>
+          <dgm:constr type="rOff" for="ch" forName="TwoNodes_1_text" refType="w" refFor="ch" refForName="TwoConn_1-2" fact="-0.5"/>
+          <dgm:constr type="t" for="ch" forName="TwoNodes_1_text" refType="t" refFor="ch" refForName="TwoNodes_1"/>
+          <dgm:constr type="b" for="ch" forName="TwoNodes_1_text" refType="b" refFor="ch" refForName="TwoNodes_1"/>
+          <dgm:constr type="l" for="ch" forName="TwoNodes_1_text" refType="l" refFor="ch" refForName="TwoNodes_1"/>
+          <dgm:constr type="r" for="ch" forName="TwoNodes_2_text" refType="l" refFor="ch" refForName="TwoConn_1-2"/>
+          <dgm:constr type="t" for="ch" forName="TwoNodes_2_text" refType="t" refFor="ch" refForName="TwoNodes_2"/>
+          <dgm:constr type="b" for="ch" forName="TwoNodes_2_text" refType="b" refFor="ch" refForName="TwoNodes_2"/>
+          <dgm:constr type="l" for="ch" forName="TwoNodes_2_text" refType="l" refFor="ch" refForName="TwoNodes_2"/>
+          <dgm:constr type="w" for="ch" forName="ThreeNodes_1" refType="w" fact="0.85"/>
+          <dgm:constr type="h" for="ch" forName="ThreeNodes_1" refType="h" fact="0.3"/>
+          <dgm:constr type="t" for="ch" forName="ThreeNodes_1"/>
+          <dgm:constr type="l" for="ch" forName="ThreeNodes_1"/>
+          <dgm:constr type="w" for="ch" forName="ThreeNodes_2" refType="w" fact="0.85"/>
+          <dgm:constr type="h" for="ch" forName="ThreeNodes_2" refType="h" fact="0.3"/>
+          <dgm:constr type="ctrY" for="ch" forName="ThreeNodes_2" refType="h" fact="0.5"/>
+          <dgm:constr type="ctrX" for="ch" forName="ThreeNodes_2" refType="w" fact="0.5"/>
+          <dgm:constr type="w" for="ch" forName="ThreeNodes_3" refType="w" fact="0.85"/>
+          <dgm:constr type="h" for="ch" forName="ThreeNodes_3" refType="h" fact="0.3"/>
+          <dgm:constr type="b" for="ch" forName="ThreeNodes_3" refType="h"/>
+          <dgm:constr type="r" for="ch" forName="ThreeNodes_3" refType="w"/>
+          <dgm:constr type="w" for="ch" forName="ThreeConn_1-2" refType="h" refFor="ch" refForName="ThreeNodes_1" fact="0.65"/>
+          <dgm:constr type="h" for="ch" forName="ThreeConn_1-2" refType="h" refFor="ch" refForName="ThreeNodes_1" fact="0.65"/>
+          <dgm:constr type="ctrY" for="ch" forName="ThreeConn_1-2" refType="h" fact="0.325"/>
+          <dgm:constr type="r" for="ch" forName="ThreeConn_1-2" refType="r" refFor="ch" refForName="ThreeNodes_1"/>
+          <dgm:constr type="w" for="ch" forName="ThreeConn_2-3" refType="h" refFor="ch" refForName="ThreeNodes_2" fact="0.65"/>
+          <dgm:constr type="h" for="ch" forName="ThreeConn_2-3" refType="h" refFor="ch" refForName="ThreeNodes_2" fact="0.65"/>
+          <dgm:constr type="ctrY" for="ch" forName="ThreeConn_2-3" refType="h" fact="0.673"/>
+          <dgm:constr type="r" for="ch" forName="ThreeConn_2-3" refType="r" refFor="ch" refForName="ThreeNodes_2"/>
+          <dgm:constr type="r" for="ch" forName="ThreeNodes_1_text" refType="l" refFor="ch" refForName="ThreeConn_1-2"/>
+          <dgm:constr type="rOff" for="ch" forName="ThreeNodes_1_text" refType="w" refFor="ch" refForName="ThreeConn_1-2" fact="-0.57"/>
+          <dgm:constr type="t" for="ch" forName="ThreeNodes_1_text" refType="t" refFor="ch" refForName="ThreeNodes_1"/>
+          <dgm:constr type="b" for="ch" forName="ThreeNodes_1_text" refType="b" refFor="ch" refForName="ThreeNodes_1"/>
+          <dgm:constr type="l" for="ch" forName="ThreeNodes_1_text" refType="l" refFor="ch" refForName="ThreeNodes_1"/>
+          <dgm:constr type="r" for="ch" forName="ThreeNodes_2_text" refType="l" refFor="ch" refForName="ThreeConn_1-2"/>
+          <dgm:constr type="t" for="ch" forName="ThreeNodes_2_text" refType="t" refFor="ch" refForName="ThreeNodes_2"/>
+          <dgm:constr type="b" for="ch" forName="ThreeNodes_2_text" refType="b" refFor="ch" refForName="ThreeNodes_2"/>
+          <dgm:constr type="l" for="ch" forName="ThreeNodes_2_text" refType="l" refFor="ch" refForName="ThreeNodes_2"/>
+          <dgm:constr type="r" for="ch" forName="ThreeNodes_3_text" refType="l" refFor="ch" refForName="ThreeConn_2-3"/>
+          <dgm:constr type="t" for="ch" forName="ThreeNodes_3_text" refType="t" refFor="ch" refForName="ThreeNodes_3"/>
+          <dgm:constr type="b" for="ch" forName="ThreeNodes_3_text" refType="b" refFor="ch" refForName="ThreeNodes_3"/>
+          <dgm:constr type="l" for="ch" forName="ThreeNodes_3_text" refType="l" refFor="ch" refForName="ThreeNodes_3"/>
+          <dgm:constr type="w" for="ch" forName="FourNodes_1" refType="w" fact="0.8"/>
+          <dgm:constr type="h" for="ch" forName="FourNodes_1" refType="h" fact="0.22"/>
+          <dgm:constr type="t" for="ch" forName="FourNodes_1"/>
+          <dgm:constr type="l" for="ch" forName="FourNodes_1"/>
+          <dgm:constr type="w" for="ch" forName="FourNodes_2" refType="w" fact="0.8"/>
+          <dgm:constr type="h" for="ch" forName="FourNodes_2" refType="h" fact="0.22"/>
+          <dgm:constr type="ctrY" for="ch" forName="FourNodes_2" refType="h" fact="0.37"/>
+          <dgm:constr type="ctrX" for="ch" forName="FourNodes_2" refType="w" fact="0.467"/>
+          <dgm:constr type="w" for="ch" forName="FourNodes_3" refType="w" fact="0.8"/>
+          <dgm:constr type="h" for="ch" forName="FourNodes_3" refType="h" fact="0.22"/>
+          <dgm:constr type="ctrY" for="ch" forName="FourNodes_3" refType="h" fact="0.63"/>
+          <dgm:constr type="ctrX" for="ch" forName="FourNodes_3" refType="w" fact="0.533"/>
+          <dgm:constr type="w" for="ch" forName="FourNodes_4" refType="w" fact="0.8"/>
+          <dgm:constr type="h" for="ch" forName="FourNodes_4" refType="h" fact="0.22"/>
+          <dgm:constr type="b" for="ch" forName="FourNodes_4" refType="h"/>
+          <dgm:constr type="r" for="ch" forName="FourNodes_4" refType="w"/>
+          <dgm:constr type="w" for="ch" forName="FourConn_1-2" refType="h" refFor="ch" refForName="FourNodes_1" fact="0.65"/>
+          <dgm:constr type="h" for="ch" forName="FourConn_1-2" refType="h" refFor="ch" refForName="FourNodes_1" fact="0.65"/>
+          <dgm:constr type="ctrY" for="ch" forName="FourConn_1-2" refType="h" fact="0.24"/>
+          <dgm:constr type="r" for="ch" forName="FourConn_1-2" refType="r" refFor="ch" refForName="FourNodes_1"/>
+          <dgm:constr type="w" for="ch" forName="FourConn_2-3" refType="h" refFor="ch" refForName="FourNodes_2" fact="0.65"/>
+          <dgm:constr type="h" for="ch" forName="FourConn_2-3" refType="h" refFor="ch" refForName="FourNodes_2" fact="0.65"/>
+          <dgm:constr type="ctrY" for="ch" forName="FourConn_2-3" refType="h" fact="0.5"/>
+          <dgm:constr type="r" for="ch" forName="FourConn_2-3" refType="r" refFor="ch" refForName="FourNodes_2"/>
+          <dgm:constr type="w" for="ch" forName="FourConn_3-4" refType="h" refFor="ch" refForName="FourNodes_3" fact="0.65"/>
+          <dgm:constr type="h" for="ch" forName="FourConn_3-4" refType="h" refFor="ch" refForName="FourNodes_3" fact="0.65"/>
+          <dgm:constr type="ctrY" for="ch" forName="FourConn_3-4" refType="h" fact="0.76"/>
+          <dgm:constr type="r" for="ch" forName="FourConn_3-4" refType="r" refFor="ch" refForName="FourNodes_3"/>
+          <dgm:constr type="r" for="ch" forName="FourNodes_1_text" refType="l" refFor="ch" refForName="FourConn_1-2"/>
+          <dgm:constr type="rOff" for="ch" forName="FourNodes_1_text" refType="w" refFor="ch" refForName="FourConn_1-2" fact="-0.7"/>
+          <dgm:constr type="t" for="ch" forName="FourNodes_1_text" refType="t" refFor="ch" refForName="FourNodes_1"/>
+          <dgm:constr type="b" for="ch" forName="FourNodes_1_text" refType="b" refFor="ch" refForName="FourNodes_1"/>
+          <dgm:constr type="l" for="ch" forName="FourNodes_1_text" refType="l" refFor="ch" refForName="FourNodes_1"/>
+          <dgm:constr type="r" for="ch" forName="FourNodes_2_text" refType="l" refFor="ch" refForName="FourConn_1-2"/>
+          <dgm:constr type="t" for="ch" forName="FourNodes_2_text" refType="t" refFor="ch" refForName="FourNodes_2"/>
+          <dgm:constr type="b" for="ch" forName="FourNodes_2_text" refType="b" refFor="ch" refForName="FourNodes_2"/>
+          <dgm:constr type="l" for="ch" forName="FourNodes_2_text" refType="l" refFor="ch" refForName="FourNodes_2"/>
+          <dgm:constr type="r" for="ch" forName="FourNodes_3_text" refType="l" refFor="ch" refForName="FourConn_2-3"/>
+          <dgm:constr type="t" for="ch" forName="FourNodes_3_text" refType="t" refFor="ch" refForName="FourNodes_3"/>
+          <dgm:constr type="b" for="ch" forName="FourNodes_3_text" refType="b" refFor="ch" refForName="FourNodes_3"/>
+          <dgm:constr type="l" for="ch" forName="FourNodes_3_text" refType="l" refFor="ch" refForName="FourNodes_3"/>
+          <dgm:constr type="r" for="ch" forName="FourNodes_4_text" refType="l" refFor="ch" refForName="FourConn_3-4"/>
+          <dgm:constr type="t" for="ch" forName="FourNodes_4_text" refType="t" refFor="ch" refForName="FourNodes_4"/>
+          <dgm:constr type="b" for="ch" forName="FourNodes_4_text" refType="b" refFor="ch" refForName="FourNodes_4"/>
+          <dgm:constr type="l" for="ch" forName="FourNodes_4_text" refType="l" refFor="ch" refForName="FourNodes_4"/>
+          <dgm:constr type="w" for="ch" forName="FiveNodes_1" refType="w" fact="0.77"/>
+          <dgm:constr type="h" for="ch" forName="FiveNodes_1" refType="h" fact="0.18"/>
+          <dgm:constr type="t" for="ch" forName="FiveNodes_1"/>
+          <dgm:constr type="l" for="ch" forName="FiveNodes_1"/>
+          <dgm:constr type="w" for="ch" forName="FiveNodes_2" refType="w" fact="0.77"/>
+          <dgm:constr type="h" for="ch" forName="FiveNodes_2" refType="h" fact="0.18"/>
+          <dgm:constr type="ctrY" for="ch" forName="FiveNodes_2" refType="h" fact="0.295"/>
+          <dgm:constr type="ctrX" for="ch" forName="FiveNodes_2" refType="w" fact="0.4425"/>
+          <dgm:constr type="w" for="ch" forName="FiveNodes_3" refType="w" fact="0.77"/>
+          <dgm:constr type="h" for="ch" forName="FiveNodes_3" refType="h" fact="0.18"/>
+          <dgm:constr type="ctrY" for="ch" forName="FiveNodes_3" refType="h" fact="0.5"/>
+          <dgm:constr type="ctrX" for="ch" forName="FiveNodes_3" refType="w" fact="0.5"/>
+          <dgm:constr type="w" for="ch" forName="FiveNodes_4" refType="w" fact="0.77"/>
+          <dgm:constr type="h" for="ch" forName="FiveNodes_4" refType="h" fact="0.18"/>
+          <dgm:constr type="ctrY" for="ch" forName="FiveNodes_4" refType="h" fact="0.705"/>
+          <dgm:constr type="ctrX" for="ch" forName="FiveNodes_4" refType="w" fact="0.5575"/>
+          <dgm:constr type="w" for="ch" forName="FiveNodes_5" refType="w" fact="0.77"/>
+          <dgm:constr type="h" for="ch" forName="FiveNodes_5" refType="h" fact="0.18"/>
+          <dgm:constr type="b" for="ch" forName="FiveNodes_5" refType="h"/>
+          <dgm:constr type="r" for="ch" forName="FiveNodes_5" refType="w"/>
+          <dgm:constr type="w" for="ch" forName="FiveConn_1-2" refType="h" refFor="ch" refForName="FiveNodes_1" fact="0.65"/>
+          <dgm:constr type="h" for="ch" forName="FiveConn_1-2" refType="h" refFor="ch" refForName="FiveNodes_1" fact="0.65"/>
+          <dgm:constr type="ctrY" for="ch" forName="FiveConn_1-2" refType="h" fact="0.19"/>
+          <dgm:constr type="r" for="ch" forName="FiveConn_1-2" refType="r" refFor="ch" refForName="FiveNodes_1"/>
+          <dgm:constr type="w" for="ch" forName="FiveConn_2-3" refType="h" refFor="ch" refForName="FiveNodes_2" fact="0.65"/>
+          <dgm:constr type="h" for="ch" forName="FiveConn_2-3" refType="h" refFor="ch" refForName="FiveNodes_2" fact="0.65"/>
+          <dgm:constr type="ctrY" for="ch" forName="FiveConn_2-3" refType="h" fact="0.395"/>
+          <dgm:constr type="r" for="ch" forName="FiveConn_2-3" refType="r" refFor="ch" refForName="FiveNodes_2"/>
+          <dgm:constr type="w" for="ch" forName="FiveConn_3-4" refType="h" refFor="ch" refForName="FiveNodes_3" fact="0.65"/>
+          <dgm:constr type="h" for="ch" forName="FiveConn_3-4" refType="h" refFor="ch" refForName="FiveNodes_3" fact="0.65"/>
+          <dgm:constr type="ctrY" for="ch" forName="FiveConn_3-4" refType="h" fact="0.597"/>
+          <dgm:constr type="r" for="ch" forName="FiveConn_3-4" refType="r" refFor="ch" refForName="FiveNodes_3"/>
+          <dgm:constr type="w" for="ch" forName="FiveConn_4-5" refType="h" refFor="ch" refForName="FiveNodes_4" fact="0.65"/>
+          <dgm:constr type="h" for="ch" forName="FiveConn_4-5" refType="h" refFor="ch" refForName="FiveNodes_4" fact="0.65"/>
+          <dgm:constr type="ctrY" for="ch" forName="FiveConn_4-5" refType="h" fact="0.804"/>
+          <dgm:constr type="r" for="ch" forName="FiveConn_4-5" refType="r" refFor="ch" refForName="FiveNodes_4"/>
+          <dgm:constr type="r" for="ch" forName="FiveNodes_1_text" refType="l" refFor="ch" refForName="FiveConn_1-2"/>
+          <dgm:constr type="rOff" for="ch" forName="FiveNodes_1_text" refType="w" refFor="ch" refForName="FiveConn_1-2" fact="-0.75"/>
+          <dgm:constr type="t" for="ch" forName="FiveNodes_1_text" refType="t" refFor="ch" refForName="FiveNodes_1"/>
+          <dgm:constr type="b" for="ch" forName="FiveNodes_1_text" refType="b" refFor="ch" refForName="FiveNodes_1"/>
+          <dgm:constr type="l" for="ch" forName="FiveNodes_1_text" refType="l" refFor="ch" refForName="FiveNodes_1"/>
+          <dgm:constr type="r" for="ch" forName="FiveNodes_2_text" refType="l" refFor="ch" refForName="FiveConn_1-2"/>
+          <dgm:constr type="t" for="ch" forName="FiveNodes_2_text" refType="t" refFor="ch" refForName="FiveNodes_2"/>
+          <dgm:constr type="b" for="ch" forName="FiveNodes_2_text" refType="b" refFor="ch" refForName="FiveNodes_2"/>
+          <dgm:constr type="l" for="ch" forName="FiveNodes_2_text" refType="l" refFor="ch" refForName="FiveNodes_2"/>
+          <dgm:constr type="r" for="ch" forName="FiveNodes_3_text" refType="l" refFor="ch" refForName="FiveConn_2-3"/>
+          <dgm:constr type="t" for="ch" forName="FiveNodes_3_text" refType="t" refFor="ch" refForName="FiveNodes_3"/>
+          <dgm:constr type="b" for="ch" forName="FiveNodes_3_text" refType="b" refFor="ch" refForName="FiveNodes_3"/>
+          <dgm:constr type="l" for="ch" forName="FiveNodes_3_text" refType="l" refFor="ch" refForName="FiveNodes_3"/>
+          <dgm:constr type="r" for="ch" forName="FiveNodes_4_text" refType="l" refFor="ch" refForName="FiveConn_3-4"/>
+          <dgm:constr type="t" for="ch" forName="FiveNodes_4_text" refType="t" refFor="ch" refForName="FiveNodes_4"/>
+          <dgm:constr type="b" for="ch" forName="FiveNodes_4_text" refType="b" refFor="ch" refForName="FiveNodes_4"/>
+          <dgm:constr type="l" for="ch" forName="FiveNodes_4_text" refType="l" refFor="ch" refForName="FiveNodes_4"/>
+          <dgm:constr type="r" for="ch" forName="FiveNodes_5_text" refType="l" refFor="ch" refForName="FiveConn_4-5"/>
+          <dgm:constr type="t" for="ch" forName="FiveNodes_5_text" refType="t" refFor="ch" refForName="FiveNodes_5"/>
+          <dgm:constr type="b" for="ch" forName="FiveNodes_5_text" refType="b" refFor="ch" refForName="FiveNodes_5"/>
+          <dgm:constr type="l" for="ch" forName="FiveNodes_5_text" refType="l" refFor="ch" refForName="FiveNodes_5"/>
+        </dgm:constrLst>
+      </dgm:if>
+      <dgm:else name="Name2">
+        <dgm:constrLst>
+          <dgm:constr type="primFontSz" for="ch" ptType="node" op="equ" val="65"/>
+          <dgm:constr type="w" for="ch" forName="dummyMaxCanvas" refType="w"/>
+          <dgm:constr type="h" for="ch" forName="dummyMaxCanvas" refType="h"/>
+          <dgm:constr type="w" for="ch" forName="OneNode_1" refType="w"/>
+          <dgm:constr type="h" for="ch" forName="OneNode_1" refType="h" fact="0.5"/>
+          <dgm:constr type="ctrY" for="ch" forName="OneNode_1" refType="h" fact="0.5"/>
+          <dgm:constr type="w" for="ch" forName="TwoNodes_1" refType="w" fact="0.85"/>
+          <dgm:constr type="h" for="ch" forName="TwoNodes_1" refType="h" fact="0.45"/>
+          <dgm:constr type="t" for="ch" forName="TwoNodes_1"/>
+          <dgm:constr type="r" for="ch" forName="TwoNodes_1" refType="w"/>
+          <dgm:constr type="w" for="ch" forName="TwoNodes_2" refType="w" fact="0.85"/>
+          <dgm:constr type="h" for="ch" forName="TwoNodes_2" refType="h" fact="0.45"/>
+          <dgm:constr type="b" for="ch" forName="TwoNodes_2" refType="h"/>
+          <dgm:constr type="l" for="ch" forName="TwoNodes_2"/>
+          <dgm:constr type="w" for="ch" forName="TwoConn_1-2" refType="h" refFor="ch" refForName="TwoNodes_1" fact="0.65"/>
+          <dgm:constr type="h" for="ch" forName="TwoConn_1-2" refType="h" refFor="ch" refForName="TwoNodes_1" fact="0.65"/>
+          <dgm:constr type="ctrY" for="ch" forName="TwoConn_1-2" refType="h" fact="0.5"/>
+          <dgm:constr type="l" for="ch" forName="TwoConn_1-2" refType="l" refFor="ch" refForName="TwoNodes_1"/>
+          <dgm:constr type="l" for="ch" forName="TwoNodes_1_text" refType="r" refFor="ch" refForName="TwoConn_1-2"/>
+          <dgm:constr type="lOff" for="ch" forName="TwoNodes_1_text" refType="w" refFor="ch" refForName="TwoConn_1-2" fact="0.5"/>
+          <dgm:constr type="t" for="ch" forName="TwoNodes_1_text" refType="t" refFor="ch" refForName="TwoNodes_1"/>
+          <dgm:constr type="b" for="ch" forName="TwoNodes_1_text" refType="b" refFor="ch" refForName="TwoNodes_1"/>
+          <dgm:constr type="r" for="ch" forName="TwoNodes_1_text" refType="r" refFor="ch" refForName="TwoNodes_1"/>
+          <dgm:constr type="l" for="ch" forName="TwoNodes_2_text" refType="r" refFor="ch" refForName="TwoConn_1-2"/>
+          <dgm:constr type="t" for="ch" forName="TwoNodes_2_text" refType="t" refFor="ch" refForName="TwoNodes_2"/>
+          <dgm:constr type="b" for="ch" forName="TwoNodes_2_text" refType="b" refFor="ch" refForName="TwoNodes_2"/>
+          <dgm:constr type="r" for="ch" forName="TwoNodes_2_text" refType="r" refFor="ch" refForName="TwoNodes_2"/>
+          <dgm:constr type="w" for="ch" forName="ThreeNodes_1" refType="w" fact="0.85"/>
+          <dgm:constr type="h" for="ch" forName="ThreeNodes_1" refType="h" fact="0.3"/>
+          <dgm:constr type="t" for="ch" forName="ThreeNodes_1"/>
+          <dgm:constr type="r" for="ch" forName="ThreeNodes_1" refType="w"/>
+          <dgm:constr type="w" for="ch" forName="ThreeNodes_2" refType="w" fact="0.85"/>
+          <dgm:constr type="h" for="ch" forName="ThreeNodes_2" refType="h" fact="0.3"/>
+          <dgm:constr type="ctrY" for="ch" forName="ThreeNodes_2" refType="h" fact="0.5"/>
+          <dgm:constr type="ctrX" for="ch" forName="ThreeNodes_2" refType="w" fact="0.5"/>
+          <dgm:constr type="w" for="ch" forName="ThreeNodes_3" refType="w" fact="0.85"/>
+          <dgm:constr type="h" for="ch" forName="ThreeNodes_3" refType="h" fact="0.3"/>
+          <dgm:constr type="b" for="ch" forName="ThreeNodes_3" refType="h"/>
+          <dgm:constr type="l" for="ch" forName="ThreeNodes_3"/>
+          <dgm:constr type="w" for="ch" forName="ThreeConn_1-2" refType="h" refFor="ch" refForName="ThreeNodes_1" fact="0.65"/>
+          <dgm:constr type="h" for="ch" forName="ThreeConn_1-2" refType="h" refFor="ch" refForName="ThreeNodes_1" fact="0.65"/>
+          <dgm:constr type="ctrY" for="ch" forName="ThreeConn_1-2" refType="h" fact="0.325"/>
+          <dgm:constr type="l" for="ch" forName="ThreeConn_1-2" refType="l" refFor="ch" refForName="ThreeNodes_1"/>
+          <dgm:constr type="w" for="ch" forName="ThreeConn_2-3" refType="h" refFor="ch" refForName="ThreeNodes_2" fact="0.65"/>
+          <dgm:constr type="h" for="ch" forName="ThreeConn_2-3" refType="h" refFor="ch" refForName="ThreeNodes_2" fact="0.65"/>
+          <dgm:constr type="ctrY" for="ch" forName="ThreeConn_2-3" refType="h" fact="0.673"/>
+          <dgm:constr type="l" for="ch" forName="ThreeConn_2-3" refType="l" refFor="ch" refForName="ThreeNodes_2"/>
+          <dgm:constr type="l" for="ch" forName="ThreeNodes_1_text" refType="r" refFor="ch" refForName="ThreeConn_1-2"/>
+          <dgm:constr type="lOff" for="ch" forName="ThreeNodes_1_text" refType="w" refFor="ch" refForName="ThreeConn_1-2" fact="0.55"/>
+          <dgm:constr type="t" for="ch" forName="ThreeNodes_1_text" refType="t" refFor="ch" refForName="ThreeNodes_1"/>
+          <dgm:constr type="b" for="ch" forName="ThreeNodes_1_text" refType="b" refFor="ch" refForName="ThreeNodes_1"/>
+          <dgm:constr type="r" for="ch" forName="ThreeNodes_1_text" refType="r" refFor="ch" refForName="ThreeNodes_1"/>
+          <dgm:constr type="l" for="ch" forName="ThreeNodes_2_text" refType="r" refFor="ch" refForName="ThreeConn_1-2"/>
+          <dgm:constr type="t" for="ch" forName="ThreeNodes_2_text" refType="t" refFor="ch" refForName="ThreeNodes_2"/>
+          <dgm:constr type="b" for="ch" forName="ThreeNodes_2_text" refType="b" refFor="ch" refForName="ThreeNodes_2"/>
+          <dgm:constr type="r" for="ch" forName="ThreeNodes_2_text" refType="r" refFor="ch" refForName="ThreeNodes_2"/>
+          <dgm:constr type="l" for="ch" forName="ThreeNodes_3_text" refType="r" refFor="ch" refForName="ThreeConn_2-3"/>
+          <dgm:constr type="t" for="ch" forName="ThreeNodes_3_text" refType="t" refFor="ch" refForName="ThreeNodes_3"/>
+          <dgm:constr type="b" for="ch" forName="ThreeNodes_3_text" refType="b" refFor="ch" refForName="ThreeNodes_3"/>
+          <dgm:constr type="r" for="ch" forName="ThreeNodes_3_text" refType="r" refFor="ch" refForName="ThreeNodes_3"/>
+          <dgm:constr type="w" for="ch" forName="FourNodes_1" refType="w" fact="0.8"/>
+          <dgm:constr type="h" for="ch" forName="FourNodes_1" refType="h" fact="0.22"/>
+          <dgm:constr type="t" for="ch" forName="FourNodes_1"/>
+          <dgm:constr type="r" for="ch" forName="FourNodes_1" refType="w"/>
+          <dgm:constr type="w" for="ch" forName="FourNodes_2" refType="w" fact="0.8"/>
+          <dgm:constr type="h" for="ch" forName="FourNodes_2" refType="h" fact="0.22"/>
+          <dgm:constr type="ctrY" for="ch" forName="FourNodes_2" refType="h" fact="0.37"/>
+          <dgm:constr type="ctrX" for="ch" forName="FourNodes_2" refType="w" fact="0.533"/>
+          <dgm:constr type="w" for="ch" forName="FourNodes_3" refType="w" fact="0.8"/>
+          <dgm:constr type="h" for="ch" forName="FourNodes_3" refType="h" fact="0.22"/>
+          <dgm:constr type="ctrY" for="ch" forName="FourNodes_3" refType="h" fact="0.63"/>
+          <dgm:constr type="ctrX" for="ch" forName="FourNodes_3" refType="w" fact="0.467"/>
+          <dgm:constr type="w" for="ch" forName="FourNodes_4" refType="w" fact="0.8"/>
+          <dgm:constr type="h" for="ch" forName="FourNodes_4" refType="h" fact="0.22"/>
+          <dgm:constr type="b" for="ch" forName="FourNodes_4" refType="h"/>
+          <dgm:constr type="l" for="ch" forName="FourNodes_4"/>
+          <dgm:constr type="w" for="ch" forName="FourConn_1-2" refType="h" refFor="ch" refForName="FourNodes_1" fact="0.65"/>
+          <dgm:constr type="h" for="ch" forName="FourConn_1-2" refType="h" refFor="ch" refForName="FourNodes_1" fact="0.65"/>
+          <dgm:constr type="ctrY" for="ch" forName="FourConn_1-2" refType="h" fact="0.24"/>
+          <dgm:constr type="l" for="ch" forName="FourConn_1-2" refType="l" refFor="ch" refForName="FourNodes_1"/>
+          <dgm:constr type="w" for="ch" forName="FourConn_2-3" refType="h" refFor="ch" refForName="FourNodes_2" fact="0.65"/>
+          <dgm:constr type="h" for="ch" forName="FourConn_2-3" refType="h" refFor="ch" refForName="FourNodes_2" fact="0.65"/>
+          <dgm:constr type="ctrY" for="ch" forName="FourConn_2-3" refType="h" fact="0.5"/>
+          <dgm:constr type="l" for="ch" forName="FourConn_2-3" refType="l" refFor="ch" refForName="FourNodes_2"/>
+          <dgm:constr type="w" for="ch" forName="FourConn_3-4" refType="h" refFor="ch" refForName="FourNodes_3" fact="0.65"/>
+          <dgm:constr type="h" for="ch" forName="FourConn_3-4" refType="h" refFor="ch" refForName="FourNodes_3" fact="0.65"/>
+          <dgm:constr type="ctrY" for="ch" forName="FourConn_3-4" refType="h" fact="0.76"/>
+          <dgm:constr type="l" for="ch" forName="FourConn_3-4" refType="l" refFor="ch" refForName="FourNodes_3"/>
+          <dgm:constr type="l" for="ch" forName="FourNodes_1_text" refType="r" refFor="ch" refForName="FourConn_1-2"/>
+          <dgm:constr type="lOff" for="ch" forName="FourNodes_1_text" refType="w" refFor="ch" refForName="FourConn_1-2" fact="0.69"/>
+          <dgm:constr type="t" for="ch" forName="FourNodes_1_text" refType="t" refFor="ch" refForName="FourNodes_1"/>
+          <dgm:constr type="b" for="ch" forName="FourNodes_1_text" refType="b" refFor="ch" refForName="FourNodes_1"/>
+          <dgm:constr type="r" for="ch" forName="FourNodes_1_text" refType="r" refFor="ch" refForName="FourNodes_1"/>
+          <dgm:constr type="l" for="ch" forName="FourNodes_2_text" refType="r" refFor="ch" refForName="FourConn_1-2"/>
+          <dgm:constr type="t" for="ch" forName="FourNodes_2_text" refType="t" refFor="ch" refForName="FourNodes_2"/>
+          <dgm:constr type="b" for="ch" forName="FourNodes_2_text" refType="b" refFor="ch" refForName="FourNodes_2"/>
+          <dgm:constr type="r" for="ch" forName="FourNodes_2_text" refType="r" refFor="ch" refForName="FourNodes_2"/>
+          <dgm:constr type="l" for="ch" forName="FourNodes_3_text" refType="r" refFor="ch" refForName="FourConn_2-3"/>
+          <dgm:constr type="t" for="ch" forName="FourNodes_3_text" refType="t" refFor="ch" refForName="FourNodes_3"/>
+          <dgm:constr type="b" for="ch" forName="FourNodes_3_text" refType="b" refFor="ch" refForName="FourNodes_3"/>
+          <dgm:constr type="r" for="ch" forName="FourNodes_3_text" refType="r" refFor="ch" refForName="FourNodes_3"/>
+          <dgm:constr type="l" for="ch" forName="FourNodes_4_text" refType="r" refFor="ch" refForName="FourConn_3-4"/>
+          <dgm:constr type="t" for="ch" forName="FourNodes_4_text" refType="t" refFor="ch" refForName="FourNodes_4"/>
+          <dgm:constr type="b" for="ch" forName="FourNodes_4_text" refType="b" refFor="ch" refForName="FourNodes_4"/>
+          <dgm:constr type="r" for="ch" forName="FourNodes_4_text" refType="r" refFor="ch" refForName="FourNodes_4"/>
+          <dgm:constr type="w" for="ch" forName="FiveNodes_1" refType="w" fact="0.77"/>
+          <dgm:constr type="h" for="ch" forName="FiveNodes_1" refType="h" fact="0.18"/>
+          <dgm:constr type="t" for="ch" forName="FiveNodes_1"/>
+          <dgm:constr type="r" for="ch" forName="FiveNodes_1" refType="w"/>
+          <dgm:constr type="w" for="ch" forName="FiveNodes_2" refType="w" fact="0.77"/>
+          <dgm:constr type="h" for="ch" forName="FiveNodes_2" refType="h" fact="0.18"/>
+          <dgm:constr type="ctrY" for="ch" forName="FiveNodes_2" refType="h" fact="0.295"/>
+          <dgm:constr type="ctrX" for="ch" forName="FiveNodes_2" refType="w" fact="0.5575"/>
+          <dgm:constr type="w" for="ch" forName="FiveNodes_3" refType="w" fact="0.77"/>
+          <dgm:constr type="h" for="ch" forName="FiveNodes_3" refType="h" fact="0.18"/>
+          <dgm:constr type="ctrY" for="ch" forName="FiveNodes_3" refType="h" fact="0.5"/>
+          <dgm:constr type="ctrX" for="ch" forName="FiveNodes_3" refType="w" fact="0.5"/>
+          <dgm:constr type="w" for="ch" forName="FiveNodes_4" refType="w" fact="0.77"/>
+          <dgm:constr type="h" for="ch" forName="FiveNodes_4" refType="h" fact="0.18"/>
+          <dgm:constr type="ctrY" for="ch" forName="FiveNodes_4" refType="h" fact="0.705"/>
+          <dgm:constr type="ctrX" for="ch" forName="FiveNodes_4" refType="w" fact="0.4425"/>
+          <dgm:constr type="w" for="ch" forName="FiveNodes_5" refType="w" fact="0.77"/>
+          <dgm:constr type="h" for="ch" forName="FiveNodes_5" refType="h" fact="0.18"/>
+          <dgm:constr type="b" for="ch" forName="FiveNodes_5" refType="h"/>
+          <dgm:constr type="l" for="ch" forName="FiveNodes_5"/>
+          <dgm:constr type="w" for="ch" forName="FiveConn_1-2" refType="h" refFor="ch" refForName="FiveNodes_1" fact="0.65"/>
+          <dgm:constr type="h" for="ch" forName="FiveConn_1-2" refType="h" refFor="ch" refForName="FiveNodes_1" fact="0.65"/>
+          <dgm:constr type="ctrY" for="ch" forName="FiveConn_1-2" refType="h" fact="0.19"/>
+          <dgm:constr type="l" for="ch" forName="FiveConn_1-2" refType="l" refFor="ch" refForName="FiveNodes_1"/>
+          <dgm:constr type="w" for="ch" forName="FiveConn_2-3" refType="h" refFor="ch" refForName="FiveNodes_2" fact="0.65"/>
+          <dgm:constr type="h" for="ch" forName="FiveConn_2-3" refType="h" refFor="ch" refForName="FiveNodes_2" fact="0.65"/>
+          <dgm:constr type="ctrY" for="ch" forName="FiveConn_2-3" refType="h" fact="0.395"/>
+          <dgm:constr type="l" for="ch" forName="FiveConn_2-3" refType="l" refFor="ch" refForName="FiveNodes_2"/>
+          <dgm:constr type="w" for="ch" forName="FiveConn_3-4" refType="h" refFor="ch" refForName="FiveNodes_3" fact="0.65"/>
+          <dgm:constr type="h" for="ch" forName="FiveConn_3-4" refType="h" refFor="ch" refForName="FiveNodes_3" fact="0.65"/>
+          <dgm:constr type="ctrY" for="ch" forName="FiveConn_3-4" refType="h" fact="0.597"/>
+          <dgm:constr type="l" for="ch" forName="FiveConn_3-4" refType="l" refFor="ch" refForName="FiveNodes_3"/>
+          <dgm:constr type="w" for="ch" forName="FiveConn_4-5" refType="h" refFor="ch" refForName="FiveNodes_4" fact="0.65"/>
+          <dgm:constr type="h" for="ch" forName="FiveConn_4-5" refType="h" refFor="ch" refForName="FiveNodes_4" fact="0.65"/>
+          <dgm:constr type="ctrY" for="ch" forName="FiveConn_4-5" refType="h" fact="0.804"/>
+          <dgm:constr type="l" for="ch" forName="FiveConn_4-5" refType="l" refFor="ch" refForName="FiveNodes_4"/>
+          <dgm:constr type="l" for="ch" forName="FiveNodes_1_text" refType="r" refFor="ch" refForName="FiveConn_1-2"/>
+          <dgm:constr type="lOff" for="ch" forName="FiveNodes_1_text" refType="w" refFor="ch" refForName="FiveConn_1-2" fact="0.73"/>
+          <dgm:constr type="t" for="ch" forName="FiveNodes_1_text" refType="t" refFor="ch" refForName="FiveNodes_1"/>
+          <dgm:constr type="b" for="ch" forName="FiveNodes_1_text" refType="b" refFor="ch" refForName="FiveNodes_1"/>
+          <dgm:constr type="r" for="ch" forName="FiveNodes_1_text" refType="r" refFor="ch" refForName="FiveNodes_1"/>
+          <dgm:constr type="l" for="ch" forName="FiveNodes_2_text" refType="r" refFor="ch" refForName="FiveConn_1-2"/>
+          <dgm:constr type="t" for="ch" forName="FiveNodes_2_text" refType="t" refFor="ch" refForName="FiveNodes_2"/>
+          <dgm:constr type="b" for="ch" forName="FiveNodes_2_text" refType="b" refFor="ch" refForName="FiveNodes_2"/>
+          <dgm:constr type="r" for="ch" forName="FiveNodes_2_text" refType="r" refFor="ch" refForName="FiveNodes_2"/>
+          <dgm:constr type="l" for="ch" forName="FiveNodes_3_text" refType="r" refFor="ch" refForName="FiveConn_2-3"/>
+          <dgm:constr type="t" for="ch" forName="FiveNodes_3_text" refType="t" refFor="ch" refForName="FiveNodes_3"/>
+          <dgm:constr type="b" for="ch" forName="FiveNodes_3_text" refType="b" refFor="ch" refForName="FiveNodes_3"/>
+          <dgm:constr type="r" for="ch" forName="FiveNodes_3_text" refType="r" refFor="ch" refForName="FiveNodes_3"/>
+          <dgm:constr type="l" for="ch" forName="FiveNodes_4_text" refType="r" refFor="ch" refForName="FiveConn_3-4"/>
+          <dgm:constr type="t" for="ch" forName="FiveNodes_4_text" refType="t" refFor="ch" refForName="FiveNodes_4"/>
+          <dgm:constr type="b" for="ch" forName="FiveNodes_4_text" refType="b" refFor="ch" refForName="FiveNodes_4"/>
+          <dgm:constr type="r" for="ch" forName="FiveNodes_4_text" refType="r" refFor="ch" refForName="FiveNodes_4"/>
+          <dgm:constr type="l" for="ch" forName="FiveNodes_5_text" refType="r" refFor="ch" refForName="FiveConn_4-5"/>
+          <dgm:constr type="t" for="ch" forName="FiveNodes_5_text" refType="t" refFor="ch" refForName="FiveNodes_5"/>
+          <dgm:constr type="b" for="ch" forName="FiveNodes_5_text" refType="b" refFor="ch" refForName="FiveNodes_5"/>
+          <dgm:constr type="r" for="ch" forName="FiveNodes_5_text" refType="r" refFor="ch" refForName="FiveNodes_5"/>
+        </dgm:constrLst>
+      </dgm:else>
+    </dgm:choose>
+    <dgm:ruleLst/>
+    <dgm:layoutNode name="dummyMaxCanvas">
+      <dgm:varLst/>
+      <dgm:alg type="sp"/>
+      <dgm:shape xmlns:r="http://schemas.openxmlformats.org/officeDocument/2006/relationships" r:blip="">
+        <dgm:adjLst/>
+      </dgm:shape>
+      <dgm:presOf/>
+      <dgm:constrLst/>
+      <dgm:ruleLst/>
+    </dgm:layoutNode>
+    <dgm:choose name="Name3">
+      <dgm:if name="Name4" axis="ch" ptType="node" func="cnt" op="equ" val="1">
+        <dgm:layoutNode name="OneNode_1">
+          <dgm:varLst>
+            <dgm:bulletEnabled val="1"/>
+          </dgm:varLst>
+          <dgm:alg type="tx"/>
+          <dgm:shape xmlns:r="http://schemas.openxmlformats.org/officeDocument/2006/relationships" type="roundRect" r:blip="">
+            <dgm:adjLst>
+              <dgm:adj idx="1" val="0.1"/>
+            </dgm:adjLst>
+          </dgm:shape>
+          <dgm:presOf axis="ch desOrSelf" ptType="node node" st="1 1" cnt="1 0"/>
+          <dgm:constrLst>
+            <dgm:constr type="lMarg" refType="primFontSz" fact="0.3"/>
+            <dgm:constr type="rMarg" refType="primFontSz" fact="0.3"/>
+            <dgm:constr type="tMarg" refType="primFontSz" fact="0.3"/>
+            <dgm:constr type="bMarg" refType="primFontSz" fact="0.3"/>
+          </dgm:constrLst>
+          <dgm:ruleLst>
+            <dgm:rule type="primFontSz" val="5" fact="NaN" max="NaN"/>
+          </dgm:ruleLst>
+        </dgm:layoutNode>
+      </dgm:if>
+      <dgm:else name="Name5">
+        <dgm:choose name="Name6">
+          <dgm:if name="Name7" axis="ch" ptType="node" func="cnt" op="equ" val="2">
+            <dgm:layoutNode name="TwoNodes_1">
+              <dgm:varLst>
+                <dgm:bulletEnabled val="1"/>
+              </dgm:varLst>
+              <dgm:alg type="sp"/>
+              <dgm:shape xmlns:r="http://schemas.openxmlformats.org/officeDocument/2006/relationships" type="roundRect" r:blip="">
+                <dgm:adjLst>
+                  <dgm:adj idx="1" val="0.1"/>
+                </dgm:adjLst>
+              </dgm:shape>
+              <dgm:presOf axis="ch desOrSelf" ptType="node node" st="1 1" cnt="1 0"/>
+              <dgm:constrLst/>
+              <dgm:ruleLst/>
+            </dgm:layoutNode>
+            <dgm:layoutNode name="TwoNodes_2">
+              <dgm:varLst>
+                <dgm:bulletEnabled val="1"/>
+              </dgm:varLst>
+              <dgm:alg type="sp"/>
+              <dgm:shape xmlns:r="http://schemas.openxmlformats.org/officeDocument/2006/relationships" type="roundRect" r:blip="">
+                <dgm:adjLst>
+                  <dgm:adj idx="1" val="0.1"/>
+                </dgm:adjLst>
+              </dgm:shape>
+              <dgm:presOf axis="ch desOrSelf" ptType="node node" st="2 1" cnt="1 0"/>
+              <dgm:constrLst/>
+              <dgm:ruleLst/>
+            </dgm:layoutNode>
+            <dgm:layoutNode name="TwoConn_1-2" styleLbl="fgAccFollowNode1">
+              <dgm:varLst>
+                <dgm:bulletEnabled val="1"/>
+              </dgm:varLst>
+              <dgm:alg type="tx"/>
+              <dgm:shape xmlns:r="http://schemas.openxmlformats.org/officeDocument/2006/relationships" type="downArrow" r:blip="">
+                <dgm:adjLst>
+                  <dgm:adj idx="1" val="0.55"/>
+                  <dgm:adj idx="2" val="0.45"/>
+                </dgm:adjLst>
+              </dgm:shape>
+              <dgm:presOf axis="ch" ptType="sibTrans" cnt="1"/>
+              <dgm:constrLst>
+                <dgm:constr type="lMarg" refType="primFontSz" fact="0.1"/>
+                <dgm:constr type="rMarg" refType="primFontSz" fact="0.1"/>
+                <dgm:constr type="tMarg" refType="primFontSz" fact="0.1"/>
+                <dgm:constr type="bMarg" refType="primFontSz" fact="0.1"/>
+              </dgm:constrLst>
+              <dgm:ruleLst>
+                <dgm:rule type="primFontSz" val="5" fact="NaN" max="NaN"/>
+              </dgm:ruleLst>
+            </dgm:layoutNode>
+            <dgm:layoutNode name="TwoNodes_1_text">
+              <dgm:varLst>
+                <dgm:bulletEnabled val="1"/>
+              </dgm:varLst>
+              <dgm:alg type="tx">
+                <dgm:param type="parTxLTRAlign" val="l"/>
+                <dgm:param type="txAnchorVertCh" val="mid"/>
+              </dgm:alg>
+              <dgm:shape xmlns:r="http://schemas.openxmlformats.org/officeDocument/2006/relationships" type="roundRect" r:blip="" hideGeom="1">
+                <dgm:adjLst>
+                  <dgm:adj idx="1" val="0.1"/>
+                </dgm:adjLst>
+              </dgm:shape>
+              <dgm:presOf axis="ch desOrSelf" ptType="node node" st="1 1" cnt="1 0"/>
+              <dgm:constrLst>
+                <dgm:constr type="lMarg" refType="primFontSz" fact="0.3"/>
+                <dgm:constr type="rMarg" refType="primFontSz" fact="0.3"/>
+                <dgm:constr type="tMarg" refType="primFontSz" fact="0.3"/>
+                <dgm:constr type="bMarg" refType="primFontSz" fact="0.3"/>
+              </dgm:constrLst>
+              <dgm:ruleLst>
+                <dgm:rule type="primFontSz" val="5" fact="NaN" max="NaN"/>
+              </dgm:ruleLst>
+            </dgm:layoutNode>
+            <dgm:layoutNode name="TwoNodes_2_text">
+              <dgm:varLst>
+                <dgm:bulletEnabled val="1"/>
+              </dgm:varLst>
+              <dgm:alg type="tx">
+                <dgm:param type="parTxLTRAlign" val="l"/>
+                <dgm:param type="txAnchorVertCh" val="mid"/>
+              </dgm:alg>
+              <dgm:shape xmlns:r="http://schemas.openxmlformats.org/officeDocument/2006/relationships" type="roundRect" r:blip="" hideGeom="1">
+                <dgm:adjLst>
+                  <dgm:adj idx="1" val="0.1"/>
+                </dgm:adjLst>
+              </dgm:shape>
+              <dgm:presOf axis="ch desOrSelf" ptType="node node" st="2 1" cnt="1 0"/>
+              <dgm:constrLst>
+                <dgm:constr type="lMarg" refType="primFontSz" fact="0.3"/>
+                <dgm:constr type="rMarg" refType="primFontSz" fact="0.3"/>
+                <dgm:constr type="tMarg" refType="primFontSz" fact="0.3"/>
+                <dgm:constr type="bMarg" refType="primFontSz" fact="0.3"/>
+              </dgm:constrLst>
+              <dgm:ruleLst>
+                <dgm:rule type="primFontSz" val="5" fact="NaN" max="NaN"/>
+              </dgm:ruleLst>
+            </dgm:layoutNode>
+          </dgm:if>
+          <dgm:else name="Name8">
+            <dgm:choose name="Name9">
+              <dgm:if name="Name10" axis="ch" ptType="node" func="cnt" op="equ" val="3">
+                <dgm:layoutNode name="ThreeNodes_1">
+                  <dgm:varLst>
+                    <dgm:bulletEnabled val="1"/>
+                  </dgm:varLst>
+                  <dgm:alg type="sp"/>
+                  <dgm:shape xmlns:r="http://schemas.openxmlformats.org/officeDocument/2006/relationships" type="roundRect" r:blip="">
+                    <dgm:adjLst>
+                      <dgm:adj idx="1" val="0.1"/>
+                    </dgm:adjLst>
+                  </dgm:shape>
+                  <dgm:presOf axis="ch desOrSelf" ptType="node node" st="1 1" cnt="1 0"/>
+                  <dgm:constrLst/>
+                  <dgm:ruleLst/>
+                </dgm:layoutNode>
+                <dgm:layoutNode name="ThreeNodes_2">
+                  <dgm:varLst>
+                    <dgm:bulletEnabled val="1"/>
+                  </dgm:varLst>
+                  <dgm:alg type="sp"/>
+                  <dgm:shape xmlns:r="http://schemas.openxmlformats.org/officeDocument/2006/relationships" type="roundRect" r:blip="">
+                    <dgm:adjLst>
+                      <dgm:adj idx="1" val="0.1"/>
+                    </dgm:adjLst>
+                  </dgm:shape>
+                  <dgm:presOf axis="ch desOrSelf" ptType="node node" st="2 1" cnt="1 0"/>
+                  <dgm:constrLst/>
+                  <dgm:ruleLst/>
+                </dgm:layoutNode>
+                <dgm:layoutNode name="ThreeNodes_3">
+                  <dgm:varLst>
+                    <dgm:bulletEnabled val="1"/>
+                  </dgm:varLst>
+                  <dgm:alg type="sp"/>
+                  <dgm:shape xmlns:r="http://schemas.openxmlformats.org/officeDocument/2006/relationships" type="roundRect" r:blip="">
+                    <dgm:adjLst>
+                      <dgm:adj idx="1" val="0.1"/>
+                    </dgm:adjLst>
+                  </dgm:shape>
+                  <dgm:presOf axis="ch desOrSelf" ptType="node node" st="3 1" cnt="1 0"/>
+                  <dgm:constrLst/>
+                  <dgm:ruleLst/>
+                </dgm:layoutNode>
+                <dgm:layoutNode name="ThreeConn_1-2" styleLbl="fgAccFollowNode1">
+                  <dgm:varLst>
+                    <dgm:bulletEnabled val="1"/>
+                  </dgm:varLst>
+                  <dgm:alg type="tx"/>
+                  <dgm:shape xmlns:r="http://schemas.openxmlformats.org/officeDocument/2006/relationships" type="downArrow" r:blip="">
+                    <dgm:adjLst>
+                      <dgm:adj idx="1" val="0.55"/>
+                      <dgm:adj idx="2" val="0.45"/>
+                    </dgm:adjLst>
+                  </dgm:shape>
+                  <dgm:presOf axis="ch" ptType="sibTrans" cnt="1"/>
+                  <dgm:constrLst>
+                    <dgm:constr type="lMarg" refType="primFontSz" fact="0.1"/>
+                    <dgm:constr type="rMarg" refType="primFontSz" fact="0.1"/>
+                    <dgm:constr type="tMarg" refType="primFontSz" fact="0.1"/>
+                    <dgm:constr type="bMarg" refType="primFontSz" fact="0.1"/>
+                  </dgm:constrLst>
+                  <dgm:ruleLst>
+                    <dgm:rule type="primFontSz" val="5" fact="NaN" max="NaN"/>
+                  </dgm:ruleLst>
+                </dgm:layoutNode>
+                <dgm:layoutNode name="ThreeConn_2-3" styleLbl="fgAccFollowNode1">
+                  <dgm:varLst>
+                    <dgm:bulletEnabled val="1"/>
+                  </dgm:varLst>
+                  <dgm:alg type="tx"/>
+                  <dgm:shape xmlns:r="http://schemas.openxmlformats.org/officeDocument/2006/relationships" type="downArrow" r:blip="">
+                    <dgm:adjLst>
+                      <dgm:adj idx="1" val="0.55"/>
+                      <dgm:adj idx="2" val="0.45"/>
+                    </dgm:adjLst>
+                  </dgm:shape>
+                  <dgm:presOf axis="ch" ptType="sibTrans" st="2" cnt="1"/>
+                  <dgm:constrLst>
+                    <dgm:constr type="lMarg" refType="primFontSz" fact="0.1"/>
+                    <dgm:constr type="rMarg" refType="primFontSz" fact="0.1"/>
+                    <dgm:constr type="tMarg" refType="primFontSz" fact="0.1"/>
+                    <dgm:constr type="bMarg" refType="primFontSz" fact="0.1"/>
+                  </dgm:constrLst>
+                  <dgm:ruleLst>
+                    <dgm:rule type="primFontSz" val="5" fact="NaN" max="NaN"/>
+                  </dgm:ruleLst>
+                </dgm:layoutNode>
+                <dgm:layoutNode name="ThreeNodes_1_text">
+                  <dgm:varLst>
+                    <dgm:bulletEnabled val="1"/>
+                  </dgm:varLst>
+                  <dgm:alg type="tx">
+                    <dgm:param type="parTxLTRAlign" val="l"/>
+                    <dgm:param type="txAnchorVertCh" val="mid"/>
+                  </dgm:alg>
+                  <dgm:shape xmlns:r="http://schemas.openxmlformats.org/officeDocument/2006/relationships" type="roundRect" r:blip="" hideGeom="1">
+                    <dgm:adjLst>
+                      <dgm:adj idx="1" val="0.1"/>
+                    </dgm:adjLst>
+                  </dgm:shape>
+                  <dgm:presOf axis="ch desOrSelf" ptType="node node" st="1 1" cnt="1 0"/>
+                  <dgm:constrLst>
+                    <dgm:constr type="lMarg" refType="primFontSz" fact="0.3"/>
+                    <dgm:constr type="rMarg" refType="primFontSz" fact="0.3"/>
+                    <dgm:constr type="tMarg" refType="primFontSz" fact="0.3"/>
+                    <dgm:constr type="bMarg" refType="primFontSz" fact="0.3"/>
+                  </dgm:constrLst>
+                  <dgm:ruleLst>
+                    <dgm:rule type="primFontSz" val="5" fact="NaN" max="NaN"/>
+                  </dgm:ruleLst>
+                </dgm:layoutNode>
+                <dgm:layoutNode name="ThreeNodes_2_text">
+                  <dgm:varLst>
+                    <dgm:bulletEnabled val="1"/>
+                  </dgm:varLst>
+                  <dgm:alg type="tx">
+                    <dgm:param type="parTxLTRAlign" val="l"/>
+                    <dgm:param type="txAnchorVertCh" val="mid"/>
+                  </dgm:alg>
+                  <dgm:shape xmlns:r="http://schemas.openxmlformats.org/officeDocument/2006/relationships" type="roundRect" r:blip="" hideGeom="1">
+                    <dgm:adjLst>
+                      <dgm:adj idx="1" val="0.1"/>
+                    </dgm:adjLst>
+                  </dgm:shape>
+                  <dgm:presOf axis="ch desOrSelf" ptType="node node" st="2 1" cnt="1 0"/>
+                  <dgm:constrLst>
+                    <dgm:constr type="lMarg" refType="primFontSz" fact="0.3"/>
+                    <dgm:constr type="rMarg" refType="primFontSz" fact="0.3"/>
+                    <dgm:constr type="tMarg" refType="primFontSz" fact="0.3"/>
+                    <dgm:constr type="bMarg" refType="primFontSz" fact="0.3"/>
+                  </dgm:constrLst>
+                  <dgm:ruleLst>
+                    <dgm:rule type="primFontSz" val="5" fact="NaN" max="NaN"/>
+                  </dgm:ruleLst>
+                </dgm:layoutNode>
+                <dgm:layoutNode name="ThreeNodes_3_text">
+                  <dgm:varLst>
+                    <dgm:bulletEnabled val="1"/>
+                  </dgm:varLst>
+                  <dgm:alg type="tx">
+                    <dgm:param type="parTxLTRAlign" val="l"/>
+                    <dgm:param type="txAnchorVertCh" val="mid"/>
+                  </dgm:alg>
+                  <dgm:shape xmlns:r="http://schemas.openxmlformats.org/officeDocument/2006/relationships" type="roundRect" r:blip="" hideGeom="1">
+                    <dgm:adjLst>
+                      <dgm:adj idx="1" val="0.1"/>
+                    </dgm:adjLst>
+                  </dgm:shape>
+                  <dgm:presOf axis="ch desOrSelf" ptType="node node" st="3 1" cnt="1 0"/>
+                  <dgm:constrLst>
+                    <dgm:constr type="lMarg" refType="primFontSz" fact="0.3"/>
+                    <dgm:constr type="rMarg" refType="primFontSz" fact="0.3"/>
+                    <dgm:constr type="tMarg" refType="primFontSz" fact="0.3"/>
+                    <dgm:constr type="bMarg" refType="primFontSz" fact="0.3"/>
+                  </dgm:constrLst>
+                  <dgm:ruleLst>
+                    <dgm:rule type="primFontSz" val="5" fact="NaN" max="NaN"/>
+                  </dgm:ruleLst>
+                </dgm:layoutNode>
+              </dgm:if>
+              <dgm:else name="Name11">
+                <dgm:choose name="Name12">
+                  <dgm:if name="Name13" axis="ch" ptType="node" func="cnt" op="equ" val="4">
+                    <dgm:layoutNode name="FourNodes_1">
+                      <dgm:varLst>
+                        <dgm:bulletEnabled val="1"/>
+                      </dgm:varLst>
+                      <dgm:alg type="sp"/>
+                      <dgm:shape xmlns:r="http://schemas.openxmlformats.org/officeDocument/2006/relationships" type="roundRect" r:blip="">
+                        <dgm:adjLst>
+                          <dgm:adj idx="1" val="0.1"/>
+                        </dgm:adjLst>
+                      </dgm:shape>
+                      <dgm:presOf axis="ch desOrSelf" ptType="node node" st="1 1" cnt="1 0"/>
+                      <dgm:constrLst/>
+                      <dgm:ruleLst/>
+                    </dgm:layoutNode>
+                    <dgm:layoutNode name="FourNodes_2">
+                      <dgm:varLst>
+                        <dgm:bulletEnabled val="1"/>
+                      </dgm:varLst>
+                      <dgm:alg type="sp"/>
+                      <dgm:shape xmlns:r="http://schemas.openxmlformats.org/officeDocument/2006/relationships" type="roundRect" r:blip="">
+                        <dgm:adjLst>
+                          <dgm:adj idx="1" val="0.1"/>
+                        </dgm:adjLst>
+                      </dgm:shape>
+                      <dgm:presOf axis="ch desOrSelf" ptType="node node" st="2 1" cnt="1 0"/>
+                      <dgm:constrLst/>
+                      <dgm:ruleLst/>
+                    </dgm:layoutNode>
+                    <dgm:layoutNode name="FourNodes_3">
+                      <dgm:varLst>
+                        <dgm:bulletEnabled val="1"/>
+                      </dgm:varLst>
+                      <dgm:alg type="sp"/>
+                      <dgm:shape xmlns:r="http://schemas.openxmlformats.org/officeDocument/2006/relationships" type="roundRect" r:blip="">
+                        <dgm:adjLst>
+                          <dgm:adj idx="1" val="0.1"/>
+                        </dgm:adjLst>
+                      </dgm:shape>
+                      <dgm:presOf axis="ch desOrSelf" ptType="node node" st="3 1" cnt="1 0"/>
+                      <dgm:constrLst/>
+                      <dgm:ruleLst/>
+                    </dgm:layoutNode>
+                    <dgm:layoutNode name="FourNodes_4">
+                      <dgm:varLst>
+                        <dgm:bulletEnabled val="1"/>
+                      </dgm:varLst>
+                      <dgm:alg type="sp"/>
+                      <dgm:shape xmlns:r="http://schemas.openxmlformats.org/officeDocument/2006/relationships" type="roundRect" r:blip="">
+                        <dgm:adjLst>
+                          <dgm:adj idx="1" val="0.1"/>
+                        </dgm:adjLst>
+                      </dgm:shape>
+                      <dgm:presOf axis="ch desOrSelf" ptType="node node" st="4 1" cnt="1 0"/>
+                      <dgm:constrLst/>
+                      <dgm:ruleLst/>
+                    </dgm:layoutNode>
+                    <dgm:layoutNode name="FourConn_1-2" styleLbl="fgAccFollowNode1">
+                      <dgm:varLst>
+                        <dgm:bulletEnabled val="1"/>
+                      </dgm:varLst>
+                      <dgm:alg type="tx"/>
+                      <dgm:shape xmlns:r="http://schemas.openxmlformats.org/officeDocument/2006/relationships" type="downArrow" r:blip="">
+                        <dgm:adjLst>
+                          <dgm:adj idx="1" val="0.55"/>
+                          <dgm:adj idx="2" val="0.45"/>
+                        </dgm:adjLst>
+                      </dgm:shape>
+                      <dgm:presOf axis="ch" ptType="sibTrans" cnt="1"/>
+                      <dgm:constrLst>
+                        <dgm:constr type="lMarg" refType="primFontSz" fact="0.1"/>
+                        <dgm:constr type="rMarg" refType="primFontSz" fact="0.1"/>
+                        <dgm:constr type="tMarg" refType="primFontSz" fact="0.1"/>
+                        <dgm:constr type="bMarg" refType="primFontSz" fact="0.1"/>
+                      </dgm:constrLst>
+                      <dgm:ruleLst>
+                        <dgm:rule type="primFontSz" val="5" fact="NaN" max="NaN"/>
+                      </dgm:ruleLst>
+                    </dgm:layoutNode>
+                    <dgm:layoutNode name="FourConn_2-3" styleLbl="fgAccFollowNode1">
+                      <dgm:varLst>
+                        <dgm:bulletEnabled val="1"/>
+                      </dgm:varLst>
+                      <dgm:alg type="tx"/>
+                      <dgm:shape xmlns:r="http://schemas.openxmlformats.org/officeDocument/2006/relationships" type="downArrow" r:blip="">
+                        <dgm:adjLst>
+                          <dgm:adj idx="1" val="0.55"/>
+                          <dgm:adj idx="2" val="0.45"/>
+                        </dgm:adjLst>
+                      </dgm:shape>
+                      <dgm:presOf axis="ch" ptType="sibTrans" st="2" cnt="1"/>
+                      <dgm:constrLst>
+                        <dgm:constr type="lMarg" refType="primFontSz" fact="0.1"/>
+                        <dgm:constr type="rMarg" refType="primFontSz" fact="0.1"/>
+                        <dgm:constr type="tMarg" refType="primFontSz" fact="0.1"/>
+                        <dgm:constr type="bMarg" refType="primFontSz" fact="0.1"/>
+                      </dgm:constrLst>
+                      <dgm:ruleLst>
+                        <dgm:rule type="primFontSz" val="5" fact="NaN" max="NaN"/>
+                      </dgm:ruleLst>
+                    </dgm:layoutNode>
+                    <dgm:layoutNode name="FourConn_3-4" styleLbl="fgAccFollowNode1">
+                      <dgm:varLst>
+                        <dgm:bulletEnabled val="1"/>
+                      </dgm:varLst>
+                      <dgm:alg type="tx"/>
+                      <dgm:shape xmlns:r="http://schemas.openxmlformats.org/officeDocument/2006/relationships" type="downArrow" r:blip="">
+                        <dgm:adjLst>
+                          <dgm:adj idx="1" val="0.55"/>
+                          <dgm:adj idx="2" val="0.45"/>
+                        </dgm:adjLst>
+                      </dgm:shape>
+                      <dgm:presOf axis="ch" ptType="sibTrans" st="3" cnt="1"/>
+                      <dgm:constrLst>
+                        <dgm:constr type="lMarg" refType="primFontSz" fact="0.1"/>
+                        <dgm:constr type="rMarg" refType="primFontSz" fact="0.1"/>
+                        <dgm:constr type="tMarg" refType="primFontSz" fact="0.1"/>
+                        <dgm:constr type="bMarg" refType="primFontSz" fact="0.1"/>
+                      </dgm:constrLst>
+                      <dgm:ruleLst>
+                        <dgm:rule type="primFontSz" val="5" fact="NaN" max="NaN"/>
+                      </dgm:ruleLst>
+                    </dgm:layoutNode>
+                    <dgm:layoutNode name="FourNodes_1_text">
+                      <dgm:varLst>
+                        <dgm:bulletEnabled val="1"/>
+                      </dgm:varLst>
+                      <dgm:alg type="tx">
+                        <dgm:param type="parTxLTRAlign" val="l"/>
+                        <dgm:param type="txAnchorVertCh" val="mid"/>
+                      </dgm:alg>
+                      <dgm:shape xmlns:r="http://schemas.openxmlformats.org/officeDocument/2006/relationships" type="roundRect" r:blip="" hideGeom="1">
+                        <dgm:adjLst>
+                          <dgm:adj idx="1" val="0.1"/>
+                        </dgm:adjLst>
+                      </dgm:shape>
+                      <dgm:presOf axis="ch desOrSelf" ptType="node node" st="1 1" cnt="1 0"/>
+                      <dgm:constrLst>
+                        <dgm:constr type="lMarg" refType="primFontSz" fact="0.3"/>
+                        <dgm:constr type="rMarg" refType="primFontSz" fact="0.3"/>
+                        <dgm:constr type="tMarg" refType="primFontSz" fact="0.3"/>
+                        <dgm:constr type="bMarg" refType="primFontSz" fact="0.3"/>
+                      </dgm:constrLst>
+                      <dgm:ruleLst>
+                        <dgm:rule type="primFontSz" val="5" fact="NaN" max="NaN"/>
+                      </dgm:ruleLst>
+                    </dgm:layoutNode>
+                    <dgm:layoutNode name="FourNodes_2_text">
+                      <dgm:varLst>
+                        <dgm:bulletEnabled val="1"/>
+                      </dgm:varLst>
+                      <dgm:alg type="tx">
+                        <dgm:param type="parTxLTRAlign" val="l"/>
+                        <dgm:param type="txAnchorVertCh" val="mid"/>
+                      </dgm:alg>
+                      <dgm:shape xmlns:r="http://schemas.openxmlformats.org/officeDocument/2006/relationships" type="roundRect" r:blip="" hideGeom="1">
+                        <dgm:adjLst>
+                          <dgm:adj idx="1" val="0.1"/>
+                        </dgm:adjLst>
+                      </dgm:shape>
+                      <dgm:presOf axis="ch desOrSelf" ptType="node node" st="2 1" cnt="1 0"/>
+                      <dgm:constrLst>
+                        <dgm:constr type="lMarg" refType="primFontSz" fact="0.3"/>
+                        <dgm:constr type="rMarg" refType="primFontSz" fact="0.3"/>
+                        <dgm:constr type="tMarg" refType="primFontSz" fact="0.3"/>
+                        <dgm:constr type="bMarg" refType="primFontSz" fact="0.3"/>
+                      </dgm:constrLst>
+                      <dgm:ruleLst>
+                        <dgm:rule type="primFontSz" val="5" fact="NaN" max="NaN"/>
+                      </dgm:ruleLst>
+                    </dgm:layoutNode>
+                    <dgm:layoutNode name="FourNodes_3_text">
+                      <dgm:varLst>
+                        <dgm:bulletEnabled val="1"/>
+                      </dgm:varLst>
+                      <dgm:alg type="tx">
+                        <dgm:param type="parTxLTRAlign" val="l"/>
+                        <dgm:param type="txAnchorVertCh" val="mid"/>
+                      </dgm:alg>
+                      <dgm:shape xmlns:r="http://schemas.openxmlformats.org/officeDocument/2006/relationships" type="roundRect" r:blip="" hideGeom="1">
+                        <dgm:adjLst>
+                          <dgm:adj idx="1" val="0.1"/>
+                        </dgm:adjLst>
+                      </dgm:shape>
+                      <dgm:presOf axis="ch desOrSelf" ptType="node node" st="3 1" cnt="1 0"/>
+                      <dgm:constrLst>
+                        <dgm:constr type="lMarg" refType="primFontSz" fact="0.3"/>
+                        <dgm:constr type="rMarg" refType="primFontSz" fact="0.3"/>
+                        <dgm:constr type="tMarg" refType="primFontSz" fact="0.3"/>
+                        <dgm:constr type="bMarg" refType="primFontSz" fact="0.3"/>
+                      </dgm:constrLst>
+                      <dgm:ruleLst>
+                        <dgm:rule type="primFontSz" val="5" fact="NaN" max="NaN"/>
+                      </dgm:ruleLst>
+                    </dgm:layoutNode>
+                    <dgm:layoutNode name="FourNodes_4_text">
+                      <dgm:varLst>
+                        <dgm:bulletEnabled val="1"/>
+                      </dgm:varLst>
+                      <dgm:alg type="tx">
+                        <dgm:param type="parTxLTRAlign" val="l"/>
+                        <dgm:param type="txAnchorVertCh" val="mid"/>
+                      </dgm:alg>
+                      <dgm:shape xmlns:r="http://schemas.openxmlformats.org/officeDocument/2006/relationships" type="roundRect" r:blip="" hideGeom="1">
+                        <dgm:adjLst>
+                          <dgm:adj idx="1" val="0.1"/>
+                        </dgm:adjLst>
+                      </dgm:shape>
+                      <dgm:presOf axis="ch desOrSelf" ptType="node node" st="4 1" cnt="1 0"/>
+                      <dgm:constrLst>
+                        <dgm:constr type="lMarg" refType="primFontSz" fact="0.3"/>
+                        <dgm:constr type="rMarg" refType="primFontSz" fact="0.3"/>
+                        <dgm:constr type="tMarg" refType="primFontSz" fact="0.3"/>
+                        <dgm:constr type="bMarg" refType="primFontSz" fact="0.3"/>
+                      </dgm:constrLst>
+                      <dgm:ruleLst>
+                        <dgm:rule type="primFontSz" val="5" fact="NaN" max="NaN"/>
+                      </dgm:ruleLst>
+                    </dgm:layoutNode>
+                  </dgm:if>
+                  <dgm:else name="Name14">
+                    <dgm:choose name="Name15">
+                      <dgm:if name="Name16" axis="ch" ptType="node" func="cnt" op="gte" val="5">
+                        <dgm:layoutNode name="FiveNodes_1">
+                          <dgm:varLst>
+                            <dgm:bulletEnabled val="1"/>
+                          </dgm:varLst>
+                          <dgm:alg type="sp"/>
+                          <dgm:shape xmlns:r="http://schemas.openxmlformats.org/officeDocument/2006/relationships" type="roundRect" r:blip="">
+                            <dgm:adjLst>
+                              <dgm:adj idx="1" val="0.1"/>
+                            </dgm:adjLst>
+                          </dgm:shape>
+                          <dgm:presOf axis="ch desOrSelf" ptType="node node" st="1 1" cnt="1 0"/>
+                          <dgm:constrLst/>
+                          <dgm:ruleLst/>
+                        </dgm:layoutNode>
+                        <dgm:layoutNode name="FiveNodes_2">
+                          <dgm:varLst>
+                            <dgm:bulletEnabled val="1"/>
+                          </dgm:varLst>
+                          <dgm:alg type="sp"/>
+                          <dgm:shape xmlns:r="http://schemas.openxmlformats.org/officeDocument/2006/relationships" type="roundRect" r:blip="">
+                            <dgm:adjLst>
+                              <dgm:adj idx="1" val="0.1"/>
+                            </dgm:adjLst>
+                          </dgm:shape>
+                          <dgm:presOf axis="ch desOrSelf" ptType="node node" st="2 1" cnt="1 0"/>
+                          <dgm:constrLst/>
+                          <dgm:ruleLst/>
+                        </dgm:layoutNode>
+                        <dgm:layoutNode name="FiveNodes_3">
+                          <dgm:varLst>
+                            <dgm:bulletEnabled val="1"/>
+                          </dgm:varLst>
+                          <dgm:alg type="sp"/>
+                          <dgm:shape xmlns:r="http://schemas.openxmlformats.org/officeDocument/2006/relationships" type="roundRect" r:blip="">
+                            <dgm:adjLst>
+                              <dgm:adj idx="1" val="0.1"/>
+                            </dgm:adjLst>
+                          </dgm:shape>
+                          <dgm:presOf axis="ch desOrSelf" ptType="node node" st="3 1" cnt="1 0"/>
+                          <dgm:constrLst/>
+                          <dgm:ruleLst/>
+                        </dgm:layoutNode>
+                        <dgm:layoutNode name="FiveNodes_4">
+                          <dgm:varLst>
+                            <dgm:bulletEnabled val="1"/>
+                          </dgm:varLst>
+                          <dgm:alg type="sp"/>
+                          <dgm:shape xmlns:r="http://schemas.openxmlformats.org/officeDocument/2006/relationships" type="roundRect" r:blip="">
+                            <dgm:adjLst>
+                              <dgm:adj idx="1" val="0.1"/>
+                            </dgm:adjLst>
+                          </dgm:shape>
+                          <dgm:presOf axis="ch desOrSelf" ptType="node node" st="4 1" cnt="1 0"/>
+                          <dgm:constrLst/>
+                          <dgm:ruleLst/>
+                        </dgm:layoutNode>
+                        <dgm:layoutNode name="FiveNodes_5">
+                          <dgm:varLst>
+                            <dgm:bulletEnabled val="1"/>
+                          </dgm:varLst>
+                          <dgm:alg type="sp"/>
+                          <dgm:shape xmlns:r="http://schemas.openxmlformats.org/officeDocument/2006/relationships" type="roundRect" r:blip="">
+                            <dgm:adjLst>
+                              <dgm:adj idx="1" val="0.1"/>
+                            </dgm:adjLst>
+                          </dgm:shape>
+                          <dgm:presOf axis="ch desOrSelf" ptType="node node" st="5 1" cnt="1 0"/>
+                          <dgm:constrLst/>
+                          <dgm:ruleLst/>
+                        </dgm:layoutNode>
+                        <dgm:layoutNode name="FiveConn_1-2" styleLbl="fgAccFollowNode1">
+                          <dgm:varLst>
+                            <dgm:bulletEnabled val="1"/>
+                          </dgm:varLst>
+                          <dgm:alg type="tx"/>
+                          <dgm:shape xmlns:r="http://schemas.openxmlformats.org/officeDocument/2006/relationships" type="downArrow" r:blip="">
+                            <dgm:adjLst>
+                              <dgm:adj idx="1" val="0.55"/>
+                              <dgm:adj idx="2" val="0.45"/>
+                            </dgm:adjLst>
+                          </dgm:shape>
+                          <dgm:presOf axis="ch" ptType="sibTrans" cnt="1"/>
+                          <dgm:constrLst>
+                            <dgm:constr type="lMarg" refType="primFontSz" fact="0.1"/>
+                            <dgm:constr type="rMarg" refType="primFontSz" fact="0.1"/>
+                            <dgm:constr type="tMarg" refType="primFontSz" fact="0.1"/>
+                            <dgm:constr type="bMarg" refType="primFontSz" fact="0.1"/>
+                          </dgm:constrLst>
+                          <dgm:ruleLst>
+                            <dgm:rule type="primFontSz" val="5" fact="NaN" max="NaN"/>
+                          </dgm:ruleLst>
+                        </dgm:layoutNode>
+                        <dgm:layoutNode name="FiveConn_2-3" styleLbl="fgAccFollowNode1">
+                          <dgm:varLst>
+                            <dgm:bulletEnabled val="1"/>
+                          </dgm:varLst>
+                          <dgm:alg type="tx"/>
+                          <dgm:shape xmlns:r="http://schemas.openxmlformats.org/officeDocument/2006/relationships" type="downArrow" r:blip="">
+                            <dgm:adjLst>
+                              <dgm:adj idx="1" val="0.55"/>
+                              <dgm:adj idx="2" val="0.45"/>
+                            </dgm:adjLst>
+                          </dgm:shape>
+                          <dgm:presOf axis="ch" ptType="sibTrans" st="2" cnt="1"/>
+                          <dgm:constrLst>
+                            <dgm:constr type="lMarg" refType="primFontSz" fact="0.1"/>
+                            <dgm:constr type="rMarg" refType="primFontSz" fact="0.1"/>
+                            <dgm:constr type="tMarg" refType="primFontSz" fact="0.1"/>
+                            <dgm:constr type="bMarg" refType="primFontSz" fact="0.1"/>
+                          </dgm:constrLst>
+                          <dgm:ruleLst>
+                            <dgm:rule type="primFontSz" val="5" fact="NaN" max="NaN"/>
+                          </dgm:ruleLst>
+                        </dgm:layoutNode>
+                        <dgm:layoutNode name="FiveConn_3-4" styleLbl="fgAccFollowNode1">
+                          <dgm:varLst>
+                            <dgm:bulletEnabled val="1"/>
+                          </dgm:varLst>
+                          <dgm:alg type="tx"/>
+                          <dgm:shape xmlns:r="http://schemas.openxmlformats.org/officeDocument/2006/relationships" type="downArrow" r:blip="">
+                            <dgm:adjLst>
+                              <dgm:adj idx="1" val="0.55"/>
+                              <dgm:adj idx="2" val="0.45"/>
+                            </dgm:adjLst>
+                          </dgm:shape>
+                          <dgm:presOf axis="ch" ptType="sibTrans" st="3" cnt="1"/>
+                          <dgm:constrLst>
+                            <dgm:constr type="lMarg" refType="primFontSz" fact="0.1"/>
+                            <dgm:constr type="rMarg" refType="primFontSz" fact="0.1"/>
+                            <dgm:constr type="tMarg" refType="primFontSz" fact="0.1"/>
+                            <dgm:constr type="bMarg" refType="primFontSz" fact="0.1"/>
+                          </dgm:constrLst>
+                          <dgm:ruleLst>
+                            <dgm:rule type="primFontSz" val="5" fact="NaN" max="NaN"/>
+                          </dgm:ruleLst>
+                        </dgm:layoutNode>
+                        <dgm:layoutNode name="FiveConn_4-5" styleLbl="fgAccFollowNode1">
+                          <dgm:varLst>
+                            <dgm:bulletEnabled val="1"/>
+                          </dgm:varLst>
+                          <dgm:alg type="tx"/>
+                          <dgm:shape xmlns:r="http://schemas.openxmlformats.org/officeDocument/2006/relationships" type="downArrow" r:blip="">
+                            <dgm:adjLst>
+                              <dgm:adj idx="1" val="0.55"/>
+                              <dgm:adj idx="2" val="0.45"/>
+                            </dgm:adjLst>
+                          </dgm:shape>
+                          <dgm:presOf axis="ch" ptType="sibTrans" st="4" cnt="1"/>
+                          <dgm:constrLst>
+                            <dgm:constr type="lMarg" refType="primFontSz" fact="0.1"/>
+                            <dgm:constr type="rMarg" refType="primFontSz" fact="0.1"/>
+                            <dgm:constr type="tMarg" refType="primFontSz" fact="0.1"/>
+                            <dgm:constr type="bMarg" refType="primFontSz" fact="0.1"/>
+                          </dgm:constrLst>
+                          <dgm:ruleLst>
+                            <dgm:rule type="primFontSz" val="5" fact="NaN" max="NaN"/>
+                          </dgm:ruleLst>
+                        </dgm:layoutNode>
+                        <dgm:layoutNode name="FiveNodes_1_text">
+                          <dgm:varLst>
+                            <dgm:bulletEnabled val="1"/>
+                          </dgm:varLst>
+                          <dgm:alg type="tx">
+                            <dgm:param type="parTxLTRAlign" val="l"/>
+                            <dgm:param type="txAnchorVertCh" val="mid"/>
+                          </dgm:alg>
+                          <dgm:shape xmlns:r="http://schemas.openxmlformats.org/officeDocument/2006/relationships" type="roundRect" r:blip="" hideGeom="1">
+                            <dgm:adjLst>
+                              <dgm:adj idx="1" val="0.1"/>
+                            </dgm:adjLst>
+                          </dgm:shape>
+                          <dgm:presOf axis="ch desOrSelf" ptType="node node" st="1 1" cnt="1 0"/>
+                          <dgm:constrLst>
+                            <dgm:constr type="lMarg" refType="primFontSz" fact="0.3"/>
+                            <dgm:constr type="rMarg" refType="primFontSz" fact="0.3"/>
+                            <dgm:constr type="tMarg" refType="primFontSz" fact="0.3"/>
+                            <dgm:constr type="bMarg" refType="primFontSz" fact="0.3"/>
+                          </dgm:constrLst>
+                          <dgm:ruleLst>
+                            <dgm:rule type="primFontSz" val="5" fact="NaN" max="NaN"/>
+                          </dgm:ruleLst>
+                        </dgm:layoutNode>
+                        <dgm:layoutNode name="FiveNodes_2_text">
+                          <dgm:varLst>
+                            <dgm:bulletEnabled val="1"/>
+                          </dgm:varLst>
+                          <dgm:alg type="tx">
+                            <dgm:param type="parTxLTRAlign" val="l"/>
+                            <dgm:param type="txAnchorVertCh" val="mid"/>
+                          </dgm:alg>
+                          <dgm:shape xmlns:r="http://schemas.openxmlformats.org/officeDocument/2006/relationships" type="roundRect" r:blip="" hideGeom="1">
+                            <dgm:adjLst>
+                              <dgm:adj idx="1" val="0.1"/>
+                            </dgm:adjLst>
+                          </dgm:shape>
+                          <dgm:presOf axis="ch desOrSelf" ptType="node node" st="2 1" cnt="1 0"/>
+                          <dgm:constrLst>
+                            <dgm:constr type="lMarg" refType="primFontSz" fact="0.3"/>
+                            <dgm:constr type="rMarg" refType="primFontSz" fact="0.3"/>
+                            <dgm:constr type="tMarg" refType="primFontSz" fact="0.3"/>
+                            <dgm:constr type="bMarg" refType="primFontSz" fact="0.3"/>
+                          </dgm:constrLst>
+                          <dgm:ruleLst>
+                            <dgm:rule type="primFontSz" val="5" fact="NaN" max="NaN"/>
+                          </dgm:ruleLst>
+                        </dgm:layoutNode>
+                        <dgm:layoutNode name="FiveNodes_3_text">
+                          <dgm:varLst>
+                            <dgm:bulletEnabled val="1"/>
+                          </dgm:varLst>
+                          <dgm:alg type="tx">
+                            <dgm:param type="parTxLTRAlign" val="l"/>
+                            <dgm:param type="txAnchorVertCh" val="mid"/>
+                          </dgm:alg>
+                          <dgm:shape xmlns:r="http://schemas.openxmlformats.org/officeDocument/2006/relationships" type="roundRect" r:blip="" hideGeom="1">
+                            <dgm:adjLst>
+                              <dgm:adj idx="1" val="0.1"/>
+                            </dgm:adjLst>
+                          </dgm:shape>
+                          <dgm:presOf axis="ch desOrSelf" ptType="node node" st="3 1" cnt="1 0"/>
+                          <dgm:constrLst>
+                            <dgm:constr type="lMarg" refType="primFontSz" fact="0.3"/>
+                            <dgm:constr type="rMarg" refType="primFontSz" fact="0.3"/>
+                            <dgm:constr type="tMarg" refType="primFontSz" fact="0.3"/>
+                            <dgm:constr type="bMarg" refType="primFontSz" fact="0.3"/>
+                          </dgm:constrLst>
+                          <dgm:ruleLst>
+                            <dgm:rule type="primFontSz" val="5" fact="NaN" max="NaN"/>
+                          </dgm:ruleLst>
+                        </dgm:layoutNode>
+                        <dgm:layoutNode name="FiveNodes_4_text">
+                          <dgm:varLst>
+                            <dgm:bulletEnabled val="1"/>
+                          </dgm:varLst>
+                          <dgm:alg type="tx">
+                            <dgm:param type="parTxLTRAlign" val="l"/>
+                            <dgm:param type="txAnchorVertCh" val="mid"/>
+                          </dgm:alg>
+                          <dgm:shape xmlns:r="http://schemas.openxmlformats.org/officeDocument/2006/relationships" type="roundRect" r:blip="" hideGeom="1">
+                            <dgm:adjLst>
+                              <dgm:adj idx="1" val="0.1"/>
+                            </dgm:adjLst>
+                          </dgm:shape>
+                          <dgm:presOf axis="ch desOrSelf" ptType="node node" st="4 1" cnt="1 0"/>
+                          <dgm:constrLst>
+                            <dgm:constr type="lMarg" refType="primFontSz" fact="0.3"/>
+                            <dgm:constr type="rMarg" refType="primFontSz" fact="0.3"/>
+                            <dgm:constr type="tMarg" refType="primFontSz" fact="0.3"/>
+                            <dgm:constr type="bMarg" refType="primFontSz" fact="0.3"/>
+                          </dgm:constrLst>
+                          <dgm:ruleLst>
+                            <dgm:rule type="primFontSz" val="5" fact="NaN" max="NaN"/>
+                          </dgm:ruleLst>
+                        </dgm:layoutNode>
+                        <dgm:layoutNode name="FiveNodes_5_text">
+                          <dgm:varLst>
+                            <dgm:bulletEnabled val="1"/>
+                          </dgm:varLst>
+                          <dgm:alg type="tx">
+                            <dgm:param type="parTxLTRAlign" val="l"/>
+                            <dgm:param type="txAnchorVertCh" val="mid"/>
+                          </dgm:alg>
+                          <dgm:shape xmlns:r="http://schemas.openxmlformats.org/officeDocument/2006/relationships" type="roundRect" r:blip="" hideGeom="1">
+                            <dgm:adjLst>
+                              <dgm:adj idx="1" val="0.1"/>
+                            </dgm:adjLst>
+                          </dgm:shape>
+                          <dgm:presOf axis="ch desOrSelf" ptType="node node" st="5 1" cnt="1 0"/>
+                          <dgm:constrLst>
+                            <dgm:constr type="lMarg" refType="primFontSz" fact="0.3"/>
+                            <dgm:constr type="rMarg" refType="primFontSz" fact="0.3"/>
+                            <dgm:constr type="tMarg" refType="primFontSz" fact="0.3"/>
+                            <dgm:constr type="bMarg" refType="primFontSz" fact="0.3"/>
+                          </dgm:constrLst>
+                          <dgm:ruleLst>
+                            <dgm:rule type="primFontSz" val="5" fact="NaN" max="NaN"/>
+                          </dgm:ruleLst>
+                        </dgm:layoutNode>
+                      </dgm:if>
+                      <dgm:else name="Name17"/>
+                    </dgm:choose>
+                  </dgm:else>
+                </dgm:choose>
+              </dgm:else>
+            </dgm:choose>
+          </dgm:else>
+        </dgm:choose>
+      </dgm:else>
+    </dgm:choose>
+  </dgm:layoutNode>
+</dgm:layoutDef>
+</file>
+
+<file path=ppt/diagrams/quickStyle1.xml><?xml version="1.0" encoding="utf-8"?>
+<dgm:styleDef xmlns:dgm="http://schemas.openxmlformats.org/drawingml/2006/diagram" xmlns:a="http://schemas.openxmlformats.org/drawingml/2006/main" uniqueId="urn:microsoft.com/office/officeart/2005/8/quickstyle/3d1">
+  <dgm:title val=""/>
+  <dgm:desc val=""/>
+  <dgm:catLst>
+    <dgm:cat type="3D" pri="11100"/>
+  </dgm:catLst>
+  <dgm:scene3d>
+    <a:camera prst="orthographicFront"/>
+    <a:lightRig rig="threePt" dir="t"/>
+  </dgm:scene3d>
+  <dgm:styleLbl name="node0">
+    <dgm:scene3d>
+      <a:camera prst="orthographicFront"/>
+      <a:lightRig rig="flat" dir="t"/>
+    </dgm:scene3d>
+    <dgm:sp3d prstMaterial="plastic">
+      <a:bevelT w="120900" h="88900"/>
+      <a:bevelB w="88900" h="31750" prst="angle"/>
+    </dgm:sp3d>
+    <dgm:txPr/>
+    <dgm:style>
+      <a:lnRef idx="0">
+        <a:scrgbClr r="0" g="0" b="0"/>
+      </a:lnRef>
+      <a:fillRef idx="3">
+        <a:scrgbClr r="0" g="0" b="0"/>
+      </a:fillRef>
+      <a:effectRef idx="2">
+        <a:scrgbClr r="0" g="0" b="0"/>
+      </a:effectRef>
+      <a:fontRef idx="minor">
+        <a:schemeClr val="lt1"/>
+      </a:fontRef>
+    </dgm:style>
+  </dgm:styleLbl>
+  <dgm:styleLbl name="lnNode1">
+    <dgm:scene3d>
+      <a:camera prst="orthographicFront"/>
+      <a:lightRig rig="flat" dir="t"/>
+    </dgm:scene3d>
+    <dgm:sp3d prstMaterial="plastic">
+      <a:bevelT w="120900" h="88900"/>
+      <a:bevelB w="88900" h="31750" prst="angle"/>
+    </dgm:sp3d>
+    <dgm:txPr/>
+    <dgm:style>
+      <a:lnRef idx="0">
+        <a:scrgbClr r="0" g="0" b="0"/>
+      </a:lnRef>
+      <a:fillRef idx="3">
+        <a:scrgbClr r="0" g="0" b="0"/>
+      </a:fillRef>
+      <a:effectRef idx="1">
+        <a:scrgbClr r="0" g="0" b="0"/>
+      </a:effectRef>
+      <a:fontRef idx="minor">
+        <a:schemeClr val="lt1"/>
+      </a:fontRef>
+    </dgm:style>
+  </dgm:styleLbl>
+  <dgm:styleLbl name="vennNode1">
+    <dgm:scene3d>
+      <a:camera prst="orthographicFront"/>
+      <a:lightRig rig="flat" dir="t"/>
+    </dgm:scene3d>
+    <dgm:sp3d prstMaterial="plastic">
+      <a:bevelT w="120900" h="88900"/>
+      <a:bevelB w="88900" h="31750" prst="angle"/>
+    </dgm:sp3d>
+    <dgm:txPr/>
+    <dgm:style>
+      <a:lnRef idx="0">
+        <a:scrgbClr r="0" g="0" b="0"/>
+      </a:lnRef>
+      <a:fillRef idx="1">
+        <a:scrgbClr r="0" g="0" b="0"/>
+      </a:fillRef>
+      <a:effectRef idx="1">
+        <a:scrgbClr r="0" g="0" b="0"/>
+      </a:effectRef>
+      <a:fontRef idx="minor">
+        <a:schemeClr val="tx1"/>
+      </a:fontRef>
+    </dgm:style>
+  </dgm:styleLbl>
+  <dgm:styleLbl name="alignNode1">
+    <dgm:scene3d>
+      <a:camera prst="orthographicFront"/>
+      <a:lightRig rig="flat" dir="t"/>
+    </dgm:scene3d>
+    <dgm:sp3d prstMaterial="plastic">
+      <a:bevelT w="120900" h="88900"/>
+      <a:bevelB w="88900" h="31750" prst="angle"/>
+    </dgm:sp3d>
+    <dgm:txPr/>
+    <dgm:style>
+      <a:lnRef idx="1">
+        <a:scrgbClr r="0" g="0" b="0"/>
+      </a:lnRef>
+      <a:fillRef idx="3">
+        <a:scrgbClr r="0" g="0" b="0"/>
+      </a:fillRef>
+      <a:effectRef idx="2">
+        <a:scrgbClr r="0" g="0" b="0"/>
+      </a:effectRef>
+      <a:fontRef idx="minor">
+        <a:schemeClr val="lt1"/>
+      </a:fontRef>
+    </dgm:style>
+  </dgm:styleLbl>
+  <dgm:styleLbl name="node1">
+    <dgm:scene3d>
+      <a:camera prst="orthographicFront"/>
+      <a:lightRig rig="flat" dir="t"/>
+    </dgm:scene3d>
+    <dgm:sp3d prstMaterial="plastic">
+      <a:bevelT w="120900" h="88900"/>
+      <a:bevelB w="88900" h="31750" prst="angle"/>
+    </dgm:sp3d>
+    <dgm:txPr/>
+    <dgm:style>
+      <a:lnRef idx="0">
+        <a:scrgbClr r="0" g="0" b="0"/>
+      </a:lnRef>
+      <a:fillRef idx="3">
+        <a:scrgbClr r="0" g="0" b="0"/>
+      </a:fillRef>
+      <a:effectRef idx="2">
+        <a:scrgbClr r="0" g="0" b="0"/>
+      </a:effectRef>
+      <a:fontRef idx="minor">
+        <a:schemeClr val="lt1"/>
+      </a:fontRef>
+    </dgm:style>
+  </dgm:styleLbl>
+  <dgm:styleLbl name="node2">
+    <dgm:scene3d>
+      <a:camera prst="orthographicFront"/>
+      <a:lightRig rig="flat" dir="t"/>
+    </dgm:scene3d>
+    <dgm:sp3d prstMaterial="plastic">
+      <a:bevelT w="120900" h="88900"/>
+      <a:bevelB w="88900" h="31750" prst="angle"/>
+    </dgm:sp3d>
+    <dgm:txPr/>
+    <dgm:style>
+      <a:lnRef idx="0">
+        <a:scrgbClr r="0" g="0" b="0"/>
+      </a:lnRef>
+      <a:fillRef idx="3">
+        <a:scrgbClr r="0" g="0" b="0"/>
+      </a:fillRef>
+      <a:effectRef idx="1">
+        <a:scrgbClr r="0" g="0" b="0"/>
+      </a:effectRef>
+      <a:fontRef idx="minor">
+        <a:schemeClr val="lt1"/>
+      </a:fontRef>
+    </dgm:style>
+  </dgm:styleLbl>
+  <dgm:styleLbl name="node3">
+    <dgm:scene3d>
+      <a:camera prst="orthographicFront"/>
+      <a:lightRig rig="flat" dir="t"/>
+    </dgm:scene3d>
+    <dgm:sp3d prstMaterial="plastic">
+      <a:bevelT w="120900" h="88900"/>
+      <a:bevelB w="88900" h="31750" prst="angle"/>
+    </dgm:sp3d>
+    <dgm:txPr/>
+    <dgm:style>
+      <a:lnRef idx="0">
+        <a:scrgbClr r="0" g="0" b="0"/>
+      </a:lnRef>
+      <a:fillRef idx="3">
+        <a:scrgbClr r="0" g="0" b="0"/>
+      </a:fillRef>
+      <a:effectRef idx="1">
+        <a:scrgbClr r="0" g="0" b="0"/>
+      </a:effectRef>
+      <a:fontRef idx="minor">
+        <a:schemeClr val="lt1"/>
+      </a:fontRef>
+    </dgm:style>
+  </dgm:styleLbl>
+  <dgm:styleLbl name="node4">
+    <dgm:scene3d>
+      <a:camera prst="orthographicFront"/>
+      <a:lightRig rig="flat" dir="t"/>
+    </dgm:scene3d>
+    <dgm:sp3d prstMaterial="plastic">
+      <a:bevelT w="120900" h="88900"/>
+      <a:bevelB w="88900" h="31750" prst="angle"/>
+    </dgm:sp3d>
+    <dgm:txPr/>
+    <dgm:style>
+      <a:lnRef idx="0">
+        <a:scrgbClr r="0" g="0" b="0"/>
+      </a:lnRef>
+      <a:fillRef idx="3">
+        <a:scrgbClr r="0" g="0" b="0"/>
+      </a:fillRef>
+      <a:effectRef idx="1">
+        <a:scrgbClr r="0" g="0" b="0"/>
+      </a:effectRef>
+      <a:fontRef idx="minor">
+        <a:schemeClr val="lt1"/>
+      </a:fontRef>
+    </dgm:style>
+  </dgm:styleLbl>
+  <dgm:styleLbl name="fgImgPlace1">
+    <dgm:scene3d>
+      <a:camera prst="orthographicFront"/>
+      <a:lightRig rig="flat" dir="t"/>
+    </dgm:scene3d>
+    <dgm:sp3d z="127000" prstMaterial="plastic">
+      <a:bevelT w="88900" h="88900"/>
+      <a:bevelB w="88900" h="31750" prst="angle"/>
+    </dgm:sp3d>
+    <dgm:txPr/>
+    <dgm:style>
+      <a:lnRef idx="0">
+        <a:scrgbClr r="0" g="0" b="0"/>
+      </a:lnRef>
+      <a:fillRef idx="3">
+        <a:scrgbClr r="0" g="0" b="0"/>
+      </a:fillRef>
+      <a:effectRef idx="2">
+        <a:scrgbClr r="0" g="0" b="0"/>
+      </a:effectRef>
+      <a:fontRef idx="minor"/>
+    </dgm:style>
+  </dgm:styleLbl>
+  <dgm:styleLbl name="alignImgPlace1">
+    <dgm:scene3d>
+      <a:camera prst="orthographicFront"/>
+      <a:lightRig rig="flat" dir="t"/>
+    </dgm:scene3d>
+    <dgm:sp3d prstMaterial="plastic">
+      <a:bevelT w="88900" h="88900"/>
+      <a:bevelB w="88900" h="31750" prst="angle"/>
+    </dgm:sp3d>
+    <dgm:txPr/>
+    <dgm:style>
+      <a:lnRef idx="0">
+        <a:scrgbClr r="0" g="0" b="0"/>
+      </a:lnRef>
+      <a:fillRef idx="3">
+        <a:scrgbClr r="0" g="0" b="0"/>
+      </a:fillRef>
+      <a:effectRef idx="2">
+        <a:scrgbClr r="0" g="0" b="0"/>
+      </a:effectRef>
+      <a:fontRef idx="minor"/>
+    </dgm:style>
+  </dgm:styleLbl>
+  <dgm:styleLbl name="bgImgPlace1">
+    <dgm:scene3d>
+      <a:camera prst="orthographicFront"/>
+      <a:lightRig rig="flat" dir="t"/>
+    </dgm:scene3d>
+    <dgm:sp3d z="-190500" prstMaterial="plastic">
+      <a:bevelT w="88900" h="88900"/>
+      <a:bevelB w="88900" h="31750" prst="angle"/>
+    </dgm:sp3d>
+    <dgm:txPr/>
+    <dgm:style>
+      <a:lnRef idx="0">
+        <a:scrgbClr r="0" g="0" b="0"/>
+      </a:lnRef>
+      <a:fillRef idx="3">
+        <a:scrgbClr r="0" g="0" b="0"/>
+      </a:fillRef>
+      <a:effectRef idx="2">
+        <a:scrgbClr r="0" g="0" b="0"/>
+      </a:effectRef>
+      <a:fontRef idx="minor"/>
+    </dgm:style>
+  </dgm:styleLbl>
+  <dgm:styleLbl name="sibTrans2D1">
+    <dgm:scene3d>
+      <a:camera prst="orthographicFront"/>
+      <a:lightRig rig="flat" dir="t"/>
+    </dgm:scene3d>
+    <dgm:sp3d z="-80000" prstMaterial="plastic">
+      <a:bevelT w="50800" h="50800"/>
+      <a:bevelB w="25400" h="25400" prst="angle"/>
+    </dgm:sp3d>
+    <dgm:txPr/>
+    <dgm:style>
+      <a:lnRef idx="0">
+        <a:scrgbClr r="0" g="0" b="0"/>
+      </a:lnRef>
+      <a:fillRef idx="3">
+        <a:scrgbClr r="0" g="0" b="0"/>
+      </a:fillRef>
+      <a:effectRef idx="2">
+        <a:scrgbClr r="0" g="0" b="0"/>
+      </a:effectRef>
+      <a:fontRef idx="minor">
+        <a:schemeClr val="lt1"/>
+      </a:fontRef>
+    </dgm:style>
+  </dgm:styleLbl>
+  <dgm:styleLbl name="fgSibTrans2D1">
+    <dgm:scene3d>
+      <a:camera prst="orthographicFront"/>
+      <a:lightRig rig="flat" dir="t"/>
+    </dgm:scene3d>
+    <dgm:sp3d z="127000" prstMaterial="plastic">
+      <a:bevelT w="50800" h="50800"/>
+      <a:bevelB w="25400" h="25400" prst="angle"/>
+    </dgm:sp3d>
+    <dgm:txPr/>
+    <dgm:style>
+      <a:lnRef idx="0">
+        <a:scrgbClr r="0" g="0" b="0"/>
+      </a:lnRef>
+      <a:fillRef idx="3">
+        <a:scrgbClr r="0" g="0" b="0"/>
+      </a:fillRef>
+      <a:effectRef idx="2">
+        <a:scrgbClr r="0" g="0" b="0"/>
+      </a:effectRef>
+      <a:fontRef idx="minor">
+        <a:schemeClr val="lt1"/>
+      </a:fontRef>
+    </dgm:style>
+  </dgm:styleLbl>
+  <dgm:styleLbl name="bgSibTrans2D1">
+    <dgm:scene3d>
+      <a:camera prst="orthographicFront"/>
+      <a:lightRig rig="flat" dir="t"/>
+    </dgm:scene3d>
+    <dgm:sp3d z="-190500" prstMaterial="plastic">
+      <a:bevelT w="50800" h="50800"/>
+      <a:bevelB w="25400" h="25400" prst="angle"/>
+    </dgm:sp3d>
+    <dgm:txPr/>
+    <dgm:style>
+      <a:lnRef idx="0">
+        <a:scrgbClr r="0" g="0" b="0"/>
+      </a:lnRef>
+      <a:fillRef idx="3">
+        <a:scrgbClr r="0" g="0" b="0"/>
+      </a:fillRef>
+      <a:effectRef idx="2">
+        <a:scrgbClr r="0" g="0" b="0"/>
+      </a:effectRef>
+      <a:fontRef idx="minor">
+        <a:schemeClr val="lt1"/>
+      </a:fontRef>
+    </dgm:style>
+  </dgm:styleLbl>
+  <dgm:styleLbl name="sibTrans1D1">
+    <dgm:scene3d>
+      <a:camera prst="orthographicFront"/>
+      <a:lightRig rig="flat" dir="t"/>
+    </dgm:scene3d>
+    <dgm:sp3d z="-40000" prstMaterial="matte"/>
+    <dgm:txPr/>
+    <dgm:style>
+      <a:lnRef idx="1">
+        <a:scrgbClr r="0" g="0" b="0"/>
+      </a:lnRef>
+      <a:fillRef idx="0">
+        <a:scrgbClr r="0" g="0" b="0"/>
+      </a:fillRef>
+      <a:effectRef idx="0">
+        <a:scrgbClr r="0" g="0" b="0"/>
+      </a:effectRef>
+      <a:fontRef idx="minor"/>
+    </dgm:style>
+  </dgm:styleLbl>
+  <dgm:styleLbl name="callout">
+    <dgm:scene3d>
+      <a:camera prst="orthographicFront"/>
+      <a:lightRig rig="threePt" dir="t"/>
+    </dgm:scene3d>
+    <dgm:sp3d z="127000" prstMaterial="matte"/>
+    <dgm:txPr/>
+    <dgm:style>
+      <a:lnRef idx="2">
+        <a:scrgbClr r="0" g="0" b="0"/>
+      </a:lnRef>
+      <a:fillRef idx="1">
+        <a:scrgbClr r="0" g="0" b="0"/>
+      </a:fillRef>
+      <a:effectRef idx="0">
+        <a:scrgbClr r="0" g="0" b="0"/>
+      </a:effectRef>
+      <a:fontRef idx="minor"/>
+    </dgm:style>
+  </dgm:styleLbl>
+  <dgm:styleLbl name="asst0">
+    <dgm:scene3d>
+      <a:camera prst="orthographicFront"/>
+      <a:lightRig rig="flat" dir="t"/>
+    </dgm:scene3d>
+    <dgm:sp3d prstMaterial="plastic">
+      <a:bevelT w="120900" h="88900"/>
+      <a:bevelB w="88900" h="31750" prst="angle"/>
+    </dgm:sp3d>
+    <dgm:txPr/>
+    <dgm:style>
+      <a:lnRef idx="0">
+        <a:scrgbClr r="0" g="0" b="0"/>
+      </a:lnRef>
+      <a:fillRef idx="3">
+        <a:scrgbClr r="0" g="0" b="0"/>
+      </a:fillRef>
+      <a:effectRef idx="1">
+        <a:scrgbClr r="0" g="0" b="0"/>
+      </a:effectRef>
+      <a:fontRef idx="minor">
+        <a:schemeClr val="lt1"/>
+      </a:fontRef>
+    </dgm:style>
+  </dgm:styleLbl>
+  <dgm:styleLbl name="asst1">
+    <dgm:scene3d>
+      <a:camera prst="orthographicFront"/>
+      <a:lightRig rig="flat" dir="t"/>
+    </dgm:scene3d>
+    <dgm:sp3d prstMaterial="plastic">
+      <a:bevelT w="120900" h="88900"/>
+      <a:bevelB w="88900" h="31750" prst="angle"/>
+    </dgm:sp3d>
+    <dgm:txPr/>
+    <dgm:style>
+      <a:lnRef idx="0">
+        <a:scrgbClr r="0" g="0" b="0"/>
+      </a:lnRef>
+      <a:fillRef idx="3">
+        <a:scrgbClr r="0" g="0" b="0"/>
+      </a:fillRef>
+      <a:effectRef idx="1">
+        <a:scrgbClr r="0" g="0" b="0"/>
+      </a:effectRef>
+      <a:fontRef idx="minor">
+        <a:schemeClr val="lt1"/>
+      </a:fontRef>
+    </dgm:style>
+  </dgm:styleLbl>
+  <dgm:styleLbl name="asst2">
+    <dgm:scene3d>
+      <a:camera prst="orthographicFront"/>
+      <a:lightRig rig="flat" dir="t"/>
+    </dgm:scene3d>
+    <dgm:sp3d prstMaterial="plastic">
+      <a:bevelT w="120900" h="88900"/>
+      <a:bevelB w="88900" h="31750" prst="angle"/>
+    </dgm:sp3d>
+    <dgm:txPr/>
+    <dgm:style>
+      <a:lnRef idx="0">
+        <a:scrgbClr r="0" g="0" b="0"/>
+      </a:lnRef>
+      <a:fillRef idx="3">
+        <a:scrgbClr r="0" g="0" b="0"/>
+      </a:fillRef>
+      <a:effectRef idx="1">
+        <a:scrgbClr r="0" g="0" b="0"/>
+      </a:effectRef>
+      <a:fontRef idx="minor">
+        <a:schemeClr val="lt1"/>
+      </a:fontRef>
+    </dgm:style>
+  </dgm:styleLbl>
+  <dgm:styleLbl name="asst3">
+    <dgm:scene3d>
+      <a:camera prst="orthographicFront"/>
+      <a:lightRig rig="flat" dir="t"/>
+    </dgm:scene3d>
+    <dgm:sp3d prstMaterial="plastic">
+      <a:bevelT w="120900" h="88900"/>
+      <a:bevelB w="88900" h="31750" prst="angle"/>
+    </dgm:sp3d>
+    <dgm:txPr/>
+    <dgm:style>
+      <a:lnRef idx="0">
+        <a:scrgbClr r="0" g="0" b="0"/>
+      </a:lnRef>
+      <a:fillRef idx="3">
+        <a:scrgbClr r="0" g="0" b="0"/>
+      </a:fillRef>
+      <a:effectRef idx="1">
+        <a:scrgbClr r="0" g="0" b="0"/>
+      </a:effectRef>
+      <a:fontRef idx="minor">
+        <a:schemeClr val="lt1"/>
+      </a:fontRef>
+    </dgm:style>
+  </dgm:styleLbl>
+  <dgm:styleLbl name="parChTrans2D1">
+    <dgm:scene3d>
+      <a:camera prst="orthographicFront"/>
+      <a:lightRig rig="flat" dir="t"/>
+    </dgm:scene3d>
+    <dgm:sp3d z="-100000" prstMaterial="plastic">
+      <a:bevelT w="120900" h="88900"/>
+      <a:bevelB w="88900" h="31750" prst="angle"/>
+    </dgm:sp3d>
+    <dgm:txPr/>
+    <dgm:style>
+      <a:lnRef idx="0">
+        <a:scrgbClr r="0" g="0" b="0"/>
+      </a:lnRef>
+      <a:fillRef idx="3">
+        <a:scrgbClr r="0" g="0" b="0"/>
+      </a:fillRef>
+      <a:effectRef idx="1">
+        <a:scrgbClr r="0" g="0" b="0"/>
+      </a:effectRef>
+      <a:fontRef idx="minor">
+        <a:schemeClr val="lt1"/>
+      </a:fontRef>
+    </dgm:style>
+  </dgm:styleLbl>
+  <dgm:styleLbl name="parChTrans2D2">
+    <dgm:scene3d>
+      <a:camera prst="orthographicFront"/>
+      <a:lightRig rig="flat" dir="t"/>
+    </dgm:scene3d>
+    <dgm:sp3d z="-60000" prstMaterial="plastic">
+      <a:bevelT w="120900" h="88900"/>
+      <a:bevelB w="88900" h="31750" prst="angle"/>
+    </dgm:sp3d>
+    <dgm:txPr/>
+    <dgm:style>
+      <a:lnRef idx="0">
+        <a:scrgbClr r="0" g="0" b="0"/>
+      </a:lnRef>
+      <a:fillRef idx="3">
+        <a:scrgbClr r="0" g="0" b="0"/>
+      </a:fillRef>
+      <a:effectRef idx="1">
+        <a:scrgbClr r="0" g="0" b="0"/>
+      </a:effectRef>
+      <a:fontRef idx="minor">
+        <a:schemeClr val="lt1"/>
+      </a:fontRef>
+    </dgm:style>
+  </dgm:styleLbl>
+  <dgm:styleLbl name="parChTrans2D3">
+    <dgm:scene3d>
+      <a:camera prst="orthographicFront"/>
+      <a:lightRig rig="flat" dir="t"/>
+    </dgm:scene3d>
+    <dgm:sp3d z="-60000" prstMaterial="plastic">
+      <a:bevelT w="120900" h="88900"/>
+      <a:bevelB w="88900" h="31750" prst="angle"/>
+    </dgm:sp3d>
+    <dgm:txPr/>
+    <dgm:style>
+      <a:lnRef idx="0">
+        <a:scrgbClr r="0" g="0" b="0"/>
+      </a:lnRef>
+      <a:fillRef idx="3">
+        <a:scrgbClr r="0" g="0" b="0"/>
+      </a:fillRef>
+      <a:effectRef idx="1">
+        <a:scrgbClr r="0" g="0" b="0"/>
+      </a:effectRef>
+      <a:fontRef idx="minor">
+        <a:schemeClr val="lt1"/>
+      </a:fontRef>
+    </dgm:style>
+  </dgm:styleLbl>
+  <dgm:styleLbl name="parChTrans2D4">
+    <dgm:scene3d>
+      <a:camera prst="orthographicFront"/>
+      <a:lightRig rig="flat" dir="t"/>
+    </dgm:scene3d>
+    <dgm:sp3d z="-60000" prstMaterial="plastic">
+      <a:bevelT w="120900" h="88900"/>
+      <a:bevelB w="88900" h="31750" prst="angle"/>
+    </dgm:sp3d>
+    <dgm:txPr/>
+    <dgm:style>
+      <a:lnRef idx="0">
+        <a:scrgbClr r="0" g="0" b="0"/>
+      </a:lnRef>
+      <a:fillRef idx="3">
+        <a:scrgbClr r="0" g="0" b="0"/>
+      </a:fillRef>
+      <a:effectRef idx="1">
+        <a:scrgbClr r="0" g="0" b="0"/>
+      </a:effectRef>
+      <a:fontRef idx="minor">
+        <a:schemeClr val="lt1"/>
+      </a:fontRef>
+    </dgm:style>
+  </dgm:styleLbl>
+  <dgm:styleLbl name="parChTrans1D1">
+    <dgm:scene3d>
+      <a:camera prst="orthographicFront"/>
+      <a:lightRig rig="flat" dir="t"/>
+    </dgm:scene3d>
+    <dgm:sp3d prstMaterial="matte"/>
+    <dgm:txPr/>
+    <dgm:style>
+      <a:lnRef idx="2">
+        <a:scrgbClr r="0" g="0" b="0"/>
+      </a:lnRef>
+      <a:fillRef idx="0">
+        <a:scrgbClr r="0" g="0" b="0"/>
+      </a:fillRef>
+      <a:effectRef idx="0">
+        <a:scrgbClr r="0" g="0" b="0"/>
+      </a:effectRef>
+      <a:fontRef idx="minor"/>
+    </dgm:style>
+  </dgm:styleLbl>
+  <dgm:styleLbl name="parChTrans1D2">
+    <dgm:scene3d>
+      <a:camera prst="orthographicFront"/>
+      <a:lightRig rig="flat" dir="t"/>
+    </dgm:scene3d>
+    <dgm:sp3d prstMaterial="matte"/>
+    <dgm:txPr/>
+    <dgm:style>
+      <a:lnRef idx="2">
+        <a:scrgbClr r="0" g="0" b="0"/>
+      </a:lnRef>
+      <a:fillRef idx="0">
+        <a:scrgbClr r="0" g="0" b="0"/>
+      </a:fillRef>
+      <a:effectRef idx="0">
+        <a:scrgbClr r="0" g="0" b="0"/>
+      </a:effectRef>
+      <a:fontRef idx="minor"/>
+    </dgm:style>
+  </dgm:styleLbl>
+  <dgm:styleLbl name="parChTrans1D3">
+    <dgm:scene3d>
+      <a:camera prst="orthographicFront"/>
+      <a:lightRig rig="flat" dir="t"/>
+    </dgm:scene3d>
+    <dgm:sp3d prstMaterial="matte"/>
+    <dgm:txPr/>
+    <dgm:style>
+      <a:lnRef idx="2">
+        <a:scrgbClr r="0" g="0" b="0"/>
+      </a:lnRef>
+      <a:fillRef idx="0">
+        <a:scrgbClr r="0" g="0" b="0"/>
+      </a:fillRef>
+      <a:effectRef idx="0">
+        <a:scrgbClr r="0" g="0" b="0"/>
+      </a:effectRef>
+      <a:fontRef idx="minor"/>
+    </dgm:style>
+  </dgm:styleLbl>
+  <dgm:styleLbl name="parChTrans1D4">
+    <dgm:scene3d>
+      <a:camera prst="orthographicFront"/>
+      <a:lightRig rig="flat" dir="t"/>
+    </dgm:scene3d>
+    <dgm:sp3d prstMaterial="matte"/>
+    <dgm:txPr/>
+    <dgm:style>
+      <a:lnRef idx="2">
+        <a:scrgbClr r="0" g="0" b="0"/>
+      </a:lnRef>
+      <a:fillRef idx="0">
+        <a:scrgbClr r="0" g="0" b="0"/>
+      </a:fillRef>
+      <a:effectRef idx="0">
+        <a:scrgbClr r="0" g="0" b="0"/>
+      </a:effectRef>
+      <a:fontRef idx="minor"/>
+    </dgm:style>
+  </dgm:styleLbl>
+  <dgm:styleLbl name="fgAcc1">
+    <dgm:scene3d>
+      <a:camera prst="orthographicFront"/>
+      <a:lightRig rig="flat" dir="t"/>
+    </dgm:scene3d>
+    <dgm:sp3d z="190500" extrusionH="12700" prstMaterial="plastic">
+      <a:bevelT w="50800" h="50800"/>
+    </dgm:sp3d>
+    <dgm:txPr/>
+    <dgm:style>
+      <a:lnRef idx="1">
+        <a:scrgbClr r="0" g="0" b="0"/>
+      </a:lnRef>
+      <a:fillRef idx="1">
+        <a:scrgbClr r="0" g="0" b="0"/>
+      </a:fillRef>
+      <a:effectRef idx="2">
+        <a:scrgbClr r="0" g="0" b="0"/>
+      </a:effectRef>
+      <a:fontRef idx="minor"/>
+    </dgm:style>
+  </dgm:styleLbl>
+  <dgm:styleLbl name="conFgAcc1">
+    <dgm:scene3d>
+      <a:camera prst="orthographicFront"/>
+      <a:lightRig rig="flat" dir="t"/>
+    </dgm:scene3d>
+    <dgm:sp3d z="190500" extrusionH="12700" prstMaterial="plastic">
+      <a:bevelT w="50800" h="50800"/>
+    </dgm:sp3d>
+    <dgm:txPr/>
+    <dgm:style>
+      <a:lnRef idx="1">
+        <a:scrgbClr r="0" g="0" b="0"/>
+      </a:lnRef>
+      <a:fillRef idx="1">
+        <a:scrgbClr r="0" g="0" b="0"/>
+      </a:fillRef>
+      <a:effectRef idx="2">
+        <a:scrgbClr r="0" g="0" b="0"/>
+      </a:effectRef>
+      <a:fontRef idx="minor"/>
+    </dgm:style>
+  </dgm:styleLbl>
+  <dgm:styleLbl name="alignAcc1">
+    <dgm:scene3d>
+      <a:camera prst="orthographicFront"/>
+      <a:lightRig rig="flat" dir="t"/>
+    </dgm:scene3d>
+    <dgm:sp3d extrusionH="12700" prstMaterial="plastic">
+      <a:bevelT w="50800" h="50800"/>
+    </dgm:sp3d>
+    <dgm:txPr/>
+    <dgm:style>
+      <a:lnRef idx="1">
+        <a:scrgbClr r="0" g="0" b="0"/>
+      </a:lnRef>
+      <a:fillRef idx="1">
+        <a:scrgbClr r="0" g="0" b="0"/>
+      </a:fillRef>
+      <a:effectRef idx="2">
+        <a:scrgbClr r="0" g="0" b="0"/>
+      </a:effectRef>
+      <a:fontRef idx="minor"/>
+    </dgm:style>
+  </dgm:styleLbl>
+  <dgm:styleLbl name="trAlignAcc1">
+    <dgm:scene3d>
+      <a:camera prst="orthographicFront"/>
+      <a:lightRig rig="flat" dir="t"/>
+    </dgm:scene3d>
+    <dgm:sp3d extrusionH="12700" prstMaterial="plastic">
+      <a:bevelT w="50800" h="50800"/>
+    </dgm:sp3d>
+    <dgm:txPr/>
+    <dgm:style>
+      <a:lnRef idx="1">
+        <a:scrgbClr r="0" g="0" b="0"/>
+      </a:lnRef>
+      <a:fillRef idx="1">
+        <a:scrgbClr r="0" g="0" b="0"/>
+      </a:fillRef>
+      <a:effectRef idx="2">
+        <a:scrgbClr r="0" g="0" b="0"/>
+      </a:effectRef>
+      <a:fontRef idx="minor"/>
+    </dgm:style>
+  </dgm:styleLbl>
+  <dgm:styleLbl name="bgAcc1">
+    <dgm:scene3d>
+      <a:camera prst="orthographicFront"/>
+      <a:lightRig rig="flat" dir="t"/>
+    </dgm:scene3d>
+    <dgm:sp3d z="-190500" extrusionH="12700" prstMaterial="plastic">
+      <a:bevelT w="50800" h="50800"/>
+    </dgm:sp3d>
+    <dgm:txPr/>
+    <dgm:style>
+      <a:lnRef idx="1">
+        <a:scrgbClr r="0" g="0" b="0"/>
+      </a:lnRef>
+      <a:fillRef idx="1">
+        <a:scrgbClr r="0" g="0" b="0"/>
+      </a:fillRef>
+      <a:effectRef idx="2">
+        <a:scrgbClr r="0" g="0" b="0"/>
+      </a:effectRef>
+      <a:fontRef idx="minor"/>
+    </dgm:style>
+  </dgm:styleLbl>
+  <dgm:styleLbl name="solidFgAcc1">
+    <dgm:scene3d>
+      <a:camera prst="orthographicFront"/>
+      <a:lightRig rig="flat" dir="t"/>
+    </dgm:scene3d>
+    <dgm:sp3d z="190500" extrusionH="12700" prstMaterial="plastic">
+      <a:bevelT w="50800" h="50800"/>
+    </dgm:sp3d>
+    <dgm:txPr/>
+    <dgm:style>
+      <a:lnRef idx="1">
+        <a:scrgbClr r="0" g="0" b="0"/>
+      </a:lnRef>
+      <a:fillRef idx="1">
+        <a:scrgbClr r="0" g="0" b="0"/>
+      </a:fillRef>
+      <a:effectRef idx="2">
+        <a:scrgbClr r="0" g="0" b="0"/>
+      </a:effectRef>
+      <a:fontRef idx="minor"/>
+    </dgm:style>
+  </dgm:styleLbl>
+  <dgm:styleLbl name="solidAlignAcc1">
+    <dgm:scene3d>
+      <a:camera prst="orthographicFront"/>
+      <a:lightRig rig="flat" dir="t"/>
+    </dgm:scene3d>
+    <dgm:sp3d extrusionH="12700" prstMaterial="plastic">
+      <a:bevelT w="50800" h="50800"/>
+    </dgm:sp3d>
+    <dgm:txPr/>
+    <dgm:style>
+      <a:lnRef idx="1">
+        <a:scrgbClr r="0" g="0" b="0"/>
+      </a:lnRef>
+      <a:fillRef idx="1">
+        <a:scrgbClr r="0" g="0" b="0"/>
+      </a:fillRef>
+      <a:effectRef idx="2">
+        <a:scrgbClr r="0" g="0" b="0"/>
+      </a:effectRef>
+      <a:fontRef idx="minor"/>
+    </dgm:style>
+  </dgm:styleLbl>
+  <dgm:styleLbl name="solidBgAcc1">
+    <dgm:scene3d>
+      <a:camera prst="orthographicFront"/>
+      <a:lightRig rig="flat" dir="t"/>
+    </dgm:scene3d>
+    <dgm:sp3d z="-190500" extrusionH="12700" prstMaterial="plastic">
+      <a:bevelT w="50800" h="50800"/>
+    </dgm:sp3d>
+    <dgm:txPr/>
+    <dgm:style>
+      <a:lnRef idx="1">
+        <a:scrgbClr r="0" g="0" b="0"/>
+      </a:lnRef>
+      <a:fillRef idx="1">
+        <a:scrgbClr r="0" g="0" b="0"/>
+      </a:fillRef>
+      <a:effectRef idx="2">
+        <a:scrgbClr r="0" g="0" b="0"/>
+      </a:effectRef>
+      <a:fontRef idx="minor"/>
+    </dgm:style>
+  </dgm:styleLbl>
+  <dgm:styleLbl name="fgAccFollowNode1">
+    <dgm:scene3d>
+      <a:camera prst="orthographicFront"/>
+      <a:lightRig rig="flat" dir="t"/>
+    </dgm:scene3d>
+    <dgm:sp3d z="190500" extrusionH="12700" prstMaterial="plastic">
+      <a:bevelT w="50800" h="50800"/>
+    </dgm:sp3d>
+    <dgm:txPr/>
+    <dgm:style>
+      <a:lnRef idx="1">
+        <a:scrgbClr r="0" g="0" b="0"/>
+      </a:lnRef>
+      <a:fillRef idx="1">
+        <a:scrgbClr r="0" g="0" b="0"/>
+      </a:fillRef>
+      <a:effectRef idx="2">
+        <a:scrgbClr r="0" g="0" b="0"/>
+      </a:effectRef>
+      <a:fontRef idx="minor"/>
+    </dgm:style>
+  </dgm:styleLbl>
+  <dgm:styleLbl name="alignAccFollowNode1">
+    <dgm:scene3d>
+      <a:camera prst="orthographicFront"/>
+      <a:lightRig rig="flat" dir="t"/>
+    </dgm:scene3d>
+    <dgm:sp3d extrusionH="12700" prstMaterial="plastic">
+      <a:bevelT w="50800" h="50800"/>
+    </dgm:sp3d>
+    <dgm:txPr/>
+    <dgm:style>
+      <a:lnRef idx="1">
+        <a:scrgbClr r="0" g="0" b="0"/>
+      </a:lnRef>
+      <a:fillRef idx="1">
+        <a:scrgbClr r="0" g="0" b="0"/>
+      </a:fillRef>
+      <a:effectRef idx="2">
+        <a:scrgbClr r="0" g="0" b="0"/>
+      </a:effectRef>
+      <a:fontRef idx="minor"/>
+    </dgm:style>
+  </dgm:styleLbl>
+  <dgm:styleLbl name="bgAccFollowNode1">
+    <dgm:scene3d>
+      <a:camera prst="orthographicFront"/>
+      <a:lightRig rig="flat" dir="t"/>
+    </dgm:scene3d>
+    <dgm:sp3d z="-190500" extrusionH="12700" prstMaterial="plastic">
+      <a:bevelT w="50800" h="50800"/>
+    </dgm:sp3d>
+    <dgm:txPr/>
+    <dgm:style>
+      <a:lnRef idx="1">
+        <a:scrgbClr r="0" g="0" b="0"/>
+      </a:lnRef>
+      <a:fillRef idx="1">
+        <a:scrgbClr r="0" g="0" b="0"/>
+      </a:fillRef>
+      <a:effectRef idx="2">
+        <a:scrgbClr r="0" g="0" b="0"/>
+      </a:effectRef>
+      <a:fontRef idx="minor"/>
+    </dgm:style>
+  </dgm:styleLbl>
+  <dgm:styleLbl name="fgAcc0">
+    <dgm:scene3d>
+      <a:camera prst="orthographicFront"/>
+      <a:lightRig rig="flat" dir="t"/>
+    </dgm:scene3d>
+    <dgm:sp3d z="190500" extrusionH="12700" prstMaterial="plastic">
+      <a:bevelT w="50800" h="50800"/>
+    </dgm:sp3d>
+    <dgm:txPr/>
+    <dgm:style>
+      <a:lnRef idx="1">
+        <a:scrgbClr r="0" g="0" b="0"/>
+      </a:lnRef>
+      <a:fillRef idx="1">
+        <a:scrgbClr r="0" g="0" b="0"/>
+      </a:fillRef>
+      <a:effectRef idx="2">
+        <a:scrgbClr r="0" g="0" b="0"/>
+      </a:effectRef>
+      <a:fontRef idx="minor"/>
+    </dgm:style>
+  </dgm:styleLbl>
+  <dgm:styleLbl name="fgAcc2">
+    <dgm:scene3d>
+      <a:camera prst="orthographicFront"/>
+      <a:lightRig rig="flat" dir="t"/>
+    </dgm:scene3d>
+    <dgm:sp3d z="190500" extrusionH="12700" prstMaterial="plastic">
+      <a:bevelT w="50800" h="50800"/>
+    </dgm:sp3d>
+    <dgm:txPr/>
+    <dgm:style>
+      <a:lnRef idx="1">
+        <a:scrgbClr r="0" g="0" b="0"/>
+      </a:lnRef>
+      <a:fillRef idx="1">
+        <a:scrgbClr r="0" g="0" b="0"/>
+      </a:fillRef>
+      <a:effectRef idx="2">
+        <a:scrgbClr r="0" g="0" b="0"/>
+      </a:effectRef>
+      <a:fontRef idx="minor"/>
+    </dgm:style>
+  </dgm:styleLbl>
+  <dgm:styleLbl name="fgAcc3">
+    <dgm:scene3d>
+      <a:camera prst="orthographicFront"/>
+      <a:lightRig rig="flat" dir="t"/>
+    </dgm:scene3d>
+    <dgm:sp3d z="190500" extrusionH="12700" prstMaterial="plastic">
+      <a:bevelT w="50800" h="50800"/>
+    </dgm:sp3d>
+    <dgm:txPr/>
+    <dgm:style>
+      <a:lnRef idx="1">
+        <a:scrgbClr r="0" g="0" b="0"/>
+      </a:lnRef>
+      <a:fillRef idx="1">
+        <a:scrgbClr r="0" g="0" b="0"/>
+      </a:fillRef>
+      <a:effectRef idx="2">
+        <a:scrgbClr r="0" g="0" b="0"/>
+      </a:effectRef>
+      <a:fontRef idx="minor"/>
+    </dgm:style>
+  </dgm:styleLbl>
+  <dgm:styleLbl name="fgAcc4">
+    <dgm:scene3d>
+      <a:camera prst="orthographicFront"/>
+      <a:lightRig rig="flat" dir="t"/>
+    </dgm:scene3d>
+    <dgm:sp3d z="190500" extrusionH="12700" prstMaterial="plastic">
+      <a:bevelT w="50800" h="50800"/>
+    </dgm:sp3d>
+    <dgm:txPr/>
+    <dgm:style>
+      <a:lnRef idx="1">
+        <a:scrgbClr r="0" g="0" b="0"/>
+      </a:lnRef>
+      <a:fillRef idx="1">
+        <a:scrgbClr r="0" g="0" b="0"/>
+      </a:fillRef>
+      <a:effectRef idx="2">
+        <a:scrgbClr r="0" g="0" b="0"/>
+      </a:effectRef>
+      <a:fontRef idx="minor"/>
+    </dgm:style>
+  </dgm:styleLbl>
+  <dgm:styleLbl name="bgShp">
+    <dgm:scene3d>
+      <a:camera prst="orthographicFront"/>
+      <a:lightRig rig="flat" dir="t"/>
+    </dgm:scene3d>
+    <dgm:sp3d z="-190500" extrusionH="12700" prstMaterial="plastic">
+      <a:bevelT w="50800" h="50800"/>
+    </dgm:sp3d>
+    <dgm:txPr/>
+    <dgm:style>
+      <a:lnRef idx="0">
+        <a:scrgbClr r="0" g="0" b="0"/>
+      </a:lnRef>
+      <a:fillRef idx="3">
+        <a:scrgbClr r="0" g="0" b="0"/>
+      </a:fillRef>
+      <a:effectRef idx="0">
+        <a:scrgbClr r="0" g="0" b="0"/>
+      </a:effectRef>
+      <a:fontRef idx="minor"/>
+    </dgm:style>
+  </dgm:styleLbl>
+  <dgm:styleLbl name="dkBgShp">
+    <dgm:scene3d>
+      <a:camera prst="orthographicFront"/>
+      <a:lightRig rig="flat" dir="t"/>
+    </dgm:scene3d>
+    <dgm:sp3d z="-190500" extrusionH="12700" prstMaterial="plastic">
+      <a:bevelT w="50800" h="50800"/>
+    </dgm:sp3d>
+    <dgm:txPr/>
+    <dgm:style>
+      <a:lnRef idx="0">
+        <a:scrgbClr r="0" g="0" b="0"/>
+      </a:lnRef>
+      <a:fillRef idx="2">
+        <a:scrgbClr r="0" g="0" b="0"/>
+      </a:fillRef>
+      <a:effectRef idx="0">
+        <a:scrgbClr r="0" g="0" b="0"/>
+      </a:effectRef>
+      <a:fontRef idx="minor"/>
+    </dgm:style>
+  </dgm:styleLbl>
+  <dgm:styleLbl name="trBgShp">
+    <dgm:scene3d>
+      <a:camera prst="orthographicFront"/>
+      <a:lightRig rig="flat" dir="t"/>
+    </dgm:scene3d>
+    <dgm:sp3d z="-190500" extrusionH="12700" prstMaterial="matte"/>
+    <dgm:txPr/>
+    <dgm:style>
+      <a:lnRef idx="0">
+        <a:scrgbClr r="0" g="0" b="0"/>
+      </a:lnRef>
+      <a:fillRef idx="1">
+        <a:scrgbClr r="0" g="0" b="0"/>
+      </a:fillRef>
+      <a:effectRef idx="0">
+        <a:scrgbClr r="0" g="0" b="0"/>
+      </a:effectRef>
+      <a:fontRef idx="minor"/>
+    </dgm:style>
+  </dgm:styleLbl>
+  <dgm:styleLbl name="fgShp">
+    <dgm:scene3d>
+      <a:camera prst="orthographicFront"/>
+      <a:lightRig rig="flat" dir="t"/>
+    </dgm:scene3d>
+    <dgm:sp3d z="190500" prstMaterial="plastic">
+      <a:bevelT w="120900" h="88900"/>
+      <a:bevelB w="88900" h="31750" prst="angle"/>
+    </dgm:sp3d>
+    <dgm:txPr/>
+    <dgm:style>
+      <a:lnRef idx="0">
+        <a:scrgbClr r="0" g="0" b="0"/>
+      </a:lnRef>
+      <a:fillRef idx="1">
+        <a:scrgbClr r="0" g="0" b="0"/>
+      </a:fillRef>
+      <a:effectRef idx="3">
+        <a:scrgbClr r="0" g="0" b="0"/>
+      </a:effectRef>
+      <a:fontRef idx="minor">
+        <a:schemeClr val="lt1"/>
+      </a:fontRef>
+    </dgm:style>
+  </dgm:styleLbl>
+  <dgm:styleLbl name="revTx">
+    <dgm:scene3d>
+      <a:camera prst="orthographicFront"/>
+      <a:lightRig rig="threePt" dir="t"/>
+    </dgm:scene3d>
+    <dgm:sp3d/>
+    <dgm:txPr/>
+    <dgm:style>
+      <a:lnRef idx="0">
+        <a:scrgbClr r="0" g="0" b="0"/>
+      </a:lnRef>
+      <a:fillRef idx="0">
+        <a:scrgbClr r="0" g="0" b="0"/>
+      </a:fillRef>
+      <a:effectRef idx="0">
+        <a:scrgbClr r="0" g="0" b="0"/>
+      </a:effectRef>
+      <a:fontRef idx="minor"/>
+    </dgm:style>
+  </dgm:styleLbl>
+</dgm:styleDef>
+</file>
+
 <file path=ppt/slideLayouts/slideLayout1.xml><?xml version="1.0" encoding="utf-8"?>
 <p:sldLayout xmlns:a="http://schemas.openxmlformats.org/drawingml/2006/main" xmlns:r="http://schemas.openxmlformats.org/officeDocument/2006/relationships" xmlns:p="http://schemas.openxmlformats.org/presentationml/2006/main" showMasterSp="0" type="title" preserve="1">
   <p:cSld name="標題投影片">
@@ -326,7 +4672,7 @@
           <a:noFill/>
           <a:extLst>
             <a:ext uri="{909E8E84-426E-40dd-AFC4-6F175D3DCCD1}">
-              <a14:hiddenFill xmlns="" xmlns:a14="http://schemas.microsoft.com/office/drawing/2010/main">
+              <a14:hiddenFill xmlns:a14="http://schemas.microsoft.com/office/drawing/2010/main" xmlns="">
                 <a:solidFill>
                   <a:srgbClr val="FFFFFF"/>
                 </a:solidFill>
@@ -385,7 +4731,7 @@
             </a:ln>
             <a:extLst>
               <a:ext uri="{91240B29-F687-4f45-9708-019B960494DF}">
-                <a14:hiddenLine xmlns="" xmlns:a14="http://schemas.microsoft.com/office/drawing/2010/main" w="9525">
+                <a14:hiddenLine xmlns:a14="http://schemas.microsoft.com/office/drawing/2010/main" xmlns="" w="9525">
                   <a:solidFill>
                     <a:srgbClr val="000000"/>
                   </a:solidFill>
@@ -475,7 +4821,7 @@
             </a:ln>
             <a:extLst>
               <a:ext uri="{91240B29-F687-4f45-9708-019B960494DF}">
-                <a14:hiddenLine xmlns="" xmlns:a14="http://schemas.microsoft.com/office/drawing/2010/main" w="9525">
+                <a14:hiddenLine xmlns:a14="http://schemas.microsoft.com/office/drawing/2010/main" xmlns="" w="9525">
                   <a:solidFill>
                     <a:srgbClr val="000000"/>
                   </a:solidFill>
@@ -565,7 +4911,7 @@
             </a:ln>
             <a:extLst>
               <a:ext uri="{91240B29-F687-4f45-9708-019B960494DF}">
-                <a14:hiddenLine xmlns="" xmlns:a14="http://schemas.microsoft.com/office/drawing/2010/main" w="9525">
+                <a14:hiddenLine xmlns:a14="http://schemas.microsoft.com/office/drawing/2010/main" xmlns="" w="9525">
                   <a:solidFill>
                     <a:srgbClr val="000000"/>
                   </a:solidFill>
@@ -599,7 +4945,7 @@
             </a:ln>
             <a:extLst>
               <a:ext uri="{91240B29-F687-4f45-9708-019B960494DF}">
-                <a14:hiddenLine xmlns="" xmlns:a14="http://schemas.microsoft.com/office/drawing/2010/main" w="9525">
+                <a14:hiddenLine xmlns:a14="http://schemas.microsoft.com/office/drawing/2010/main" xmlns="" w="9525">
                   <a:solidFill>
                     <a:srgbClr val="000000"/>
                   </a:solidFill>
@@ -689,7 +5035,7 @@
             </a:ln>
             <a:extLst>
               <a:ext uri="{91240B29-F687-4f45-9708-019B960494DF}">
-                <a14:hiddenLine xmlns="" xmlns:a14="http://schemas.microsoft.com/office/drawing/2010/main" w="9525">
+                <a14:hiddenLine xmlns:a14="http://schemas.microsoft.com/office/drawing/2010/main" xmlns="" w="9525">
                   <a:solidFill>
                     <a:srgbClr val="000000"/>
                   </a:solidFill>
@@ -751,7 +5097,7 @@
             </a:ln>
             <a:extLst>
               <a:ext uri="{91240B29-F687-4f45-9708-019B960494DF}">
-                <a14:hiddenLine xmlns="" xmlns:a14="http://schemas.microsoft.com/office/drawing/2010/main" w="9525">
+                <a14:hiddenLine xmlns:a14="http://schemas.microsoft.com/office/drawing/2010/main" xmlns="" w="9525">
                   <a:solidFill>
                     <a:srgbClr val="000000"/>
                   </a:solidFill>
@@ -813,7 +5159,7 @@
             </a:ln>
             <a:extLst>
               <a:ext uri="{91240B29-F687-4f45-9708-019B960494DF}">
-                <a14:hiddenLine xmlns="" xmlns:a14="http://schemas.microsoft.com/office/drawing/2010/main" w="9525">
+                <a14:hiddenLine xmlns:a14="http://schemas.microsoft.com/office/drawing/2010/main" xmlns="" w="9525">
                   <a:solidFill>
                     <a:srgbClr val="000000"/>
                   </a:solidFill>
@@ -903,7 +5249,7 @@
             </a:ln>
             <a:extLst>
               <a:ext uri="{91240B29-F687-4f45-9708-019B960494DF}">
-                <a14:hiddenLine xmlns="" xmlns:a14="http://schemas.microsoft.com/office/drawing/2010/main" w="9525">
+                <a14:hiddenLine xmlns:a14="http://schemas.microsoft.com/office/drawing/2010/main" xmlns="" w="9525">
                   <a:solidFill>
                     <a:srgbClr val="000000"/>
                   </a:solidFill>
@@ -965,7 +5311,7 @@
             </a:ln>
             <a:extLst>
               <a:ext uri="{91240B29-F687-4f45-9708-019B960494DF}">
-                <a14:hiddenLine xmlns="" xmlns:a14="http://schemas.microsoft.com/office/drawing/2010/main" w="9525">
+                <a14:hiddenLine xmlns:a14="http://schemas.microsoft.com/office/drawing/2010/main" xmlns="" w="9525">
                   <a:solidFill>
                     <a:srgbClr val="000000"/>
                   </a:solidFill>
@@ -1027,7 +5373,7 @@
             </a:ln>
             <a:extLst>
               <a:ext uri="{91240B29-F687-4f45-9708-019B960494DF}">
-                <a14:hiddenLine xmlns="" xmlns:a14="http://schemas.microsoft.com/office/drawing/2010/main" w="9525">
+                <a14:hiddenLine xmlns:a14="http://schemas.microsoft.com/office/drawing/2010/main" xmlns="" w="9525">
                   <a:solidFill>
                     <a:srgbClr val="000000"/>
                   </a:solidFill>
@@ -1117,7 +5463,7 @@
             </a:ln>
             <a:extLst>
               <a:ext uri="{91240B29-F687-4f45-9708-019B960494DF}">
-                <a14:hiddenLine xmlns="" xmlns:a14="http://schemas.microsoft.com/office/drawing/2010/main" w="9525">
+                <a14:hiddenLine xmlns:a14="http://schemas.microsoft.com/office/drawing/2010/main" xmlns="" w="9525">
                   <a:solidFill>
                     <a:srgbClr val="000000"/>
                   </a:solidFill>
@@ -1207,7 +5553,7 @@
             </a:ln>
             <a:extLst>
               <a:ext uri="{91240B29-F687-4f45-9708-019B960494DF}">
-                <a14:hiddenLine xmlns="" xmlns:a14="http://schemas.microsoft.com/office/drawing/2010/main" w="9525">
+                <a14:hiddenLine xmlns:a14="http://schemas.microsoft.com/office/drawing/2010/main" xmlns="" w="9525">
                   <a:solidFill>
                     <a:srgbClr val="000000"/>
                   </a:solidFill>
@@ -1269,7 +5615,7 @@
             </a:ln>
             <a:extLst>
               <a:ext uri="{91240B29-F687-4f45-9708-019B960494DF}">
-                <a14:hiddenLine xmlns="" xmlns:a14="http://schemas.microsoft.com/office/drawing/2010/main" w="9525">
+                <a14:hiddenLine xmlns:a14="http://schemas.microsoft.com/office/drawing/2010/main" xmlns="" w="9525">
                   <a:solidFill>
                     <a:srgbClr val="000000"/>
                   </a:solidFill>
@@ -1379,7 +5725,7 @@
             </a:ln>
             <a:extLst>
               <a:ext uri="{91240B29-F687-4f45-9708-019B960494DF}">
-                <a14:hiddenLine xmlns="" xmlns:a14="http://schemas.microsoft.com/office/drawing/2010/main" w="9525">
+                <a14:hiddenLine xmlns:a14="http://schemas.microsoft.com/office/drawing/2010/main" xmlns="" w="9525">
                   <a:solidFill>
                     <a:srgbClr val="000000"/>
                   </a:solidFill>
@@ -1441,7 +5787,7 @@
             </a:ln>
             <a:extLst>
               <a:ext uri="{91240B29-F687-4f45-9708-019B960494DF}">
-                <a14:hiddenLine xmlns="" xmlns:a14="http://schemas.microsoft.com/office/drawing/2010/main" w="9525">
+                <a14:hiddenLine xmlns:a14="http://schemas.microsoft.com/office/drawing/2010/main" xmlns="" w="9525">
                   <a:solidFill>
                     <a:srgbClr val="000000"/>
                   </a:solidFill>
@@ -1531,7 +5877,7 @@
             </a:ln>
             <a:extLst>
               <a:ext uri="{91240B29-F687-4f45-9708-019B960494DF}">
-                <a14:hiddenLine xmlns="" xmlns:a14="http://schemas.microsoft.com/office/drawing/2010/main" w="9525">
+                <a14:hiddenLine xmlns:a14="http://schemas.microsoft.com/office/drawing/2010/main" xmlns="" w="9525">
                   <a:solidFill>
                     <a:srgbClr val="000000"/>
                   </a:solidFill>
@@ -1621,7 +5967,7 @@
             </a:ln>
             <a:extLst>
               <a:ext uri="{91240B29-F687-4f45-9708-019B960494DF}">
-                <a14:hiddenLine xmlns="" xmlns:a14="http://schemas.microsoft.com/office/drawing/2010/main" w="9525">
+                <a14:hiddenLine xmlns:a14="http://schemas.microsoft.com/office/drawing/2010/main" xmlns="" w="9525">
                   <a:solidFill>
                     <a:srgbClr val="000000"/>
                   </a:solidFill>
@@ -1683,7 +6029,7 @@
             </a:ln>
             <a:extLst>
               <a:ext uri="{91240B29-F687-4f45-9708-019B960494DF}">
-                <a14:hiddenLine xmlns="" xmlns:a14="http://schemas.microsoft.com/office/drawing/2010/main" w="9525">
+                <a14:hiddenLine xmlns:a14="http://schemas.microsoft.com/office/drawing/2010/main" xmlns="" w="9525">
                   <a:solidFill>
                     <a:srgbClr val="000000"/>
                   </a:solidFill>
@@ -1773,7 +6119,7 @@
             </a:ln>
             <a:extLst>
               <a:ext uri="{91240B29-F687-4f45-9708-019B960494DF}">
-                <a14:hiddenLine xmlns="" xmlns:a14="http://schemas.microsoft.com/office/drawing/2010/main" w="9525">
+                <a14:hiddenLine xmlns:a14="http://schemas.microsoft.com/office/drawing/2010/main" xmlns="" w="9525">
                   <a:solidFill>
                     <a:srgbClr val="000000"/>
                   </a:solidFill>
@@ -1863,7 +6209,7 @@
             </a:ln>
             <a:extLst>
               <a:ext uri="{91240B29-F687-4f45-9708-019B960494DF}">
-                <a14:hiddenLine xmlns="" xmlns:a14="http://schemas.microsoft.com/office/drawing/2010/main" w="9525">
+                <a14:hiddenLine xmlns:a14="http://schemas.microsoft.com/office/drawing/2010/main" xmlns="" w="9525">
                   <a:solidFill>
                     <a:srgbClr val="000000"/>
                   </a:solidFill>
@@ -1919,7 +6265,7 @@
             </a:ln>
             <a:extLst>
               <a:ext uri="{91240B29-F687-4f45-9708-019B960494DF}">
-                <a14:hiddenLine xmlns="" xmlns:a14="http://schemas.microsoft.com/office/drawing/2010/main" w="9525">
+                <a14:hiddenLine xmlns:a14="http://schemas.microsoft.com/office/drawing/2010/main" xmlns="" w="9525">
                   <a:solidFill>
                     <a:srgbClr val="000000"/>
                   </a:solidFill>
@@ -2009,7 +6355,7 @@
             </a:ln>
             <a:extLst>
               <a:ext uri="{91240B29-F687-4f45-9708-019B960494DF}">
-                <a14:hiddenLine xmlns="" xmlns:a14="http://schemas.microsoft.com/office/drawing/2010/main" w="9525">
+                <a14:hiddenLine xmlns:a14="http://schemas.microsoft.com/office/drawing/2010/main" xmlns="" w="9525">
                   <a:solidFill>
                     <a:srgbClr val="000000"/>
                   </a:solidFill>
@@ -2065,7 +6411,7 @@
             </a:ln>
             <a:extLst>
               <a:ext uri="{91240B29-F687-4f45-9708-019B960494DF}">
-                <a14:hiddenLine xmlns="" xmlns:a14="http://schemas.microsoft.com/office/drawing/2010/main" w="9525">
+                <a14:hiddenLine xmlns:a14="http://schemas.microsoft.com/office/drawing/2010/main" xmlns="" w="9525">
                   <a:solidFill>
                     <a:srgbClr val="000000"/>
                   </a:solidFill>
@@ -2155,7 +6501,7 @@
             </a:ln>
             <a:extLst>
               <a:ext uri="{91240B29-F687-4f45-9708-019B960494DF}">
-                <a14:hiddenLine xmlns="" xmlns:a14="http://schemas.microsoft.com/office/drawing/2010/main" w="9525">
+                <a14:hiddenLine xmlns:a14="http://schemas.microsoft.com/office/drawing/2010/main" xmlns="" w="9525">
                   <a:solidFill>
                     <a:srgbClr val="000000"/>
                   </a:solidFill>
@@ -2223,7 +6569,7 @@
             </a:ln>
             <a:extLst>
               <a:ext uri="{91240B29-F687-4f45-9708-019B960494DF}">
-                <a14:hiddenLine xmlns="" xmlns:a14="http://schemas.microsoft.com/office/drawing/2010/main" w="9525">
+                <a14:hiddenLine xmlns:a14="http://schemas.microsoft.com/office/drawing/2010/main" xmlns="" w="9525">
                   <a:solidFill>
                     <a:srgbClr val="000000"/>
                   </a:solidFill>
@@ -2313,7 +6659,7 @@
             </a:ln>
             <a:extLst>
               <a:ext uri="{91240B29-F687-4f45-9708-019B960494DF}">
-                <a14:hiddenLine xmlns="" xmlns:a14="http://schemas.microsoft.com/office/drawing/2010/main" w="9525">
+                <a14:hiddenLine xmlns:a14="http://schemas.microsoft.com/office/drawing/2010/main" xmlns="" w="9525">
                   <a:solidFill>
                     <a:srgbClr val="000000"/>
                   </a:solidFill>
@@ -2381,7 +6727,7 @@
             </a:ln>
             <a:extLst>
               <a:ext uri="{91240B29-F687-4f45-9708-019B960494DF}">
-                <a14:hiddenLine xmlns="" xmlns:a14="http://schemas.microsoft.com/office/drawing/2010/main" w="9525">
+                <a14:hiddenLine xmlns:a14="http://schemas.microsoft.com/office/drawing/2010/main" xmlns="" w="9525">
                   <a:solidFill>
                     <a:srgbClr val="000000"/>
                   </a:solidFill>
@@ -2471,7 +6817,7 @@
             </a:ln>
             <a:extLst>
               <a:ext uri="{91240B29-F687-4f45-9708-019B960494DF}">
-                <a14:hiddenLine xmlns="" xmlns:a14="http://schemas.microsoft.com/office/drawing/2010/main" w="9525">
+                <a14:hiddenLine xmlns:a14="http://schemas.microsoft.com/office/drawing/2010/main" xmlns="" w="9525">
                   <a:solidFill>
                     <a:srgbClr val="000000"/>
                   </a:solidFill>
@@ -2505,7 +6851,7 @@
             </a:ln>
             <a:extLst>
               <a:ext uri="{91240B29-F687-4f45-9708-019B960494DF}">
-                <a14:hiddenLine xmlns="" xmlns:a14="http://schemas.microsoft.com/office/drawing/2010/main" w="9525">
+                <a14:hiddenLine xmlns:a14="http://schemas.microsoft.com/office/drawing/2010/main" xmlns="" w="9525">
                   <a:solidFill>
                     <a:srgbClr val="000000"/>
                   </a:solidFill>
@@ -2595,7 +6941,7 @@
             </a:ln>
             <a:extLst>
               <a:ext uri="{91240B29-F687-4f45-9708-019B960494DF}">
-                <a14:hiddenLine xmlns="" xmlns:a14="http://schemas.microsoft.com/office/drawing/2010/main" w="9525">
+                <a14:hiddenLine xmlns:a14="http://schemas.microsoft.com/office/drawing/2010/main" xmlns="" w="9525">
                   <a:solidFill>
                     <a:srgbClr val="000000"/>
                   </a:solidFill>
@@ -2657,7 +7003,7 @@
             </a:ln>
             <a:extLst>
               <a:ext uri="{91240B29-F687-4f45-9708-019B960494DF}">
-                <a14:hiddenLine xmlns="" xmlns:a14="http://schemas.microsoft.com/office/drawing/2010/main" w="9525">
+                <a14:hiddenLine xmlns:a14="http://schemas.microsoft.com/office/drawing/2010/main" xmlns="" w="9525">
                   <a:solidFill>
                     <a:srgbClr val="000000"/>
                   </a:solidFill>
@@ -2719,7 +7065,7 @@
             </a:ln>
             <a:extLst>
               <a:ext uri="{91240B29-F687-4f45-9708-019B960494DF}">
-                <a14:hiddenLine xmlns="" xmlns:a14="http://schemas.microsoft.com/office/drawing/2010/main" w="9525">
+                <a14:hiddenLine xmlns:a14="http://schemas.microsoft.com/office/drawing/2010/main" xmlns="" w="9525">
                   <a:solidFill>
                     <a:srgbClr val="000000"/>
                   </a:solidFill>
@@ -2809,7 +7155,7 @@
             </a:ln>
             <a:extLst>
               <a:ext uri="{91240B29-F687-4f45-9708-019B960494DF}">
-                <a14:hiddenLine xmlns="" xmlns:a14="http://schemas.microsoft.com/office/drawing/2010/main" w="9525">
+                <a14:hiddenLine xmlns:a14="http://schemas.microsoft.com/office/drawing/2010/main" xmlns="" w="9525">
                   <a:solidFill>
                     <a:srgbClr val="000000"/>
                   </a:solidFill>
@@ -2877,7 +7223,7 @@
             </a:ln>
             <a:extLst>
               <a:ext uri="{91240B29-F687-4f45-9708-019B960494DF}">
-                <a14:hiddenLine xmlns="" xmlns:a14="http://schemas.microsoft.com/office/drawing/2010/main" w="9525">
+                <a14:hiddenLine xmlns:a14="http://schemas.microsoft.com/office/drawing/2010/main" xmlns="" w="9525">
                   <a:solidFill>
                     <a:srgbClr val="000000"/>
                   </a:solidFill>
@@ -2939,7 +7285,7 @@
             </a:ln>
             <a:extLst>
               <a:ext uri="{91240B29-F687-4f45-9708-019B960494DF}">
-                <a14:hiddenLine xmlns="" xmlns:a14="http://schemas.microsoft.com/office/drawing/2010/main" w="9525">
+                <a14:hiddenLine xmlns:a14="http://schemas.microsoft.com/office/drawing/2010/main" xmlns="" w="9525">
                   <a:solidFill>
                     <a:srgbClr val="000000"/>
                   </a:solidFill>
@@ -3029,7 +7375,7 @@
             </a:ln>
             <a:extLst>
               <a:ext uri="{91240B29-F687-4f45-9708-019B960494DF}">
-                <a14:hiddenLine xmlns="" xmlns:a14="http://schemas.microsoft.com/office/drawing/2010/main" w="9525">
+                <a14:hiddenLine xmlns:a14="http://schemas.microsoft.com/office/drawing/2010/main" xmlns="" w="9525">
                   <a:solidFill>
                     <a:srgbClr val="000000"/>
                   </a:solidFill>
@@ -3091,7 +7437,7 @@
             </a:ln>
             <a:extLst>
               <a:ext uri="{91240B29-F687-4f45-9708-019B960494DF}">
-                <a14:hiddenLine xmlns="" xmlns:a14="http://schemas.microsoft.com/office/drawing/2010/main" w="9525">
+                <a14:hiddenLine xmlns:a14="http://schemas.microsoft.com/office/drawing/2010/main" xmlns="" w="9525">
                   <a:solidFill>
                     <a:srgbClr val="000000"/>
                   </a:solidFill>
@@ -3181,7 +7527,7 @@
             </a:ln>
             <a:extLst>
               <a:ext uri="{91240B29-F687-4f45-9708-019B960494DF}">
-                <a14:hiddenLine xmlns="" xmlns:a14="http://schemas.microsoft.com/office/drawing/2010/main" w="9525">
+                <a14:hiddenLine xmlns:a14="http://schemas.microsoft.com/office/drawing/2010/main" xmlns="" w="9525">
                   <a:solidFill>
                     <a:srgbClr val="000000"/>
                   </a:solidFill>
@@ -3243,7 +7589,7 @@
             </a:ln>
             <a:extLst>
               <a:ext uri="{91240B29-F687-4f45-9708-019B960494DF}">
-                <a14:hiddenLine xmlns="" xmlns:a14="http://schemas.microsoft.com/office/drawing/2010/main" w="9525">
+                <a14:hiddenLine xmlns:a14="http://schemas.microsoft.com/office/drawing/2010/main" xmlns="" w="9525">
                   <a:solidFill>
                     <a:srgbClr val="000000"/>
                   </a:solidFill>
@@ -3333,7 +7679,7 @@
             </a:ln>
             <a:extLst>
               <a:ext uri="{91240B29-F687-4f45-9708-019B960494DF}">
-                <a14:hiddenLine xmlns="" xmlns:a14="http://schemas.microsoft.com/office/drawing/2010/main" w="9525">
+                <a14:hiddenLine xmlns:a14="http://schemas.microsoft.com/office/drawing/2010/main" xmlns="" w="9525">
                   <a:solidFill>
                     <a:srgbClr val="000000"/>
                   </a:solidFill>
@@ -3367,7 +7713,7 @@
             </a:ln>
             <a:extLst>
               <a:ext uri="{91240B29-F687-4f45-9708-019B960494DF}">
-                <a14:hiddenLine xmlns="" xmlns:a14="http://schemas.microsoft.com/office/drawing/2010/main" w="9525">
+                <a14:hiddenLine xmlns:a14="http://schemas.microsoft.com/office/drawing/2010/main" xmlns="" w="9525">
                   <a:solidFill>
                     <a:srgbClr val="000000"/>
                   </a:solidFill>
@@ -3432,7 +7778,7 @@
             </a:ln>
             <a:extLst>
               <a:ext uri="{91240B29-F687-4f45-9708-019B960494DF}">
-                <a14:hiddenLine xmlns="" xmlns:a14="http://schemas.microsoft.com/office/drawing/2010/main" w="9525">
+                <a14:hiddenLine xmlns:a14="http://schemas.microsoft.com/office/drawing/2010/main" xmlns="" w="9525">
                   <a:solidFill>
                     <a:srgbClr val="000000"/>
                   </a:solidFill>
@@ -3522,7 +7868,7 @@
             </a:ln>
             <a:extLst>
               <a:ext uri="{91240B29-F687-4f45-9708-019B960494DF}">
-                <a14:hiddenLine xmlns="" xmlns:a14="http://schemas.microsoft.com/office/drawing/2010/main" w="9525">
+                <a14:hiddenLine xmlns:a14="http://schemas.microsoft.com/office/drawing/2010/main" xmlns="" w="9525">
                   <a:solidFill>
                     <a:srgbClr val="000000"/>
                   </a:solidFill>
@@ -3584,7 +7930,7 @@
             </a:ln>
             <a:extLst>
               <a:ext uri="{91240B29-F687-4f45-9708-019B960494DF}">
-                <a14:hiddenLine xmlns="" xmlns:a14="http://schemas.microsoft.com/office/drawing/2010/main" w="9525">
+                <a14:hiddenLine xmlns:a14="http://schemas.microsoft.com/office/drawing/2010/main" xmlns="" w="9525">
                   <a:solidFill>
                     <a:srgbClr val="000000"/>
                   </a:solidFill>
@@ -3674,7 +8020,7 @@
             </a:ln>
             <a:extLst>
               <a:ext uri="{91240B29-F687-4f45-9708-019B960494DF}">
-                <a14:hiddenLine xmlns="" xmlns:a14="http://schemas.microsoft.com/office/drawing/2010/main" w="9525">
+                <a14:hiddenLine xmlns:a14="http://schemas.microsoft.com/office/drawing/2010/main" xmlns="" w="9525">
                   <a:solidFill>
                     <a:srgbClr val="000000"/>
                   </a:solidFill>
@@ -3764,7 +8110,7 @@
             </a:ln>
             <a:extLst>
               <a:ext uri="{91240B29-F687-4f45-9708-019B960494DF}">
-                <a14:hiddenLine xmlns="" xmlns:a14="http://schemas.microsoft.com/office/drawing/2010/main" w="9525">
+                <a14:hiddenLine xmlns:a14="http://schemas.microsoft.com/office/drawing/2010/main" xmlns="" w="9525">
                   <a:solidFill>
                     <a:srgbClr val="000000"/>
                   </a:solidFill>
@@ -3829,7 +8175,7 @@
             </a:ln>
             <a:extLst>
               <a:ext uri="{91240B29-F687-4f45-9708-019B960494DF}">
-                <a14:hiddenLine xmlns="" xmlns:a14="http://schemas.microsoft.com/office/drawing/2010/main" w="9525">
+                <a14:hiddenLine xmlns:a14="http://schemas.microsoft.com/office/drawing/2010/main" xmlns="" w="9525">
                   <a:solidFill>
                     <a:srgbClr val="000000"/>
                   </a:solidFill>
@@ -3891,7 +8237,7 @@
             </a:ln>
             <a:extLst>
               <a:ext uri="{91240B29-F687-4f45-9708-019B960494DF}">
-                <a14:hiddenLine xmlns="" xmlns:a14="http://schemas.microsoft.com/office/drawing/2010/main" w="9525">
+                <a14:hiddenLine xmlns:a14="http://schemas.microsoft.com/office/drawing/2010/main" xmlns="" w="9525">
                   <a:solidFill>
                     <a:srgbClr val="000000"/>
                   </a:solidFill>
@@ -3981,7 +8327,7 @@
             </a:ln>
             <a:extLst>
               <a:ext uri="{91240B29-F687-4f45-9708-019B960494DF}">
-                <a14:hiddenLine xmlns="" xmlns:a14="http://schemas.microsoft.com/office/drawing/2010/main" w="9525">
+                <a14:hiddenLine xmlns:a14="http://schemas.microsoft.com/office/drawing/2010/main" xmlns="" w="9525">
                   <a:solidFill>
                     <a:srgbClr val="000000"/>
                   </a:solidFill>
@@ -4071,7 +8417,7 @@
             </a:ln>
             <a:extLst>
               <a:ext uri="{91240B29-F687-4f45-9708-019B960494DF}">
-                <a14:hiddenLine xmlns="" xmlns:a14="http://schemas.microsoft.com/office/drawing/2010/main" w="9525">
+                <a14:hiddenLine xmlns:a14="http://schemas.microsoft.com/office/drawing/2010/main" xmlns="" w="9525">
                   <a:solidFill>
                     <a:srgbClr val="000000"/>
                   </a:solidFill>
@@ -4133,7 +8479,7 @@
             </a:ln>
             <a:extLst>
               <a:ext uri="{91240B29-F687-4f45-9708-019B960494DF}">
-                <a14:hiddenLine xmlns="" xmlns:a14="http://schemas.microsoft.com/office/drawing/2010/main" w="9525">
+                <a14:hiddenLine xmlns:a14="http://schemas.microsoft.com/office/drawing/2010/main" xmlns="" w="9525">
                   <a:solidFill>
                     <a:srgbClr val="000000"/>
                   </a:solidFill>
@@ -4253,7 +8599,7 @@
             </a:ln>
             <a:extLst>
               <a:ext uri="{91240B29-F687-4f45-9708-019B960494DF}">
-                <a14:hiddenLine xmlns="" xmlns:a14="http://schemas.microsoft.com/office/drawing/2010/main" w="9525">
+                <a14:hiddenLine xmlns:a14="http://schemas.microsoft.com/office/drawing/2010/main" xmlns="" w="9525">
                   <a:solidFill>
                     <a:srgbClr val="000000"/>
                   </a:solidFill>
@@ -4321,7 +8667,7 @@
             </a:ln>
             <a:extLst>
               <a:ext uri="{91240B29-F687-4f45-9708-019B960494DF}">
-                <a14:hiddenLine xmlns="" xmlns:a14="http://schemas.microsoft.com/office/drawing/2010/main" w="9525">
+                <a14:hiddenLine xmlns:a14="http://schemas.microsoft.com/office/drawing/2010/main" xmlns="" w="9525">
                   <a:solidFill>
                     <a:srgbClr val="000000"/>
                   </a:solidFill>
@@ -4411,7 +8757,7 @@
             </a:ln>
             <a:extLst>
               <a:ext uri="{91240B29-F687-4f45-9708-019B960494DF}">
-                <a14:hiddenLine xmlns="" xmlns:a14="http://schemas.microsoft.com/office/drawing/2010/main" w="9525">
+                <a14:hiddenLine xmlns:a14="http://schemas.microsoft.com/office/drawing/2010/main" xmlns="" w="9525">
                   <a:solidFill>
                     <a:srgbClr val="000000"/>
                   </a:solidFill>
@@ -9225,7 +13571,7 @@
           <a:noFill/>
           <a:extLst>
             <a:ext uri="{909E8E84-426E-40dd-AFC4-6F175D3DCCD1}">
-              <a14:hiddenFill xmlns="" xmlns:a14="http://schemas.microsoft.com/office/drawing/2010/main">
+              <a14:hiddenFill xmlns:a14="http://schemas.microsoft.com/office/drawing/2010/main" xmlns="">
                 <a:solidFill>
                   <a:srgbClr val="FFFFFF"/>
                 </a:solidFill>
@@ -9299,7 +13645,7 @@
               </a:ln>
               <a:extLst>
                 <a:ext uri="{91240B29-F687-4f45-9708-019B960494DF}">
-                  <a14:hiddenLine xmlns="" xmlns:a14="http://schemas.microsoft.com/office/drawing/2010/main" w="9525">
+                  <a14:hiddenLine xmlns:a14="http://schemas.microsoft.com/office/drawing/2010/main" xmlns="" w="9525">
                     <a:solidFill>
                       <a:srgbClr val="000000"/>
                     </a:solidFill>
@@ -9389,7 +13735,7 @@
               </a:ln>
               <a:extLst>
                 <a:ext uri="{91240B29-F687-4f45-9708-019B960494DF}">
-                  <a14:hiddenLine xmlns="" xmlns:a14="http://schemas.microsoft.com/office/drawing/2010/main" w="9525">
+                  <a14:hiddenLine xmlns:a14="http://schemas.microsoft.com/office/drawing/2010/main" xmlns="" w="9525">
                     <a:solidFill>
                       <a:srgbClr val="000000"/>
                     </a:solidFill>
@@ -9479,7 +13825,7 @@
               </a:ln>
               <a:extLst>
                 <a:ext uri="{91240B29-F687-4f45-9708-019B960494DF}">
-                  <a14:hiddenLine xmlns="" xmlns:a14="http://schemas.microsoft.com/office/drawing/2010/main" w="9525">
+                  <a14:hiddenLine xmlns:a14="http://schemas.microsoft.com/office/drawing/2010/main" xmlns="" w="9525">
                     <a:solidFill>
                       <a:srgbClr val="000000"/>
                     </a:solidFill>
@@ -9541,7 +13887,7 @@
               </a:ln>
               <a:extLst>
                 <a:ext uri="{91240B29-F687-4f45-9708-019B960494DF}">
-                  <a14:hiddenLine xmlns="" xmlns:a14="http://schemas.microsoft.com/office/drawing/2010/main" w="9525">
+                  <a14:hiddenLine xmlns:a14="http://schemas.microsoft.com/office/drawing/2010/main" xmlns="" w="9525">
                     <a:solidFill>
                       <a:srgbClr val="000000"/>
                     </a:solidFill>
@@ -9631,7 +13977,7 @@
               </a:ln>
               <a:extLst>
                 <a:ext uri="{91240B29-F687-4f45-9708-019B960494DF}">
-                  <a14:hiddenLine xmlns="" xmlns:a14="http://schemas.microsoft.com/office/drawing/2010/main" w="9525">
+                  <a14:hiddenLine xmlns:a14="http://schemas.microsoft.com/office/drawing/2010/main" xmlns="" w="9525">
                     <a:solidFill>
                       <a:srgbClr val="000000"/>
                     </a:solidFill>
@@ -9693,7 +14039,7 @@
               </a:ln>
               <a:extLst>
                 <a:ext uri="{91240B29-F687-4f45-9708-019B960494DF}">
-                  <a14:hiddenLine xmlns="" xmlns:a14="http://schemas.microsoft.com/office/drawing/2010/main" w="9525">
+                  <a14:hiddenLine xmlns:a14="http://schemas.microsoft.com/office/drawing/2010/main" xmlns="" w="9525">
                     <a:solidFill>
                       <a:srgbClr val="000000"/>
                     </a:solidFill>
@@ -9755,7 +14101,7 @@
               </a:ln>
               <a:extLst>
                 <a:ext uri="{91240B29-F687-4f45-9708-019B960494DF}">
-                  <a14:hiddenLine xmlns="" xmlns:a14="http://schemas.microsoft.com/office/drawing/2010/main" w="9525">
+                  <a14:hiddenLine xmlns:a14="http://schemas.microsoft.com/office/drawing/2010/main" xmlns="" w="9525">
                     <a:solidFill>
                       <a:srgbClr val="000000"/>
                     </a:solidFill>
@@ -9845,7 +14191,7 @@
               </a:ln>
               <a:extLst>
                 <a:ext uri="{91240B29-F687-4f45-9708-019B960494DF}">
-                  <a14:hiddenLine xmlns="" xmlns:a14="http://schemas.microsoft.com/office/drawing/2010/main" w="9525">
+                  <a14:hiddenLine xmlns:a14="http://schemas.microsoft.com/office/drawing/2010/main" xmlns="" w="9525">
                     <a:solidFill>
                       <a:srgbClr val="000000"/>
                     </a:solidFill>
@@ -9935,7 +14281,7 @@
               </a:ln>
               <a:extLst>
                 <a:ext uri="{91240B29-F687-4f45-9708-019B960494DF}">
-                  <a14:hiddenLine xmlns="" xmlns:a14="http://schemas.microsoft.com/office/drawing/2010/main" w="9525">
+                  <a14:hiddenLine xmlns:a14="http://schemas.microsoft.com/office/drawing/2010/main" xmlns="" w="9525">
                     <a:solidFill>
                       <a:srgbClr val="000000"/>
                     </a:solidFill>
@@ -9997,7 +14343,7 @@
               </a:ln>
               <a:extLst>
                 <a:ext uri="{91240B29-F687-4f45-9708-019B960494DF}">
-                  <a14:hiddenLine xmlns="" xmlns:a14="http://schemas.microsoft.com/office/drawing/2010/main" w="9525">
+                  <a14:hiddenLine xmlns:a14="http://schemas.microsoft.com/office/drawing/2010/main" xmlns="" w="9525">
                     <a:solidFill>
                       <a:srgbClr val="000000"/>
                     </a:solidFill>
@@ -10107,7 +14453,7 @@
               </a:ln>
               <a:extLst>
                 <a:ext uri="{91240B29-F687-4f45-9708-019B960494DF}">
-                  <a14:hiddenLine xmlns="" xmlns:a14="http://schemas.microsoft.com/office/drawing/2010/main" w="9525">
+                  <a14:hiddenLine xmlns:a14="http://schemas.microsoft.com/office/drawing/2010/main" xmlns="" w="9525">
                     <a:solidFill>
                       <a:srgbClr val="000000"/>
                     </a:solidFill>
@@ -10191,7 +14537,7 @@
               </a:ln>
               <a:extLst>
                 <a:ext uri="{91240B29-F687-4f45-9708-019B960494DF}">
-                  <a14:hiddenLine xmlns="" xmlns:a14="http://schemas.microsoft.com/office/drawing/2010/main" w="9525">
+                  <a14:hiddenLine xmlns:a14="http://schemas.microsoft.com/office/drawing/2010/main" xmlns="" w="9525">
                     <a:solidFill>
                       <a:srgbClr val="000000"/>
                     </a:solidFill>
@@ -10253,7 +14599,7 @@
               </a:ln>
               <a:extLst>
                 <a:ext uri="{91240B29-F687-4f45-9708-019B960494DF}">
-                  <a14:hiddenLine xmlns="" xmlns:a14="http://schemas.microsoft.com/office/drawing/2010/main" w="9525">
+                  <a14:hiddenLine xmlns:a14="http://schemas.microsoft.com/office/drawing/2010/main" xmlns="" w="9525">
                     <a:solidFill>
                       <a:srgbClr val="000000"/>
                     </a:solidFill>
@@ -10315,7 +14661,7 @@
               </a:ln>
               <a:extLst>
                 <a:ext uri="{91240B29-F687-4f45-9708-019B960494DF}">
-                  <a14:hiddenLine xmlns="" xmlns:a14="http://schemas.microsoft.com/office/drawing/2010/main" w="9525">
+                  <a14:hiddenLine xmlns:a14="http://schemas.microsoft.com/office/drawing/2010/main" xmlns="" w="9525">
                     <a:solidFill>
                       <a:srgbClr val="000000"/>
                     </a:solidFill>
@@ -10405,7 +14751,7 @@
               </a:ln>
               <a:extLst>
                 <a:ext uri="{91240B29-F687-4f45-9708-019B960494DF}">
-                  <a14:hiddenLine xmlns="" xmlns:a14="http://schemas.microsoft.com/office/drawing/2010/main" w="9525">
+                  <a14:hiddenLine xmlns:a14="http://schemas.microsoft.com/office/drawing/2010/main" xmlns="" w="9525">
                     <a:solidFill>
                       <a:srgbClr val="000000"/>
                     </a:solidFill>
@@ -10439,7 +14785,7 @@
               </a:ln>
               <a:extLst>
                 <a:ext uri="{91240B29-F687-4f45-9708-019B960494DF}">
-                  <a14:hiddenLine xmlns="" xmlns:a14="http://schemas.microsoft.com/office/drawing/2010/main" w="9525">
+                  <a14:hiddenLine xmlns:a14="http://schemas.microsoft.com/office/drawing/2010/main" xmlns="" w="9525">
                     <a:solidFill>
                       <a:srgbClr val="000000"/>
                     </a:solidFill>
@@ -10504,7 +14850,7 @@
               </a:ln>
               <a:extLst>
                 <a:ext uri="{91240B29-F687-4f45-9708-019B960494DF}">
-                  <a14:hiddenLine xmlns="" xmlns:a14="http://schemas.microsoft.com/office/drawing/2010/main" w="9525">
+                  <a14:hiddenLine xmlns:a14="http://schemas.microsoft.com/office/drawing/2010/main" xmlns="" w="9525">
                     <a:solidFill>
                       <a:srgbClr val="000000"/>
                     </a:solidFill>
@@ -10594,7 +14940,7 @@
               </a:ln>
               <a:extLst>
                 <a:ext uri="{91240B29-F687-4f45-9708-019B960494DF}">
-                  <a14:hiddenLine xmlns="" xmlns:a14="http://schemas.microsoft.com/office/drawing/2010/main" w="9525">
+                  <a14:hiddenLine xmlns:a14="http://schemas.microsoft.com/office/drawing/2010/main" xmlns="" w="9525">
                     <a:solidFill>
                       <a:srgbClr val="000000"/>
                     </a:solidFill>
@@ -10656,7 +15002,7 @@
               </a:ln>
               <a:extLst>
                 <a:ext uri="{91240B29-F687-4f45-9708-019B960494DF}">
-                  <a14:hiddenLine xmlns="" xmlns:a14="http://schemas.microsoft.com/office/drawing/2010/main" w="9525">
+                  <a14:hiddenLine xmlns:a14="http://schemas.microsoft.com/office/drawing/2010/main" xmlns="" w="9525">
                     <a:solidFill>
                       <a:srgbClr val="000000"/>
                     </a:solidFill>
@@ -10746,7 +15092,7 @@
               </a:ln>
               <a:extLst>
                 <a:ext uri="{91240B29-F687-4f45-9708-019B960494DF}">
-                  <a14:hiddenLine xmlns="" xmlns:a14="http://schemas.microsoft.com/office/drawing/2010/main" w="9525">
+                  <a14:hiddenLine xmlns:a14="http://schemas.microsoft.com/office/drawing/2010/main" xmlns="" w="9525">
                     <a:solidFill>
                       <a:srgbClr val="000000"/>
                     </a:solidFill>
@@ -10811,7 +15157,7 @@
               </a:ln>
               <a:extLst>
                 <a:ext uri="{91240B29-F687-4f45-9708-019B960494DF}">
-                  <a14:hiddenLine xmlns="" xmlns:a14="http://schemas.microsoft.com/office/drawing/2010/main" w="9525">
+                  <a14:hiddenLine xmlns:a14="http://schemas.microsoft.com/office/drawing/2010/main" xmlns="" w="9525">
                     <a:solidFill>
                       <a:srgbClr val="000000"/>
                     </a:solidFill>
@@ -10873,7 +15219,7 @@
               </a:ln>
               <a:extLst>
                 <a:ext uri="{91240B29-F687-4f45-9708-019B960494DF}">
-                  <a14:hiddenLine xmlns="" xmlns:a14="http://schemas.microsoft.com/office/drawing/2010/main" w="9525">
+                  <a14:hiddenLine xmlns:a14="http://schemas.microsoft.com/office/drawing/2010/main" xmlns="" w="9525">
                     <a:solidFill>
                       <a:srgbClr val="000000"/>
                     </a:solidFill>
@@ -10963,7 +15309,7 @@
               </a:ln>
               <a:extLst>
                 <a:ext uri="{91240B29-F687-4f45-9708-019B960494DF}">
-                  <a14:hiddenLine xmlns="" xmlns:a14="http://schemas.microsoft.com/office/drawing/2010/main" w="9525">
+                  <a14:hiddenLine xmlns:a14="http://schemas.microsoft.com/office/drawing/2010/main" xmlns="" w="9525">
                     <a:solidFill>
                       <a:srgbClr val="000000"/>
                     </a:solidFill>
@@ -11053,7 +15399,7 @@
               </a:ln>
               <a:extLst>
                 <a:ext uri="{91240B29-F687-4f45-9708-019B960494DF}">
-                  <a14:hiddenLine xmlns="" xmlns:a14="http://schemas.microsoft.com/office/drawing/2010/main" w="9525">
+                  <a14:hiddenLine xmlns:a14="http://schemas.microsoft.com/office/drawing/2010/main" xmlns="" w="9525">
                     <a:solidFill>
                       <a:srgbClr val="000000"/>
                     </a:solidFill>
@@ -11118,7 +15464,7 @@
               </a:ln>
               <a:extLst>
                 <a:ext uri="{91240B29-F687-4f45-9708-019B960494DF}">
-                  <a14:hiddenLine xmlns="" xmlns:a14="http://schemas.microsoft.com/office/drawing/2010/main" w="9525">
+                  <a14:hiddenLine xmlns:a14="http://schemas.microsoft.com/office/drawing/2010/main" xmlns="" w="9525">
                     <a:solidFill>
                       <a:srgbClr val="000000"/>
                     </a:solidFill>
@@ -11238,7 +15584,7 @@
               </a:ln>
               <a:extLst>
                 <a:ext uri="{91240B29-F687-4f45-9708-019B960494DF}">
-                  <a14:hiddenLine xmlns="" xmlns:a14="http://schemas.microsoft.com/office/drawing/2010/main" w="9525">
+                  <a14:hiddenLine xmlns:a14="http://schemas.microsoft.com/office/drawing/2010/main" xmlns="" w="9525">
                     <a:solidFill>
                       <a:srgbClr val="000000"/>
                     </a:solidFill>
@@ -11319,7 +15665,7 @@
               </a:ln>
               <a:extLst>
                 <a:ext uri="{91240B29-F687-4f45-9708-019B960494DF}">
-                  <a14:hiddenLine xmlns="" xmlns:a14="http://schemas.microsoft.com/office/drawing/2010/main" w="9525">
+                  <a14:hiddenLine xmlns:a14="http://schemas.microsoft.com/office/drawing/2010/main" xmlns="" w="9525">
                     <a:solidFill>
                       <a:srgbClr val="000000"/>
                     </a:solidFill>
@@ -11434,7 +15780,7 @@
               </a:ln>
               <a:extLst>
                 <a:ext uri="{91240B29-F687-4f45-9708-019B960494DF}">
-                  <a14:hiddenLine xmlns="" xmlns:a14="http://schemas.microsoft.com/office/drawing/2010/main" w="9525">
+                  <a14:hiddenLine xmlns:a14="http://schemas.microsoft.com/office/drawing/2010/main" xmlns="" w="9525">
                     <a:solidFill>
                       <a:srgbClr val="000000"/>
                     </a:solidFill>
@@ -11524,7 +15870,7 @@
               </a:ln>
               <a:extLst>
                 <a:ext uri="{91240B29-F687-4f45-9708-019B960494DF}">
-                  <a14:hiddenLine xmlns="" xmlns:a14="http://schemas.microsoft.com/office/drawing/2010/main" w="9525">
+                  <a14:hiddenLine xmlns:a14="http://schemas.microsoft.com/office/drawing/2010/main" xmlns="" w="9525">
                     <a:solidFill>
                       <a:srgbClr val="000000"/>
                     </a:solidFill>
@@ -11589,7 +15935,7 @@
               </a:ln>
               <a:extLst>
                 <a:ext uri="{91240B29-F687-4f45-9708-019B960494DF}">
-                  <a14:hiddenLine xmlns="" xmlns:a14="http://schemas.microsoft.com/office/drawing/2010/main" w="9525">
+                  <a14:hiddenLine xmlns:a14="http://schemas.microsoft.com/office/drawing/2010/main" xmlns="" w="9525">
                     <a:solidFill>
                       <a:srgbClr val="000000"/>
                     </a:solidFill>
@@ -11679,7 +16025,7 @@
               </a:ln>
               <a:extLst>
                 <a:ext uri="{91240B29-F687-4f45-9708-019B960494DF}">
-                  <a14:hiddenLine xmlns="" xmlns:a14="http://schemas.microsoft.com/office/drawing/2010/main" w="9525">
+                  <a14:hiddenLine xmlns:a14="http://schemas.microsoft.com/office/drawing/2010/main" xmlns="" w="9525">
                     <a:solidFill>
                       <a:srgbClr val="000000"/>
                     </a:solidFill>
@@ -11747,7 +16093,7 @@
               </a:ln>
               <a:extLst>
                 <a:ext uri="{91240B29-F687-4f45-9708-019B960494DF}">
-                  <a14:hiddenLine xmlns="" xmlns:a14="http://schemas.microsoft.com/office/drawing/2010/main" w="9525">
+                  <a14:hiddenLine xmlns:a14="http://schemas.microsoft.com/office/drawing/2010/main" xmlns="" w="9525">
                     <a:solidFill>
                       <a:srgbClr val="000000"/>
                     </a:solidFill>
@@ -11837,7 +16183,7 @@
               </a:ln>
               <a:extLst>
                 <a:ext uri="{91240B29-F687-4f45-9708-019B960494DF}">
-                  <a14:hiddenLine xmlns="" xmlns:a14="http://schemas.microsoft.com/office/drawing/2010/main" w="9525">
+                  <a14:hiddenLine xmlns:a14="http://schemas.microsoft.com/office/drawing/2010/main" xmlns="" w="9525">
                     <a:solidFill>
                       <a:srgbClr val="000000"/>
                     </a:solidFill>
@@ -11905,7 +16251,7 @@
               </a:ln>
               <a:extLst>
                 <a:ext uri="{91240B29-F687-4f45-9708-019B960494DF}">
-                  <a14:hiddenLine xmlns="" xmlns:a14="http://schemas.microsoft.com/office/drawing/2010/main" w="9525">
+                  <a14:hiddenLine xmlns:a14="http://schemas.microsoft.com/office/drawing/2010/main" xmlns="" w="9525">
                     <a:solidFill>
                       <a:srgbClr val="000000"/>
                     </a:solidFill>
@@ -11995,7 +16341,7 @@
               </a:ln>
               <a:extLst>
                 <a:ext uri="{91240B29-F687-4f45-9708-019B960494DF}">
-                  <a14:hiddenLine xmlns="" xmlns:a14="http://schemas.microsoft.com/office/drawing/2010/main" w="9525">
+                  <a14:hiddenLine xmlns:a14="http://schemas.microsoft.com/office/drawing/2010/main" xmlns="" w="9525">
                     <a:solidFill>
                       <a:srgbClr val="000000"/>
                     </a:solidFill>
@@ -12029,7 +16375,7 @@
               </a:ln>
               <a:extLst>
                 <a:ext uri="{91240B29-F687-4f45-9708-019B960494DF}">
-                  <a14:hiddenLine xmlns="" xmlns:a14="http://schemas.microsoft.com/office/drawing/2010/main" w="9525">
+                  <a14:hiddenLine xmlns:a14="http://schemas.microsoft.com/office/drawing/2010/main" xmlns="" w="9525">
                     <a:solidFill>
                       <a:srgbClr val="000000"/>
                     </a:solidFill>
@@ -23747,489 +28093,6 @@
       </p:grpSpPr>
       <p:sp>
         <p:nvSpPr>
-          <p:cNvPr id="4" name="矩形: 圓角 3">
-            <a:extLst>
-              <a:ext uri="{FF2B5EF4-FFF2-40B4-BE49-F238E27FC236}">
-                <a16:creationId xmlns:a16="http://schemas.microsoft.com/office/drawing/2014/main" id="{A850FA29-268D-421F-98B8-D62FA246EA88}"/>
-              </a:ext>
-            </a:extLst>
-          </p:cNvPr>
-          <p:cNvSpPr/>
-          <p:nvPr/>
-        </p:nvSpPr>
-        <p:spPr>
-          <a:xfrm>
-            <a:off x="839319" y="1438834"/>
-            <a:ext cx="2215965" cy="1308847"/>
-          </a:xfrm>
-          <a:prstGeom prst="roundRect">
-            <a:avLst/>
-          </a:prstGeom>
-          <a:ln w="57150">
-            <a:solidFill>
-              <a:srgbClr val="FF0000"/>
-            </a:solidFill>
-          </a:ln>
-        </p:spPr>
-        <p:style>
-          <a:lnRef idx="2">
-            <a:schemeClr val="accent2"/>
-          </a:lnRef>
-          <a:fillRef idx="1">
-            <a:schemeClr val="lt1"/>
-          </a:fillRef>
-          <a:effectRef idx="0">
-            <a:schemeClr val="accent2"/>
-          </a:effectRef>
-          <a:fontRef idx="minor">
-            <a:schemeClr val="dk1"/>
-          </a:fontRef>
-        </p:style>
-        <p:txBody>
-          <a:bodyPr rtlCol="0" anchor="ctr"/>
-          <a:lstStyle/>
-          <a:p>
-            <a:pPr algn="ctr"/>
-            <a:r>
-              <a:rPr kumimoji="1" lang="zh-TW" altLang="en-US" sz="2400" dirty="0">
-                <a:latin typeface="思源黑體" panose="020B0500000000000000" pitchFamily="34" charset="-120"/>
-                <a:ea typeface="思源黑體" panose="020B0500000000000000" pitchFamily="34" charset="-120"/>
-              </a:rPr>
-              <a:t>犯罪收益</a:t>
-            </a:r>
-            <a:endParaRPr kumimoji="1" lang="ja-JP" altLang="en-US" sz="2400" dirty="0">
-              <a:latin typeface="思源黑體" panose="020B0500000000000000" pitchFamily="34" charset="-120"/>
-              <a:ea typeface="思源黑體" panose="020B0500000000000000" pitchFamily="34" charset="-120"/>
-            </a:endParaRPr>
-          </a:p>
-        </p:txBody>
-      </p:sp>
-      <p:sp>
-        <p:nvSpPr>
-          <p:cNvPr id="9" name="矩形: 圓角 8">
-            <a:extLst>
-              <a:ext uri="{FF2B5EF4-FFF2-40B4-BE49-F238E27FC236}">
-                <a16:creationId xmlns:a16="http://schemas.microsoft.com/office/drawing/2014/main" id="{209476E6-2BD0-4C55-9371-8DF21388C4DF}"/>
-              </a:ext>
-            </a:extLst>
-          </p:cNvPr>
-          <p:cNvSpPr/>
-          <p:nvPr/>
-        </p:nvSpPr>
-        <p:spPr>
-          <a:xfrm>
-            <a:off x="9307045" y="2552698"/>
-            <a:ext cx="2215965" cy="1308847"/>
-          </a:xfrm>
-          <a:prstGeom prst="roundRect">
-            <a:avLst/>
-          </a:prstGeom>
-          <a:ln w="57150">
-            <a:solidFill>
-              <a:srgbClr val="FF0000"/>
-            </a:solidFill>
-          </a:ln>
-        </p:spPr>
-        <p:style>
-          <a:lnRef idx="2">
-            <a:schemeClr val="accent2"/>
-          </a:lnRef>
-          <a:fillRef idx="1">
-            <a:schemeClr val="lt1"/>
-          </a:fillRef>
-          <a:effectRef idx="0">
-            <a:schemeClr val="accent2"/>
-          </a:effectRef>
-          <a:fontRef idx="minor">
-            <a:schemeClr val="dk1"/>
-          </a:fontRef>
-        </p:style>
-        <p:txBody>
-          <a:bodyPr rtlCol="0" anchor="ctr"/>
-          <a:lstStyle/>
-          <a:p>
-            <a:pPr algn="ctr"/>
-            <a:r>
-              <a:rPr kumimoji="1" lang="zh-TW" altLang="en-US" sz="2400" dirty="0">
-                <a:latin typeface="思源黑體" panose="020B0500000000000000" pitchFamily="34" charset="-120"/>
-                <a:ea typeface="思源黑體" panose="020B0500000000000000" pitchFamily="34" charset="-120"/>
-              </a:rPr>
-              <a:t>洗錢完成</a:t>
-            </a:r>
-            <a:endParaRPr kumimoji="1" lang="ja-JP" altLang="en-US" sz="2400" dirty="0">
-              <a:latin typeface="思源黑體" panose="020B0500000000000000" pitchFamily="34" charset="-120"/>
-              <a:ea typeface="思源黑體" panose="020B0500000000000000" pitchFamily="34" charset="-120"/>
-            </a:endParaRPr>
-          </a:p>
-          <a:p>
-            <a:pPr algn="ctr"/>
-            <a:endParaRPr kumimoji="1" lang="ja-JP" altLang="en-US" dirty="0"/>
-          </a:p>
-        </p:txBody>
-      </p:sp>
-      <p:sp>
-        <p:nvSpPr>
-          <p:cNvPr id="10" name="矩形: 圓角 9">
-            <a:extLst>
-              <a:ext uri="{FF2B5EF4-FFF2-40B4-BE49-F238E27FC236}">
-                <a16:creationId xmlns:a16="http://schemas.microsoft.com/office/drawing/2014/main" id="{3630E2E8-7328-46E5-8C6A-54FE7B71FBB3}"/>
-              </a:ext>
-            </a:extLst>
-          </p:cNvPr>
-          <p:cNvSpPr/>
-          <p:nvPr/>
-        </p:nvSpPr>
-        <p:spPr>
-          <a:xfrm>
-            <a:off x="4502521" y="1438835"/>
-            <a:ext cx="2215965" cy="1308847"/>
-          </a:xfrm>
-          <a:prstGeom prst="roundRect">
-            <a:avLst/>
-          </a:prstGeom>
-          <a:ln w="57150">
-            <a:solidFill>
-              <a:srgbClr val="FF0000"/>
-            </a:solidFill>
-          </a:ln>
-        </p:spPr>
-        <p:style>
-          <a:lnRef idx="2">
-            <a:schemeClr val="accent2"/>
-          </a:lnRef>
-          <a:fillRef idx="1">
-            <a:schemeClr val="lt1"/>
-          </a:fillRef>
-          <a:effectRef idx="0">
-            <a:schemeClr val="accent2"/>
-          </a:effectRef>
-          <a:fontRef idx="minor">
-            <a:schemeClr val="dk1"/>
-          </a:fontRef>
-        </p:style>
-        <p:txBody>
-          <a:bodyPr rtlCol="0" anchor="ctr"/>
-          <a:lstStyle/>
-          <a:p>
-            <a:pPr algn="ctr"/>
-            <a:r>
-              <a:rPr kumimoji="1" lang="zh-TW" altLang="en-US" sz="2400" dirty="0">
-                <a:latin typeface="思源黑體" panose="020B0500000000000000" pitchFamily="34" charset="-120"/>
-                <a:ea typeface="思源黑體" panose="020B0500000000000000" pitchFamily="34" charset="-120"/>
-              </a:rPr>
-              <a:t>混幣／虛擬貨幣</a:t>
-            </a:r>
-            <a:endParaRPr kumimoji="1" lang="ja-JP" altLang="en-US" sz="2400" dirty="0">
-              <a:latin typeface="思源黑體" panose="020B0500000000000000" pitchFamily="34" charset="-120"/>
-              <a:ea typeface="思源黑體" panose="020B0500000000000000" pitchFamily="34" charset="-120"/>
-            </a:endParaRPr>
-          </a:p>
-        </p:txBody>
-      </p:sp>
-      <p:sp>
-        <p:nvSpPr>
-          <p:cNvPr id="11" name="矩形: 圓角 10">
-            <a:extLst>
-              <a:ext uri="{FF2B5EF4-FFF2-40B4-BE49-F238E27FC236}">
-                <a16:creationId xmlns:a16="http://schemas.microsoft.com/office/drawing/2014/main" id="{768462A4-4EEE-456C-85A3-7295A72D0D07}"/>
-              </a:ext>
-            </a:extLst>
-          </p:cNvPr>
-          <p:cNvSpPr/>
-          <p:nvPr/>
-        </p:nvSpPr>
-        <p:spPr>
-          <a:xfrm>
-            <a:off x="5932813" y="3666565"/>
-            <a:ext cx="2215965" cy="1308847"/>
-          </a:xfrm>
-          <a:prstGeom prst="roundRect">
-            <a:avLst/>
-          </a:prstGeom>
-          <a:ln w="57150">
-            <a:solidFill>
-              <a:srgbClr val="FF0000"/>
-            </a:solidFill>
-          </a:ln>
-        </p:spPr>
-        <p:style>
-          <a:lnRef idx="2">
-            <a:schemeClr val="accent2"/>
-          </a:lnRef>
-          <a:fillRef idx="1">
-            <a:schemeClr val="lt1"/>
-          </a:fillRef>
-          <a:effectRef idx="0">
-            <a:schemeClr val="accent2"/>
-          </a:effectRef>
-          <a:fontRef idx="minor">
-            <a:schemeClr val="dk1"/>
-          </a:fontRef>
-        </p:style>
-        <p:txBody>
-          <a:bodyPr rtlCol="0" anchor="ctr"/>
-          <a:lstStyle/>
-          <a:p>
-            <a:pPr algn="ctr"/>
-            <a:r>
-              <a:rPr kumimoji="1" lang="zh-TW" altLang="en-US" sz="2400" dirty="0">
-                <a:latin typeface="思源黑體" panose="020B0500000000000000" pitchFamily="34" charset="-120"/>
-                <a:ea typeface="思源黑體" panose="020B0500000000000000" pitchFamily="34" charset="-120"/>
-              </a:rPr>
-              <a:t>提領至合法帳戶</a:t>
-            </a:r>
-            <a:endParaRPr kumimoji="1" lang="ja-JP" altLang="en-US" sz="2400" dirty="0">
-              <a:latin typeface="思源黑體" panose="020B0500000000000000" pitchFamily="34" charset="-120"/>
-              <a:ea typeface="思源黑體" panose="020B0500000000000000" pitchFamily="34" charset="-120"/>
-            </a:endParaRPr>
-          </a:p>
-        </p:txBody>
-      </p:sp>
-      <p:sp>
-        <p:nvSpPr>
-          <p:cNvPr id="12" name="矩形: 圓角 11">
-            <a:extLst>
-              <a:ext uri="{FF2B5EF4-FFF2-40B4-BE49-F238E27FC236}">
-                <a16:creationId xmlns:a16="http://schemas.microsoft.com/office/drawing/2014/main" id="{1095B5AB-016B-47EC-B3AD-77835534A1E2}"/>
-              </a:ext>
-            </a:extLst>
-          </p:cNvPr>
-          <p:cNvSpPr/>
-          <p:nvPr/>
-        </p:nvSpPr>
-        <p:spPr>
-          <a:xfrm>
-            <a:off x="2477899" y="3666565"/>
-            <a:ext cx="2215965" cy="1308847"/>
-          </a:xfrm>
-          <a:prstGeom prst="roundRect">
-            <a:avLst/>
-          </a:prstGeom>
-          <a:ln w="57150">
-            <a:solidFill>
-              <a:srgbClr val="FF0000"/>
-            </a:solidFill>
-          </a:ln>
-        </p:spPr>
-        <p:style>
-          <a:lnRef idx="2">
-            <a:schemeClr val="accent2"/>
-          </a:lnRef>
-          <a:fillRef idx="1">
-            <a:schemeClr val="lt1"/>
-          </a:fillRef>
-          <a:effectRef idx="0">
-            <a:schemeClr val="accent2"/>
-          </a:effectRef>
-          <a:fontRef idx="minor">
-            <a:schemeClr val="dk1"/>
-          </a:fontRef>
-        </p:style>
-        <p:txBody>
-          <a:bodyPr rtlCol="0" anchor="ctr"/>
-          <a:lstStyle/>
-          <a:p>
-            <a:pPr algn="ctr"/>
-            <a:r>
-              <a:rPr kumimoji="1" lang="zh-TW" altLang="en-US" sz="2400" dirty="0">
-                <a:latin typeface="思源黑體" panose="020B0500000000000000" pitchFamily="34" charset="-120"/>
-                <a:ea typeface="思源黑體" panose="020B0500000000000000" pitchFamily="34" charset="-120"/>
-              </a:rPr>
-              <a:t>暗網市場（匿名平台）</a:t>
-            </a:r>
-            <a:endParaRPr kumimoji="1" lang="ja-JP" altLang="en-US" sz="2400" dirty="0">
-              <a:latin typeface="思源黑體" panose="020B0500000000000000" pitchFamily="34" charset="-120"/>
-              <a:ea typeface="思源黑體" panose="020B0500000000000000" pitchFamily="34" charset="-120"/>
-            </a:endParaRPr>
-          </a:p>
-        </p:txBody>
-      </p:sp>
-      <p:cxnSp>
-        <p:nvCxnSpPr>
-          <p:cNvPr id="20" name="接點: 肘形 19">
-            <a:extLst>
-              <a:ext uri="{FF2B5EF4-FFF2-40B4-BE49-F238E27FC236}">
-                <a16:creationId xmlns:a16="http://schemas.microsoft.com/office/drawing/2014/main" id="{05FFC902-F6A5-4D12-BFFA-EA552EA9FEAE}"/>
-              </a:ext>
-            </a:extLst>
-          </p:cNvPr>
-          <p:cNvCxnSpPr>
-            <a:stCxn id="4" idx="2"/>
-            <a:endCxn id="12" idx="0"/>
-          </p:cNvCxnSpPr>
-          <p:nvPr/>
-        </p:nvCxnSpPr>
-        <p:spPr>
-          <a:xfrm rot="16200000" flipH="1">
-            <a:off x="2307150" y="2387833"/>
-            <a:ext cx="918884" cy="1638580"/>
-          </a:xfrm>
-          <a:prstGeom prst="bentConnector3">
-            <a:avLst/>
-          </a:prstGeom>
-          <a:ln w="28575">
-            <a:solidFill>
-              <a:srgbClr val="FF0000"/>
-            </a:solidFill>
-            <a:tailEnd type="triangle"/>
-          </a:ln>
-        </p:spPr>
-        <p:style>
-          <a:lnRef idx="1">
-            <a:schemeClr val="accent1"/>
-          </a:lnRef>
-          <a:fillRef idx="0">
-            <a:schemeClr val="accent1"/>
-          </a:fillRef>
-          <a:effectRef idx="0">
-            <a:schemeClr val="accent1"/>
-          </a:effectRef>
-          <a:fontRef idx="minor">
-            <a:schemeClr val="tx1"/>
-          </a:fontRef>
-        </p:style>
-      </p:cxnSp>
-      <p:cxnSp>
-        <p:nvCxnSpPr>
-          <p:cNvPr id="22" name="接點: 肘形 21">
-            <a:extLst>
-              <a:ext uri="{FF2B5EF4-FFF2-40B4-BE49-F238E27FC236}">
-                <a16:creationId xmlns:a16="http://schemas.microsoft.com/office/drawing/2014/main" id="{8368F412-85EF-4959-9886-9E6D47E16129}"/>
-              </a:ext>
-            </a:extLst>
-          </p:cNvPr>
-          <p:cNvCxnSpPr>
-            <a:stCxn id="12" idx="3"/>
-            <a:endCxn id="10" idx="1"/>
-          </p:cNvCxnSpPr>
-          <p:nvPr/>
-        </p:nvCxnSpPr>
-        <p:spPr>
-          <a:xfrm flipH="1" flipV="1">
-            <a:off x="4502521" y="2093259"/>
-            <a:ext cx="191343" cy="2227730"/>
-          </a:xfrm>
-          <a:prstGeom prst="bentConnector5">
-            <a:avLst>
-              <a:gd name="adj1" fmla="val -119471"/>
-              <a:gd name="adj2" fmla="val 50000"/>
-              <a:gd name="adj3" fmla="val 219471"/>
-            </a:avLst>
-          </a:prstGeom>
-          <a:ln w="38100">
-            <a:solidFill>
-              <a:srgbClr val="FF0000"/>
-            </a:solidFill>
-            <a:tailEnd type="triangle"/>
-          </a:ln>
-        </p:spPr>
-        <p:style>
-          <a:lnRef idx="1">
-            <a:schemeClr val="accent1"/>
-          </a:lnRef>
-          <a:fillRef idx="0">
-            <a:schemeClr val="accent1"/>
-          </a:fillRef>
-          <a:effectRef idx="0">
-            <a:schemeClr val="accent1"/>
-          </a:effectRef>
-          <a:fontRef idx="minor">
-            <a:schemeClr val="tx1"/>
-          </a:fontRef>
-        </p:style>
-      </p:cxnSp>
-      <p:cxnSp>
-        <p:nvCxnSpPr>
-          <p:cNvPr id="25" name="接點: 肘形 24">
-            <a:extLst>
-              <a:ext uri="{FF2B5EF4-FFF2-40B4-BE49-F238E27FC236}">
-                <a16:creationId xmlns:a16="http://schemas.microsoft.com/office/drawing/2014/main" id="{387C58AC-D2A6-4839-A586-16E2464A8BC6}"/>
-              </a:ext>
-            </a:extLst>
-          </p:cNvPr>
-          <p:cNvCxnSpPr>
-            <a:stCxn id="10" idx="2"/>
-            <a:endCxn id="11" idx="0"/>
-          </p:cNvCxnSpPr>
-          <p:nvPr/>
-        </p:nvCxnSpPr>
-        <p:spPr>
-          <a:xfrm rot="16200000" flipH="1">
-            <a:off x="5866209" y="2491977"/>
-            <a:ext cx="918883" cy="1430292"/>
-          </a:xfrm>
-          <a:prstGeom prst="bentConnector3">
-            <a:avLst/>
-          </a:prstGeom>
-          <a:ln w="38100">
-            <a:solidFill>
-              <a:srgbClr val="FF0000"/>
-            </a:solidFill>
-            <a:tailEnd type="triangle"/>
-          </a:ln>
-        </p:spPr>
-        <p:style>
-          <a:lnRef idx="1">
-            <a:schemeClr val="accent1"/>
-          </a:lnRef>
-          <a:fillRef idx="0">
-            <a:schemeClr val="accent1"/>
-          </a:fillRef>
-          <a:effectRef idx="0">
-            <a:schemeClr val="accent1"/>
-          </a:effectRef>
-          <a:fontRef idx="minor">
-            <a:schemeClr val="tx1"/>
-          </a:fontRef>
-        </p:style>
-      </p:cxnSp>
-      <p:cxnSp>
-        <p:nvCxnSpPr>
-          <p:cNvPr id="27" name="接點: 肘形 26">
-            <a:extLst>
-              <a:ext uri="{FF2B5EF4-FFF2-40B4-BE49-F238E27FC236}">
-                <a16:creationId xmlns:a16="http://schemas.microsoft.com/office/drawing/2014/main" id="{C3171AD6-99DA-4AE9-83FD-ADB4DB4BB40A}"/>
-              </a:ext>
-            </a:extLst>
-          </p:cNvPr>
-          <p:cNvCxnSpPr>
-            <a:stCxn id="11" idx="3"/>
-            <a:endCxn id="9" idx="1"/>
-          </p:cNvCxnSpPr>
-          <p:nvPr/>
-        </p:nvCxnSpPr>
-        <p:spPr>
-          <a:xfrm flipV="1">
-            <a:off x="8148778" y="3207122"/>
-            <a:ext cx="1158267" cy="1113867"/>
-          </a:xfrm>
-          <a:prstGeom prst="bentConnector3">
-            <a:avLst/>
-          </a:prstGeom>
-          <a:ln w="38100">
-            <a:solidFill>
-              <a:srgbClr val="FF0000"/>
-            </a:solidFill>
-            <a:tailEnd type="triangle"/>
-          </a:ln>
-        </p:spPr>
-        <p:style>
-          <a:lnRef idx="1">
-            <a:schemeClr val="accent1"/>
-          </a:lnRef>
-          <a:fillRef idx="0">
-            <a:schemeClr val="accent1"/>
-          </a:fillRef>
-          <a:effectRef idx="0">
-            <a:schemeClr val="accent1"/>
-          </a:effectRef>
-          <a:fontRef idx="minor">
-            <a:schemeClr val="tx1"/>
-          </a:fontRef>
-        </p:style>
-      </p:cxnSp>
-      <p:sp>
-        <p:nvSpPr>
           <p:cNvPr id="30" name="文字方塊 29">
             <a:extLst>
               <a:ext uri="{FF2B5EF4-FFF2-40B4-BE49-F238E27FC236}">
@@ -24242,7 +28105,7 @@
         </p:nvSpPr>
         <p:spPr>
           <a:xfrm>
-            <a:off x="4342956" y="239617"/>
+            <a:off x="4342956" y="203759"/>
             <a:ext cx="3506088" cy="646331"/>
           </a:xfrm>
           <a:prstGeom prst="rect">
@@ -24276,6 +28139,34 @@
           </a:p>
         </p:txBody>
       </p:sp>
+      <p:graphicFrame>
+        <p:nvGraphicFramePr>
+          <p:cNvPr id="3" name="資料庫圖表 2">
+            <a:extLst>
+              <a:ext uri="{FF2B5EF4-FFF2-40B4-BE49-F238E27FC236}">
+                <a16:creationId xmlns:a16="http://schemas.microsoft.com/office/drawing/2014/main" id="{603BBD06-C8DE-46D8-889A-6F29D530A388}"/>
+              </a:ext>
+            </a:extLst>
+          </p:cNvPr>
+          <p:cNvGraphicFramePr/>
+          <p:nvPr>
+            <p:extLst>
+              <p:ext uri="{D42A27DB-BD31-4B8C-83A1-F6EECF244321}">
+                <p14:modId xmlns:p14="http://schemas.microsoft.com/office/powerpoint/2010/main" val="2815362227"/>
+              </p:ext>
+            </p:extLst>
+          </p:nvPr>
+        </p:nvGraphicFramePr>
+        <p:xfrm>
+          <a:off x="1326775" y="1120588"/>
+          <a:ext cx="9906001" cy="5145741"/>
+        </p:xfrm>
+        <a:graphic>
+          <a:graphicData uri="http://schemas.openxmlformats.org/drawingml/2006/diagram">
+            <dgm:relIds xmlns:dgm="http://schemas.openxmlformats.org/drawingml/2006/diagram" xmlns:r="http://schemas.openxmlformats.org/officeDocument/2006/relationships" r:dm="rId2" r:lo="rId3" r:qs="rId4" r:cs="rId5"/>
+          </a:graphicData>
+        </a:graphic>
+      </p:graphicFrame>
     </p:spTree>
     <p:extLst>
       <p:ext uri="{BB962C8B-B14F-4D97-AF65-F5344CB8AC3E}">
